--- a/내포토샵.pptx
+++ b/내포토샵.pptx
@@ -4360,8 +4360,8 @@
         </p:blipFill>
         <p:spPr>
           <a:xfrm>
-            <a:off x="2346036" y="2223653"/>
-            <a:ext cx="2096514" cy="1856509"/>
+            <a:off x="2285076" y="2577737"/>
+            <a:ext cx="1303279" cy="1154082"/>
           </a:xfrm>
           <a:prstGeom prst="rect">
             <a:avLst/>
@@ -4508,10 +4508,10 @@
       </p:grpSpPr>
       <p:pic>
         <p:nvPicPr>
-          <p:cNvPr id="3" name="그림 2" descr="상징, 로고, 직사각형, 디자인이(가) 표시된 사진&#10;&#10;자동 생성된 설명">
+          <p:cNvPr id="8" name="그림 7" descr="상징, 로고, 직사각형, 디자인이(가) 표시된 사진&#10;&#10;자동 생성된 설명">
             <a:extLst>
               <a:ext uri="{FF2B5EF4-FFF2-40B4-BE49-F238E27FC236}">
-                <a16:creationId xmlns:a16="http://schemas.microsoft.com/office/drawing/2014/main" id="{AE73DF59-6242-8EE1-3178-DC9C492633F8}"/>
+                <a16:creationId xmlns:a16="http://schemas.microsoft.com/office/drawing/2014/main" id="{B032E3AD-1F48-2D32-C669-5DDE96FB0E3C}"/>
               </a:ext>
             </a:extLst>
           </p:cNvPr>
@@ -4522,7 +4522,13 @@
         </p:nvPicPr>
         <p:blipFill>
           <a:blip r:embed="rId2" cstate="print">
-            <a:grayscl/>
+            <a:duotone>
+              <a:prstClr val="black"/>
+              <a:srgbClr val="D9C3A5">
+                <a:tint val="50000"/>
+                <a:satMod val="180000"/>
+              </a:srgbClr>
+            </a:duotone>
             <a:extLst>
               <a:ext uri="{28A0092B-C50C-407E-A947-70E740481C1C}">
                 <a14:useLocalDpi xmlns:a14="http://schemas.microsoft.com/office/drawing/2010/main" val="0"/>

--- a/내포토샵.pptx
+++ b/내포토샵.pptx
@@ -20,6 +20,13 @@
     <p:sldId id="268" r:id="rId14"/>
     <p:sldId id="269" r:id="rId15"/>
     <p:sldId id="270" r:id="rId16"/>
+    <p:sldId id="271" r:id="rId17"/>
+    <p:sldId id="275" r:id="rId18"/>
+    <p:sldId id="272" r:id="rId19"/>
+    <p:sldId id="276" r:id="rId20"/>
+    <p:sldId id="273" r:id="rId21"/>
+    <p:sldId id="274" r:id="rId22"/>
+    <p:sldId id="277" r:id="rId23"/>
   </p:sldIdLst>
   <p:sldSz cx="12192000" cy="6858000"/>
   <p:notesSz cx="6858000" cy="9144000"/>
@@ -4100,7 +4107,7 @@
             <a:avLst/>
           </a:prstGeom>
           <a:solidFill>
-            <a:srgbClr val="101D40"/>
+            <a:srgbClr val="FDF2C3"/>
           </a:solidFill>
           <a:ln w="127000">
             <a:solidFill>
@@ -4562,6 +4569,1002 @@
 </p:sld>
 </file>
 
+<file path=ppt/slides/slide16.xml><?xml version="1.0" encoding="utf-8"?>
+<p:sld xmlns:a="http://schemas.openxmlformats.org/drawingml/2006/main" xmlns:r="http://schemas.openxmlformats.org/officeDocument/2006/relationships" xmlns:p="http://schemas.openxmlformats.org/presentationml/2006/main">
+  <p:cSld>
+    <p:spTree>
+      <p:nvGrpSpPr>
+        <p:cNvPr id="1" name=""/>
+        <p:cNvGrpSpPr/>
+        <p:nvPr/>
+      </p:nvGrpSpPr>
+      <p:grpSpPr>
+        <a:xfrm>
+          <a:off x="0" y="0"/>
+          <a:ext cx="0" cy="0"/>
+          <a:chOff x="0" y="0"/>
+          <a:chExt cx="0" cy="0"/>
+        </a:xfrm>
+      </p:grpSpPr>
+      <p:sp>
+        <p:nvSpPr>
+          <p:cNvPr id="3" name="모서리가 둥근 직사각형 2">
+            <a:extLst>
+              <a:ext uri="{FF2B5EF4-FFF2-40B4-BE49-F238E27FC236}">
+                <a16:creationId xmlns:a16="http://schemas.microsoft.com/office/drawing/2014/main" id="{0526D144-1574-E1CE-CF66-6671BFD2E078}"/>
+              </a:ext>
+            </a:extLst>
+          </p:cNvPr>
+          <p:cNvSpPr/>
+          <p:nvPr/>
+        </p:nvSpPr>
+        <p:spPr>
+          <a:xfrm>
+            <a:off x="2050472" y="1819563"/>
+            <a:ext cx="6486699" cy="2664691"/>
+          </a:xfrm>
+          <a:prstGeom prst="roundRect">
+            <a:avLst/>
+          </a:prstGeom>
+          <a:solidFill>
+            <a:srgbClr val="455C60"/>
+          </a:solidFill>
+          <a:ln w="127000">
+            <a:solidFill>
+              <a:srgbClr val="F3C951"/>
+            </a:solidFill>
+          </a:ln>
+          <a:effectLst>
+            <a:outerShdw blurRad="50800" dist="38100" dir="2700000" algn="tl" rotWithShape="0">
+              <a:prstClr val="black">
+                <a:alpha val="40000"/>
+              </a:prstClr>
+            </a:outerShdw>
+          </a:effectLst>
+        </p:spPr>
+        <p:style>
+          <a:lnRef idx="2">
+            <a:schemeClr val="accent1">
+              <a:shade val="50000"/>
+            </a:schemeClr>
+          </a:lnRef>
+          <a:fillRef idx="1">
+            <a:schemeClr val="accent1"/>
+          </a:fillRef>
+          <a:effectRef idx="0">
+            <a:schemeClr val="accent1"/>
+          </a:effectRef>
+          <a:fontRef idx="minor">
+            <a:schemeClr val="lt1"/>
+          </a:fontRef>
+        </p:style>
+        <p:txBody>
+          <a:bodyPr rtlCol="0" anchor="ctr"/>
+          <a:lstStyle/>
+          <a:p>
+            <a:pPr algn="ctr"/>
+            <a:endParaRPr lang="ko-KR" altLang="en-US"/>
+          </a:p>
+        </p:txBody>
+      </p:sp>
+      <p:pic>
+        <p:nvPicPr>
+          <p:cNvPr id="8" name="그림 7" descr="텍스트, 폰트, 로고, 등록 상표이(가) 표시된 사진&#10;&#10;자동 생성된 설명">
+            <a:extLst>
+              <a:ext uri="{FF2B5EF4-FFF2-40B4-BE49-F238E27FC236}">
+                <a16:creationId xmlns:a16="http://schemas.microsoft.com/office/drawing/2014/main" id="{70CAE1EF-C7E0-250F-A60B-CEBE7D7C9D56}"/>
+              </a:ext>
+            </a:extLst>
+          </p:cNvPr>
+          <p:cNvPicPr>
+            <a:picLocks noChangeAspect="1"/>
+          </p:cNvPicPr>
+          <p:nvPr/>
+        </p:nvPicPr>
+        <p:blipFill>
+          <a:blip r:embed="rId2" cstate="print">
+            <a:extLst>
+              <a:ext uri="{28A0092B-C50C-407E-A947-70E740481C1C}">
+                <a14:useLocalDpi xmlns:a14="http://schemas.microsoft.com/office/drawing/2010/main" val="0"/>
+              </a:ext>
+            </a:extLst>
+          </a:blip>
+          <a:stretch>
+            <a:fillRect/>
+          </a:stretch>
+        </p:blipFill>
+        <p:spPr>
+          <a:xfrm>
+            <a:off x="1566460" y="386614"/>
+            <a:ext cx="779576" cy="1089996"/>
+          </a:xfrm>
+          <a:prstGeom prst="rect">
+            <a:avLst/>
+          </a:prstGeom>
+        </p:spPr>
+      </p:pic>
+      <p:pic>
+        <p:nvPicPr>
+          <p:cNvPr id="9" name="그림 8" descr="텍스트, 새, 로고, 엠블럼이(가) 표시된 사진&#10;&#10;자동 생성된 설명">
+            <a:extLst>
+              <a:ext uri="{FF2B5EF4-FFF2-40B4-BE49-F238E27FC236}">
+                <a16:creationId xmlns:a16="http://schemas.microsoft.com/office/drawing/2014/main" id="{73085A3B-71F5-397E-5F59-B89E7CBC2E28}"/>
+              </a:ext>
+            </a:extLst>
+          </p:cNvPr>
+          <p:cNvPicPr>
+            <a:picLocks noChangeAspect="1"/>
+          </p:cNvPicPr>
+          <p:nvPr/>
+        </p:nvPicPr>
+        <p:blipFill>
+          <a:blip r:embed="rId3" cstate="print">
+            <a:extLst>
+              <a:ext uri="{28A0092B-C50C-407E-A947-70E740481C1C}">
+                <a14:useLocalDpi xmlns:a14="http://schemas.microsoft.com/office/drawing/2010/main" val="0"/>
+              </a:ext>
+            </a:extLst>
+          </a:blip>
+          <a:stretch>
+            <a:fillRect/>
+          </a:stretch>
+        </p:blipFill>
+        <p:spPr>
+          <a:xfrm>
+            <a:off x="527955" y="325475"/>
+            <a:ext cx="779576" cy="1089996"/>
+          </a:xfrm>
+          <a:prstGeom prst="rect">
+            <a:avLst/>
+          </a:prstGeom>
+        </p:spPr>
+      </p:pic>
+      <p:pic>
+        <p:nvPicPr>
+          <p:cNvPr id="10" name="그림 9" descr="텍스트, 포스터, 만화 영화, 선전이(가) 표시된 사진&#10;&#10;자동 생성된 설명">
+            <a:extLst>
+              <a:ext uri="{FF2B5EF4-FFF2-40B4-BE49-F238E27FC236}">
+                <a16:creationId xmlns:a16="http://schemas.microsoft.com/office/drawing/2014/main" id="{B31B4397-2A3B-2423-5EED-6F31EA385403}"/>
+              </a:ext>
+            </a:extLst>
+          </p:cNvPr>
+          <p:cNvPicPr>
+            <a:picLocks noChangeAspect="1"/>
+          </p:cNvPicPr>
+          <p:nvPr/>
+        </p:nvPicPr>
+        <p:blipFill>
+          <a:blip r:embed="rId4" cstate="print">
+            <a:extLst>
+              <a:ext uri="{28A0092B-C50C-407E-A947-70E740481C1C}">
+                <a14:useLocalDpi xmlns:a14="http://schemas.microsoft.com/office/drawing/2010/main" val="0"/>
+              </a:ext>
+            </a:extLst>
+          </a:blip>
+          <a:stretch>
+            <a:fillRect/>
+          </a:stretch>
+        </p:blipFill>
+        <p:spPr>
+          <a:xfrm>
+            <a:off x="273707" y="2485546"/>
+            <a:ext cx="1126497" cy="1578941"/>
+          </a:xfrm>
+          <a:prstGeom prst="rect">
+            <a:avLst/>
+          </a:prstGeom>
+        </p:spPr>
+      </p:pic>
+      <p:pic>
+        <p:nvPicPr>
+          <p:cNvPr id="2" name="그림 1"/>
+          <p:cNvPicPr>
+            <a:picLocks noChangeAspect="1"/>
+          </p:cNvPicPr>
+          <p:nvPr/>
+        </p:nvPicPr>
+        <p:blipFill>
+          <a:blip r:embed="rId5" cstate="print">
+            <a:extLst>
+              <a:ext uri="{28A0092B-C50C-407E-A947-70E740481C1C}">
+                <a14:useLocalDpi xmlns:a14="http://schemas.microsoft.com/office/drawing/2010/main" val="0"/>
+              </a:ext>
+            </a:extLst>
+          </a:blip>
+          <a:stretch>
+            <a:fillRect/>
+          </a:stretch>
+        </p:blipFill>
+        <p:spPr>
+          <a:xfrm>
+            <a:off x="2346036" y="2060714"/>
+            <a:ext cx="1534362" cy="2182387"/>
+          </a:xfrm>
+          <a:prstGeom prst="rect">
+            <a:avLst/>
+          </a:prstGeom>
+        </p:spPr>
+      </p:pic>
+      <p:sp>
+        <p:nvSpPr>
+          <p:cNvPr id="11" name="TextBox 10">
+            <a:extLst>
+              <a:ext uri="{FF2B5EF4-FFF2-40B4-BE49-F238E27FC236}">
+                <a16:creationId xmlns:a16="http://schemas.microsoft.com/office/drawing/2014/main" id="{484F53A5-10B2-D907-A0C1-8138691A0546}"/>
+              </a:ext>
+            </a:extLst>
+          </p:cNvPr>
+          <p:cNvSpPr txBox="1"/>
+          <p:nvPr/>
+        </p:nvSpPr>
+        <p:spPr>
+          <a:xfrm>
+            <a:off x="2746276" y="2701638"/>
+            <a:ext cx="728445" cy="1107996"/>
+          </a:xfrm>
+          <a:prstGeom prst="rect">
+            <a:avLst/>
+          </a:prstGeom>
+          <a:noFill/>
+        </p:spPr>
+        <p:txBody>
+          <a:bodyPr wrap="square" rtlCol="0">
+            <a:spAutoFit/>
+          </a:bodyPr>
+          <a:lstStyle/>
+          <a:p>
+            <a:r>
+              <a:rPr lang="en-US" altLang="ko-KR" sz="6600" dirty="0" smtClean="0">
+                <a:solidFill>
+                  <a:srgbClr val="F2E5C0"/>
+                </a:solidFill>
+                <a:effectLst>
+                  <a:outerShdw blurRad="38100" dist="38100" dir="2700000" algn="tl">
+                    <a:srgbClr val="000000">
+                      <a:alpha val="43137"/>
+                    </a:srgbClr>
+                  </a:outerShdw>
+                </a:effectLst>
+                <a:latin typeface="태나다체 " panose="02000000000000000000" pitchFamily="2" charset="-127"/>
+                <a:ea typeface="태나다체 " panose="02000000000000000000" pitchFamily="2" charset="-127"/>
+              </a:rPr>
+              <a:t>?</a:t>
+            </a:r>
+            <a:endParaRPr lang="ko-KR" altLang="en-US" sz="6600" dirty="0">
+              <a:solidFill>
+                <a:srgbClr val="F2E5C0"/>
+              </a:solidFill>
+              <a:effectLst>
+                <a:outerShdw blurRad="38100" dist="38100" dir="2700000" algn="tl">
+                  <a:srgbClr val="000000">
+                    <a:alpha val="43137"/>
+                  </a:srgbClr>
+                </a:outerShdw>
+              </a:effectLst>
+              <a:latin typeface="태나다체 " panose="02000000000000000000" pitchFamily="2" charset="-127"/>
+              <a:ea typeface="태나다체 " panose="02000000000000000000" pitchFamily="2" charset="-127"/>
+            </a:endParaRPr>
+          </a:p>
+        </p:txBody>
+      </p:sp>
+      <p:cxnSp>
+        <p:nvCxnSpPr>
+          <p:cNvPr id="12" name="직선 연결선 11"/>
+          <p:cNvCxnSpPr/>
+          <p:nvPr/>
+        </p:nvCxnSpPr>
+        <p:spPr>
+          <a:xfrm>
+            <a:off x="4048298" y="2834642"/>
+            <a:ext cx="4281055" cy="0"/>
+          </a:xfrm>
+          <a:prstGeom prst="line">
+            <a:avLst/>
+          </a:prstGeom>
+          <a:ln w="38100">
+            <a:solidFill>
+              <a:srgbClr val="F3C951"/>
+            </a:solidFill>
+          </a:ln>
+        </p:spPr>
+        <p:style>
+          <a:lnRef idx="1">
+            <a:schemeClr val="accent1"/>
+          </a:lnRef>
+          <a:fillRef idx="0">
+            <a:schemeClr val="accent1"/>
+          </a:fillRef>
+          <a:effectRef idx="0">
+            <a:schemeClr val="accent1"/>
+          </a:effectRef>
+          <a:fontRef idx="minor">
+            <a:schemeClr val="tx1"/>
+          </a:fontRef>
+        </p:style>
+      </p:cxnSp>
+    </p:spTree>
+    <p:extLst>
+      <p:ext uri="{BB962C8B-B14F-4D97-AF65-F5344CB8AC3E}">
+        <p14:creationId xmlns:p14="http://schemas.microsoft.com/office/powerpoint/2010/main" val="566992118"/>
+      </p:ext>
+    </p:extLst>
+  </p:cSld>
+  <p:clrMapOvr>
+    <a:masterClrMapping/>
+  </p:clrMapOvr>
+</p:sld>
+</file>
+
+<file path=ppt/slides/slide17.xml><?xml version="1.0" encoding="utf-8"?>
+<p:sld xmlns:a="http://schemas.openxmlformats.org/drawingml/2006/main" xmlns:r="http://schemas.openxmlformats.org/officeDocument/2006/relationships" xmlns:p="http://schemas.openxmlformats.org/presentationml/2006/main">
+  <p:cSld>
+    <p:spTree>
+      <p:nvGrpSpPr>
+        <p:cNvPr id="1" name=""/>
+        <p:cNvGrpSpPr/>
+        <p:nvPr/>
+      </p:nvGrpSpPr>
+      <p:grpSpPr>
+        <a:xfrm>
+          <a:off x="0" y="0"/>
+          <a:ext cx="0" cy="0"/>
+          <a:chOff x="0" y="0"/>
+          <a:chExt cx="0" cy="0"/>
+        </a:xfrm>
+      </p:grpSpPr>
+      <p:sp>
+        <p:nvSpPr>
+          <p:cNvPr id="3" name="모서리가 둥근 직사각형 2">
+            <a:extLst>
+              <a:ext uri="{FF2B5EF4-FFF2-40B4-BE49-F238E27FC236}">
+                <a16:creationId xmlns:a16="http://schemas.microsoft.com/office/drawing/2014/main" id="{0526D144-1574-E1CE-CF66-6671BFD2E078}"/>
+              </a:ext>
+            </a:extLst>
+          </p:cNvPr>
+          <p:cNvSpPr/>
+          <p:nvPr/>
+        </p:nvSpPr>
+        <p:spPr>
+          <a:xfrm>
+            <a:off x="2050472" y="1819563"/>
+            <a:ext cx="7675419" cy="2664691"/>
+          </a:xfrm>
+          <a:prstGeom prst="roundRect">
+            <a:avLst/>
+          </a:prstGeom>
+          <a:solidFill>
+            <a:srgbClr val="455C60"/>
+          </a:solidFill>
+          <a:ln w="127000">
+            <a:solidFill>
+              <a:srgbClr val="F3C951"/>
+            </a:solidFill>
+          </a:ln>
+          <a:effectLst>
+            <a:outerShdw blurRad="50800" dist="38100" dir="2700000" algn="tl" rotWithShape="0">
+              <a:prstClr val="black">
+                <a:alpha val="40000"/>
+              </a:prstClr>
+            </a:outerShdw>
+          </a:effectLst>
+        </p:spPr>
+        <p:style>
+          <a:lnRef idx="2">
+            <a:schemeClr val="accent1">
+              <a:shade val="50000"/>
+            </a:schemeClr>
+          </a:lnRef>
+          <a:fillRef idx="1">
+            <a:schemeClr val="accent1"/>
+          </a:fillRef>
+          <a:effectRef idx="0">
+            <a:schemeClr val="accent1"/>
+          </a:effectRef>
+          <a:fontRef idx="minor">
+            <a:schemeClr val="lt1"/>
+          </a:fontRef>
+        </p:style>
+        <p:txBody>
+          <a:bodyPr rtlCol="0" anchor="ctr"/>
+          <a:lstStyle/>
+          <a:p>
+            <a:pPr algn="ctr"/>
+            <a:endParaRPr lang="ko-KR" altLang="en-US"/>
+          </a:p>
+        </p:txBody>
+      </p:sp>
+      <p:pic>
+        <p:nvPicPr>
+          <p:cNvPr id="8" name="그림 7" descr="텍스트, 폰트, 로고, 등록 상표이(가) 표시된 사진&#10;&#10;자동 생성된 설명">
+            <a:extLst>
+              <a:ext uri="{FF2B5EF4-FFF2-40B4-BE49-F238E27FC236}">
+                <a16:creationId xmlns:a16="http://schemas.microsoft.com/office/drawing/2014/main" id="{70CAE1EF-C7E0-250F-A60B-CEBE7D7C9D56}"/>
+              </a:ext>
+            </a:extLst>
+          </p:cNvPr>
+          <p:cNvPicPr>
+            <a:picLocks noChangeAspect="1"/>
+          </p:cNvPicPr>
+          <p:nvPr/>
+        </p:nvPicPr>
+        <p:blipFill>
+          <a:blip r:embed="rId2" cstate="print">
+            <a:extLst>
+              <a:ext uri="{28A0092B-C50C-407E-A947-70E740481C1C}">
+                <a14:useLocalDpi xmlns:a14="http://schemas.microsoft.com/office/drawing/2010/main" val="0"/>
+              </a:ext>
+            </a:extLst>
+          </a:blip>
+          <a:stretch>
+            <a:fillRect/>
+          </a:stretch>
+        </p:blipFill>
+        <p:spPr>
+          <a:xfrm>
+            <a:off x="1566460" y="386614"/>
+            <a:ext cx="779576" cy="1089996"/>
+          </a:xfrm>
+          <a:prstGeom prst="rect">
+            <a:avLst/>
+          </a:prstGeom>
+        </p:spPr>
+      </p:pic>
+      <p:pic>
+        <p:nvPicPr>
+          <p:cNvPr id="9" name="그림 8" descr="텍스트, 새, 로고, 엠블럼이(가) 표시된 사진&#10;&#10;자동 생성된 설명">
+            <a:extLst>
+              <a:ext uri="{FF2B5EF4-FFF2-40B4-BE49-F238E27FC236}">
+                <a16:creationId xmlns:a16="http://schemas.microsoft.com/office/drawing/2014/main" id="{73085A3B-71F5-397E-5F59-B89E7CBC2E28}"/>
+              </a:ext>
+            </a:extLst>
+          </p:cNvPr>
+          <p:cNvPicPr>
+            <a:picLocks noChangeAspect="1"/>
+          </p:cNvPicPr>
+          <p:nvPr/>
+        </p:nvPicPr>
+        <p:blipFill>
+          <a:blip r:embed="rId3" cstate="print">
+            <a:extLst>
+              <a:ext uri="{28A0092B-C50C-407E-A947-70E740481C1C}">
+                <a14:useLocalDpi xmlns:a14="http://schemas.microsoft.com/office/drawing/2010/main" val="0"/>
+              </a:ext>
+            </a:extLst>
+          </a:blip>
+          <a:stretch>
+            <a:fillRect/>
+          </a:stretch>
+        </p:blipFill>
+        <p:spPr>
+          <a:xfrm>
+            <a:off x="527955" y="325475"/>
+            <a:ext cx="779576" cy="1089996"/>
+          </a:xfrm>
+          <a:prstGeom prst="rect">
+            <a:avLst/>
+          </a:prstGeom>
+        </p:spPr>
+      </p:pic>
+      <p:pic>
+        <p:nvPicPr>
+          <p:cNvPr id="10" name="그림 9" descr="텍스트, 포스터, 만화 영화, 선전이(가) 표시된 사진&#10;&#10;자동 생성된 설명">
+            <a:extLst>
+              <a:ext uri="{FF2B5EF4-FFF2-40B4-BE49-F238E27FC236}">
+                <a16:creationId xmlns:a16="http://schemas.microsoft.com/office/drawing/2014/main" id="{B31B4397-2A3B-2423-5EED-6F31EA385403}"/>
+              </a:ext>
+            </a:extLst>
+          </p:cNvPr>
+          <p:cNvPicPr>
+            <a:picLocks noChangeAspect="1"/>
+          </p:cNvPicPr>
+          <p:nvPr/>
+        </p:nvPicPr>
+        <p:blipFill>
+          <a:blip r:embed="rId4" cstate="print">
+            <a:extLst>
+              <a:ext uri="{28A0092B-C50C-407E-A947-70E740481C1C}">
+                <a14:useLocalDpi xmlns:a14="http://schemas.microsoft.com/office/drawing/2010/main" val="0"/>
+              </a:ext>
+            </a:extLst>
+          </a:blip>
+          <a:stretch>
+            <a:fillRect/>
+          </a:stretch>
+        </p:blipFill>
+        <p:spPr>
+          <a:xfrm>
+            <a:off x="273707" y="2485546"/>
+            <a:ext cx="1126497" cy="1578941"/>
+          </a:xfrm>
+          <a:prstGeom prst="rect">
+            <a:avLst/>
+          </a:prstGeom>
+        </p:spPr>
+      </p:pic>
+      <p:pic>
+        <p:nvPicPr>
+          <p:cNvPr id="2" name="그림 1"/>
+          <p:cNvPicPr>
+            <a:picLocks noChangeAspect="1"/>
+          </p:cNvPicPr>
+          <p:nvPr/>
+        </p:nvPicPr>
+        <p:blipFill>
+          <a:blip r:embed="rId5" cstate="print">
+            <a:extLst>
+              <a:ext uri="{28A0092B-C50C-407E-A947-70E740481C1C}">
+                <a14:useLocalDpi xmlns:a14="http://schemas.microsoft.com/office/drawing/2010/main" val="0"/>
+              </a:ext>
+            </a:extLst>
+          </a:blip>
+          <a:stretch>
+            <a:fillRect/>
+          </a:stretch>
+        </p:blipFill>
+        <p:spPr>
+          <a:xfrm>
+            <a:off x="2346036" y="2060714"/>
+            <a:ext cx="1534362" cy="2182387"/>
+          </a:xfrm>
+          <a:prstGeom prst="rect">
+            <a:avLst/>
+          </a:prstGeom>
+        </p:spPr>
+      </p:pic>
+      <p:sp>
+        <p:nvSpPr>
+          <p:cNvPr id="11" name="TextBox 10">
+            <a:extLst>
+              <a:ext uri="{FF2B5EF4-FFF2-40B4-BE49-F238E27FC236}">
+                <a16:creationId xmlns:a16="http://schemas.microsoft.com/office/drawing/2014/main" id="{484F53A5-10B2-D907-A0C1-8138691A0546}"/>
+              </a:ext>
+            </a:extLst>
+          </p:cNvPr>
+          <p:cNvSpPr txBox="1"/>
+          <p:nvPr/>
+        </p:nvSpPr>
+        <p:spPr>
+          <a:xfrm>
+            <a:off x="2746276" y="2701638"/>
+            <a:ext cx="728445" cy="1107996"/>
+          </a:xfrm>
+          <a:prstGeom prst="rect">
+            <a:avLst/>
+          </a:prstGeom>
+          <a:noFill/>
+        </p:spPr>
+        <p:txBody>
+          <a:bodyPr wrap="square" rtlCol="0">
+            <a:spAutoFit/>
+          </a:bodyPr>
+          <a:lstStyle/>
+          <a:p>
+            <a:r>
+              <a:rPr lang="en-US" altLang="ko-KR" sz="6600" dirty="0" smtClean="0">
+                <a:solidFill>
+                  <a:srgbClr val="F2E5C0"/>
+                </a:solidFill>
+                <a:effectLst>
+                  <a:outerShdw blurRad="38100" dist="38100" dir="2700000" algn="tl">
+                    <a:srgbClr val="000000">
+                      <a:alpha val="43137"/>
+                    </a:srgbClr>
+                  </a:outerShdw>
+                </a:effectLst>
+                <a:latin typeface="태나다체 " panose="02000000000000000000" pitchFamily="2" charset="-127"/>
+                <a:ea typeface="태나다체 " panose="02000000000000000000" pitchFamily="2" charset="-127"/>
+              </a:rPr>
+              <a:t>?</a:t>
+            </a:r>
+            <a:endParaRPr lang="ko-KR" altLang="en-US" sz="6600" dirty="0">
+              <a:solidFill>
+                <a:srgbClr val="F2E5C0"/>
+              </a:solidFill>
+              <a:effectLst>
+                <a:outerShdw blurRad="38100" dist="38100" dir="2700000" algn="tl">
+                  <a:srgbClr val="000000">
+                    <a:alpha val="43137"/>
+                  </a:srgbClr>
+                </a:outerShdw>
+              </a:effectLst>
+              <a:latin typeface="태나다체 " panose="02000000000000000000" pitchFamily="2" charset="-127"/>
+              <a:ea typeface="태나다체 " panose="02000000000000000000" pitchFamily="2" charset="-127"/>
+            </a:endParaRPr>
+          </a:p>
+        </p:txBody>
+      </p:sp>
+      <p:cxnSp>
+        <p:nvCxnSpPr>
+          <p:cNvPr id="12" name="직선 연결선 11"/>
+          <p:cNvCxnSpPr/>
+          <p:nvPr/>
+        </p:nvCxnSpPr>
+        <p:spPr>
+          <a:xfrm>
+            <a:off x="4048298" y="2834642"/>
+            <a:ext cx="5311833" cy="0"/>
+          </a:xfrm>
+          <a:prstGeom prst="line">
+            <a:avLst/>
+          </a:prstGeom>
+          <a:ln w="38100">
+            <a:solidFill>
+              <a:srgbClr val="F3C951"/>
+            </a:solidFill>
+          </a:ln>
+        </p:spPr>
+        <p:style>
+          <a:lnRef idx="1">
+            <a:schemeClr val="accent1"/>
+          </a:lnRef>
+          <a:fillRef idx="0">
+            <a:schemeClr val="accent1"/>
+          </a:fillRef>
+          <a:effectRef idx="0">
+            <a:schemeClr val="accent1"/>
+          </a:effectRef>
+          <a:fontRef idx="minor">
+            <a:schemeClr val="tx1"/>
+          </a:fontRef>
+        </p:style>
+      </p:cxnSp>
+    </p:spTree>
+    <p:extLst>
+      <p:ext uri="{BB962C8B-B14F-4D97-AF65-F5344CB8AC3E}">
+        <p14:creationId xmlns:p14="http://schemas.microsoft.com/office/powerpoint/2010/main" val="3448864267"/>
+      </p:ext>
+    </p:extLst>
+  </p:cSld>
+  <p:clrMapOvr>
+    <a:masterClrMapping/>
+  </p:clrMapOvr>
+</p:sld>
+</file>
+
+<file path=ppt/slides/slide18.xml><?xml version="1.0" encoding="utf-8"?>
+<p:sld xmlns:a="http://schemas.openxmlformats.org/drawingml/2006/main" xmlns:r="http://schemas.openxmlformats.org/officeDocument/2006/relationships" xmlns:p="http://schemas.openxmlformats.org/presentationml/2006/main">
+  <p:cSld>
+    <p:spTree>
+      <p:nvGrpSpPr>
+        <p:cNvPr id="1" name=""/>
+        <p:cNvGrpSpPr/>
+        <p:nvPr/>
+      </p:nvGrpSpPr>
+      <p:grpSpPr>
+        <a:xfrm>
+          <a:off x="0" y="0"/>
+          <a:ext cx="0" cy="0"/>
+          <a:chOff x="0" y="0"/>
+          <a:chExt cx="0" cy="0"/>
+        </a:xfrm>
+      </p:grpSpPr>
+      <p:pic>
+        <p:nvPicPr>
+          <p:cNvPr id="8" name="그림 7" descr="텍스트, 폰트, 로고, 등록 상표이(가) 표시된 사진&#10;&#10;자동 생성된 설명">
+            <a:extLst>
+              <a:ext uri="{FF2B5EF4-FFF2-40B4-BE49-F238E27FC236}">
+                <a16:creationId xmlns:a16="http://schemas.microsoft.com/office/drawing/2014/main" id="{70CAE1EF-C7E0-250F-A60B-CEBE7D7C9D56}"/>
+              </a:ext>
+            </a:extLst>
+          </p:cNvPr>
+          <p:cNvPicPr>
+            <a:picLocks noChangeAspect="1"/>
+          </p:cNvPicPr>
+          <p:nvPr/>
+        </p:nvPicPr>
+        <p:blipFill>
+          <a:blip r:embed="rId2" cstate="print">
+            <a:extLst>
+              <a:ext uri="{28A0092B-C50C-407E-A947-70E740481C1C}">
+                <a14:useLocalDpi xmlns:a14="http://schemas.microsoft.com/office/drawing/2010/main" val="0"/>
+              </a:ext>
+            </a:extLst>
+          </a:blip>
+          <a:stretch>
+            <a:fillRect/>
+          </a:stretch>
+        </p:blipFill>
+        <p:spPr>
+          <a:xfrm>
+            <a:off x="1566460" y="386614"/>
+            <a:ext cx="779576" cy="1089996"/>
+          </a:xfrm>
+          <a:prstGeom prst="rect">
+            <a:avLst/>
+          </a:prstGeom>
+        </p:spPr>
+      </p:pic>
+      <p:pic>
+        <p:nvPicPr>
+          <p:cNvPr id="9" name="그림 8" descr="텍스트, 새, 로고, 엠블럼이(가) 표시된 사진&#10;&#10;자동 생성된 설명">
+            <a:extLst>
+              <a:ext uri="{FF2B5EF4-FFF2-40B4-BE49-F238E27FC236}">
+                <a16:creationId xmlns:a16="http://schemas.microsoft.com/office/drawing/2014/main" id="{73085A3B-71F5-397E-5F59-B89E7CBC2E28}"/>
+              </a:ext>
+            </a:extLst>
+          </p:cNvPr>
+          <p:cNvPicPr>
+            <a:picLocks noChangeAspect="1"/>
+          </p:cNvPicPr>
+          <p:nvPr/>
+        </p:nvPicPr>
+        <p:blipFill>
+          <a:blip r:embed="rId3" cstate="print">
+            <a:extLst>
+              <a:ext uri="{28A0092B-C50C-407E-A947-70E740481C1C}">
+                <a14:useLocalDpi xmlns:a14="http://schemas.microsoft.com/office/drawing/2010/main" val="0"/>
+              </a:ext>
+            </a:extLst>
+          </a:blip>
+          <a:stretch>
+            <a:fillRect/>
+          </a:stretch>
+        </p:blipFill>
+        <p:spPr>
+          <a:xfrm>
+            <a:off x="527955" y="325475"/>
+            <a:ext cx="779576" cy="1089996"/>
+          </a:xfrm>
+          <a:prstGeom prst="rect">
+            <a:avLst/>
+          </a:prstGeom>
+        </p:spPr>
+      </p:pic>
+      <p:pic>
+        <p:nvPicPr>
+          <p:cNvPr id="10" name="그림 9" descr="텍스트, 포스터, 만화 영화, 선전이(가) 표시된 사진&#10;&#10;자동 생성된 설명">
+            <a:extLst>
+              <a:ext uri="{FF2B5EF4-FFF2-40B4-BE49-F238E27FC236}">
+                <a16:creationId xmlns:a16="http://schemas.microsoft.com/office/drawing/2014/main" id="{B31B4397-2A3B-2423-5EED-6F31EA385403}"/>
+              </a:ext>
+            </a:extLst>
+          </p:cNvPr>
+          <p:cNvPicPr>
+            <a:picLocks noChangeAspect="1"/>
+          </p:cNvPicPr>
+          <p:nvPr/>
+        </p:nvPicPr>
+        <p:blipFill>
+          <a:blip r:embed="rId4" cstate="print">
+            <a:extLst>
+              <a:ext uri="{28A0092B-C50C-407E-A947-70E740481C1C}">
+                <a14:useLocalDpi xmlns:a14="http://schemas.microsoft.com/office/drawing/2010/main" val="0"/>
+              </a:ext>
+            </a:extLst>
+          </a:blip>
+          <a:stretch>
+            <a:fillRect/>
+          </a:stretch>
+        </p:blipFill>
+        <p:spPr>
+          <a:xfrm>
+            <a:off x="273707" y="2485546"/>
+            <a:ext cx="1126497" cy="1578941"/>
+          </a:xfrm>
+          <a:prstGeom prst="rect">
+            <a:avLst/>
+          </a:prstGeom>
+        </p:spPr>
+      </p:pic>
+      <p:pic>
+        <p:nvPicPr>
+          <p:cNvPr id="4" name="그림 3"/>
+          <p:cNvPicPr>
+            <a:picLocks noChangeAspect="1"/>
+          </p:cNvPicPr>
+          <p:nvPr/>
+        </p:nvPicPr>
+        <p:blipFill>
+          <a:blip r:embed="rId5">
+            <a:duotone>
+              <a:prstClr val="black"/>
+              <a:srgbClr val="D9C3A5">
+                <a:tint val="50000"/>
+                <a:satMod val="180000"/>
+              </a:srgbClr>
+            </a:duotone>
+            <a:extLst>
+              <a:ext uri="{28A0092B-C50C-407E-A947-70E740481C1C}">
+                <a14:useLocalDpi xmlns:a14="http://schemas.microsoft.com/office/drawing/2010/main" val="0"/>
+              </a:ext>
+            </a:extLst>
+          </a:blip>
+          <a:stretch>
+            <a:fillRect/>
+          </a:stretch>
+        </p:blipFill>
+        <p:spPr>
+          <a:xfrm>
+            <a:off x="2736813" y="1978026"/>
+            <a:ext cx="6718374" cy="2901948"/>
+          </a:xfrm>
+          <a:prstGeom prst="rect">
+            <a:avLst/>
+          </a:prstGeom>
+        </p:spPr>
+      </p:pic>
+    </p:spTree>
+    <p:extLst>
+      <p:ext uri="{BB962C8B-B14F-4D97-AF65-F5344CB8AC3E}">
+        <p14:creationId xmlns:p14="http://schemas.microsoft.com/office/powerpoint/2010/main" val="4288088964"/>
+      </p:ext>
+    </p:extLst>
+  </p:cSld>
+  <p:clrMapOvr>
+    <a:masterClrMapping/>
+  </p:clrMapOvr>
+</p:sld>
+</file>
+
+<file path=ppt/slides/slide19.xml><?xml version="1.0" encoding="utf-8"?>
+<p:sld xmlns:a="http://schemas.openxmlformats.org/drawingml/2006/main" xmlns:r="http://schemas.openxmlformats.org/officeDocument/2006/relationships" xmlns:p="http://schemas.openxmlformats.org/presentationml/2006/main">
+  <p:cSld>
+    <p:spTree>
+      <p:nvGrpSpPr>
+        <p:cNvPr id="1" name=""/>
+        <p:cNvGrpSpPr/>
+        <p:nvPr/>
+      </p:nvGrpSpPr>
+      <p:grpSpPr>
+        <a:xfrm>
+          <a:off x="0" y="0"/>
+          <a:ext cx="0" cy="0"/>
+          <a:chOff x="0" y="0"/>
+          <a:chExt cx="0" cy="0"/>
+        </a:xfrm>
+      </p:grpSpPr>
+      <p:pic>
+        <p:nvPicPr>
+          <p:cNvPr id="8" name="그림 7" descr="텍스트, 폰트, 로고, 등록 상표이(가) 표시된 사진&#10;&#10;자동 생성된 설명">
+            <a:extLst>
+              <a:ext uri="{FF2B5EF4-FFF2-40B4-BE49-F238E27FC236}">
+                <a16:creationId xmlns:a16="http://schemas.microsoft.com/office/drawing/2014/main" id="{70CAE1EF-C7E0-250F-A60B-CEBE7D7C9D56}"/>
+              </a:ext>
+            </a:extLst>
+          </p:cNvPr>
+          <p:cNvPicPr>
+            <a:picLocks noChangeAspect="1"/>
+          </p:cNvPicPr>
+          <p:nvPr/>
+        </p:nvPicPr>
+        <p:blipFill>
+          <a:blip r:embed="rId2" cstate="print">
+            <a:extLst>
+              <a:ext uri="{28A0092B-C50C-407E-A947-70E740481C1C}">
+                <a14:useLocalDpi xmlns:a14="http://schemas.microsoft.com/office/drawing/2010/main" val="0"/>
+              </a:ext>
+            </a:extLst>
+          </a:blip>
+          <a:stretch>
+            <a:fillRect/>
+          </a:stretch>
+        </p:blipFill>
+        <p:spPr>
+          <a:xfrm>
+            <a:off x="1566460" y="386614"/>
+            <a:ext cx="779576" cy="1089996"/>
+          </a:xfrm>
+          <a:prstGeom prst="rect">
+            <a:avLst/>
+          </a:prstGeom>
+        </p:spPr>
+      </p:pic>
+      <p:pic>
+        <p:nvPicPr>
+          <p:cNvPr id="9" name="그림 8" descr="텍스트, 새, 로고, 엠블럼이(가) 표시된 사진&#10;&#10;자동 생성된 설명">
+            <a:extLst>
+              <a:ext uri="{FF2B5EF4-FFF2-40B4-BE49-F238E27FC236}">
+                <a16:creationId xmlns:a16="http://schemas.microsoft.com/office/drawing/2014/main" id="{73085A3B-71F5-397E-5F59-B89E7CBC2E28}"/>
+              </a:ext>
+            </a:extLst>
+          </p:cNvPr>
+          <p:cNvPicPr>
+            <a:picLocks noChangeAspect="1"/>
+          </p:cNvPicPr>
+          <p:nvPr/>
+        </p:nvPicPr>
+        <p:blipFill>
+          <a:blip r:embed="rId3" cstate="print">
+            <a:extLst>
+              <a:ext uri="{28A0092B-C50C-407E-A947-70E740481C1C}">
+                <a14:useLocalDpi xmlns:a14="http://schemas.microsoft.com/office/drawing/2010/main" val="0"/>
+              </a:ext>
+            </a:extLst>
+          </a:blip>
+          <a:stretch>
+            <a:fillRect/>
+          </a:stretch>
+        </p:blipFill>
+        <p:spPr>
+          <a:xfrm>
+            <a:off x="527955" y="325475"/>
+            <a:ext cx="779576" cy="1089996"/>
+          </a:xfrm>
+          <a:prstGeom prst="rect">
+            <a:avLst/>
+          </a:prstGeom>
+        </p:spPr>
+      </p:pic>
+      <p:pic>
+        <p:nvPicPr>
+          <p:cNvPr id="10" name="그림 9" descr="텍스트, 포스터, 만화 영화, 선전이(가) 표시된 사진&#10;&#10;자동 생성된 설명">
+            <a:extLst>
+              <a:ext uri="{FF2B5EF4-FFF2-40B4-BE49-F238E27FC236}">
+                <a16:creationId xmlns:a16="http://schemas.microsoft.com/office/drawing/2014/main" id="{B31B4397-2A3B-2423-5EED-6F31EA385403}"/>
+              </a:ext>
+            </a:extLst>
+          </p:cNvPr>
+          <p:cNvPicPr>
+            <a:picLocks noChangeAspect="1"/>
+          </p:cNvPicPr>
+          <p:nvPr/>
+        </p:nvPicPr>
+        <p:blipFill>
+          <a:blip r:embed="rId4" cstate="print">
+            <a:extLst>
+              <a:ext uri="{28A0092B-C50C-407E-A947-70E740481C1C}">
+                <a14:useLocalDpi xmlns:a14="http://schemas.microsoft.com/office/drawing/2010/main" val="0"/>
+              </a:ext>
+            </a:extLst>
+          </a:blip>
+          <a:stretch>
+            <a:fillRect/>
+          </a:stretch>
+        </p:blipFill>
+        <p:spPr>
+          <a:xfrm>
+            <a:off x="273707" y="2485546"/>
+            <a:ext cx="1126497" cy="1578941"/>
+          </a:xfrm>
+          <a:prstGeom prst="rect">
+            <a:avLst/>
+          </a:prstGeom>
+        </p:spPr>
+      </p:pic>
+      <p:pic>
+        <p:nvPicPr>
+          <p:cNvPr id="2" name="그림 1"/>
+          <p:cNvPicPr>
+            <a:picLocks noChangeAspect="1"/>
+          </p:cNvPicPr>
+          <p:nvPr/>
+        </p:nvPicPr>
+        <p:blipFill>
+          <a:blip r:embed="rId5">
+            <a:grayscl/>
+            <a:extLst>
+              <a:ext uri="{28A0092B-C50C-407E-A947-70E740481C1C}">
+                <a14:useLocalDpi xmlns:a14="http://schemas.microsoft.com/office/drawing/2010/main" val="0"/>
+              </a:ext>
+            </a:extLst>
+          </a:blip>
+          <a:stretch>
+            <a:fillRect/>
+          </a:stretch>
+        </p:blipFill>
+        <p:spPr>
+          <a:xfrm>
+            <a:off x="2142401" y="1978026"/>
+            <a:ext cx="7907197" cy="2901948"/>
+          </a:xfrm>
+          <a:prstGeom prst="rect">
+            <a:avLst/>
+          </a:prstGeom>
+        </p:spPr>
+      </p:pic>
+    </p:spTree>
+    <p:extLst>
+      <p:ext uri="{BB962C8B-B14F-4D97-AF65-F5344CB8AC3E}">
+        <p14:creationId xmlns:p14="http://schemas.microsoft.com/office/powerpoint/2010/main" val="3874195635"/>
+      </p:ext>
+    </p:extLst>
+  </p:cSld>
+  <p:clrMapOvr>
+    <a:masterClrMapping/>
+  </p:clrMapOvr>
+</p:sld>
+</file>
+
 <file path=ppt/slides/slide2.xml><?xml version="1.0" encoding="utf-8"?>
 <p:sld xmlns:a="http://schemas.openxmlformats.org/drawingml/2006/main" xmlns:r="http://schemas.openxmlformats.org/officeDocument/2006/relationships" xmlns:p="http://schemas.openxmlformats.org/presentationml/2006/main">
   <p:cSld>
@@ -4839,6 +5842,393 @@
     <p:extLst>
       <p:ext uri="{BB962C8B-B14F-4D97-AF65-F5344CB8AC3E}">
         <p14:creationId xmlns:p14="http://schemas.microsoft.com/office/powerpoint/2010/main" val="3273454961"/>
+      </p:ext>
+    </p:extLst>
+  </p:cSld>
+  <p:clrMapOvr>
+    <a:masterClrMapping/>
+  </p:clrMapOvr>
+</p:sld>
+</file>
+
+<file path=ppt/slides/slide20.xml><?xml version="1.0" encoding="utf-8"?>
+<p:sld xmlns:a="http://schemas.openxmlformats.org/drawingml/2006/main" xmlns:r="http://schemas.openxmlformats.org/officeDocument/2006/relationships" xmlns:p="http://schemas.openxmlformats.org/presentationml/2006/main">
+  <p:cSld>
+    <p:spTree>
+      <p:nvGrpSpPr>
+        <p:cNvPr id="1" name=""/>
+        <p:cNvGrpSpPr/>
+        <p:nvPr/>
+      </p:nvGrpSpPr>
+      <p:grpSpPr>
+        <a:xfrm>
+          <a:off x="0" y="0"/>
+          <a:ext cx="0" cy="0"/>
+          <a:chOff x="0" y="0"/>
+          <a:chExt cx="0" cy="0"/>
+        </a:xfrm>
+      </p:grpSpPr>
+      <p:pic>
+        <p:nvPicPr>
+          <p:cNvPr id="2" name="그림 1"/>
+          <p:cNvPicPr>
+            <a:picLocks noChangeAspect="1"/>
+          </p:cNvPicPr>
+          <p:nvPr/>
+        </p:nvPicPr>
+        <p:blipFill>
+          <a:blip r:embed="rId2">
+            <a:extLst>
+              <a:ext uri="{28A0092B-C50C-407E-A947-70E740481C1C}">
+                <a14:useLocalDpi xmlns:a14="http://schemas.microsoft.com/office/drawing/2010/main" val="0"/>
+              </a:ext>
+            </a:extLst>
+          </a:blip>
+          <a:stretch>
+            <a:fillRect/>
+          </a:stretch>
+        </p:blipFill>
+        <p:spPr>
+          <a:xfrm>
+            <a:off x="0" y="130432"/>
+            <a:ext cx="5885411" cy="2791366"/>
+          </a:xfrm>
+          <a:prstGeom prst="rect">
+            <a:avLst/>
+          </a:prstGeom>
+        </p:spPr>
+      </p:pic>
+      <p:sp>
+        <p:nvSpPr>
+          <p:cNvPr id="3" name="모서리가 둥근 직사각형 2"/>
+          <p:cNvSpPr/>
+          <p:nvPr/>
+        </p:nvSpPr>
+        <p:spPr>
+          <a:xfrm>
+            <a:off x="-2993967" y="4417445"/>
+            <a:ext cx="14085300" cy="989214"/>
+          </a:xfrm>
+          <a:prstGeom prst="roundRect">
+            <a:avLst/>
+          </a:prstGeom>
+          <a:solidFill>
+            <a:srgbClr val="21AF6F"/>
+          </a:solidFill>
+          <a:ln w="76200">
+            <a:solidFill>
+              <a:srgbClr val="464442"/>
+            </a:solidFill>
+          </a:ln>
+        </p:spPr>
+        <p:style>
+          <a:lnRef idx="2">
+            <a:schemeClr val="accent1">
+              <a:shade val="50000"/>
+            </a:schemeClr>
+          </a:lnRef>
+          <a:fillRef idx="1">
+            <a:schemeClr val="accent1"/>
+          </a:fillRef>
+          <a:effectRef idx="0">
+            <a:schemeClr val="accent1"/>
+          </a:effectRef>
+          <a:fontRef idx="minor">
+            <a:schemeClr val="lt1"/>
+          </a:fontRef>
+        </p:style>
+        <p:txBody>
+          <a:bodyPr rtlCol="0" anchor="ctr"/>
+          <a:lstStyle/>
+          <a:p>
+            <a:pPr algn="ctr"/>
+            <a:endParaRPr lang="ko-KR" altLang="en-US"/>
+          </a:p>
+        </p:txBody>
+      </p:sp>
+    </p:spTree>
+    <p:extLst>
+      <p:ext uri="{BB962C8B-B14F-4D97-AF65-F5344CB8AC3E}">
+        <p14:creationId xmlns:p14="http://schemas.microsoft.com/office/powerpoint/2010/main" val="1450300912"/>
+      </p:ext>
+    </p:extLst>
+  </p:cSld>
+  <p:clrMapOvr>
+    <a:masterClrMapping/>
+  </p:clrMapOvr>
+</p:sld>
+</file>
+
+<file path=ppt/slides/slide21.xml><?xml version="1.0" encoding="utf-8"?>
+<p:sld xmlns:a="http://schemas.openxmlformats.org/drawingml/2006/main" xmlns:r="http://schemas.openxmlformats.org/officeDocument/2006/relationships" xmlns:p="http://schemas.openxmlformats.org/presentationml/2006/main">
+  <p:cSld>
+    <p:spTree>
+      <p:nvGrpSpPr>
+        <p:cNvPr id="1" name=""/>
+        <p:cNvGrpSpPr/>
+        <p:nvPr/>
+      </p:nvGrpSpPr>
+      <p:grpSpPr>
+        <a:xfrm>
+          <a:off x="0" y="0"/>
+          <a:ext cx="0" cy="0"/>
+          <a:chOff x="0" y="0"/>
+          <a:chExt cx="0" cy="0"/>
+        </a:xfrm>
+      </p:grpSpPr>
+      <p:sp>
+        <p:nvSpPr>
+          <p:cNvPr id="2" name="모서리가 둥근 직사각형 1"/>
+          <p:cNvSpPr/>
+          <p:nvPr/>
+        </p:nvSpPr>
+        <p:spPr>
+          <a:xfrm>
+            <a:off x="133003" y="3341715"/>
+            <a:ext cx="11770823" cy="781397"/>
+          </a:xfrm>
+          <a:prstGeom prst="roundRect">
+            <a:avLst/>
+          </a:prstGeom>
+          <a:solidFill>
+            <a:srgbClr val="B3A994"/>
+          </a:solidFill>
+          <a:ln>
+            <a:noFill/>
+          </a:ln>
+        </p:spPr>
+        <p:style>
+          <a:lnRef idx="2">
+            <a:schemeClr val="accent1">
+              <a:shade val="50000"/>
+            </a:schemeClr>
+          </a:lnRef>
+          <a:fillRef idx="1">
+            <a:schemeClr val="accent1"/>
+          </a:fillRef>
+          <a:effectRef idx="0">
+            <a:schemeClr val="accent1"/>
+          </a:effectRef>
+          <a:fontRef idx="minor">
+            <a:schemeClr val="lt1"/>
+          </a:fontRef>
+        </p:style>
+        <p:txBody>
+          <a:bodyPr rtlCol="0" anchor="ctr"/>
+          <a:lstStyle/>
+          <a:p>
+            <a:pPr algn="ctr"/>
+            <a:endParaRPr lang="ko-KR" altLang="en-US"/>
+          </a:p>
+        </p:txBody>
+      </p:sp>
+      <p:pic>
+        <p:nvPicPr>
+          <p:cNvPr id="3" name="그림 2" descr="텍스트, 포스터, 만화 영화, 선전이(가) 표시된 사진&#10;&#10;자동 생성된 설명">
+            <a:extLst>
+              <a:ext uri="{FF2B5EF4-FFF2-40B4-BE49-F238E27FC236}">
+                <a16:creationId xmlns:a16="http://schemas.microsoft.com/office/drawing/2014/main" id="{B31B4397-2A3B-2423-5EED-6F31EA385403}"/>
+              </a:ext>
+            </a:extLst>
+          </p:cNvPr>
+          <p:cNvPicPr>
+            <a:picLocks noChangeAspect="1"/>
+          </p:cNvPicPr>
+          <p:nvPr/>
+        </p:nvPicPr>
+        <p:blipFill>
+          <a:blip r:embed="rId2" cstate="print">
+            <a:extLst>
+              <a:ext uri="{28A0092B-C50C-407E-A947-70E740481C1C}">
+                <a14:useLocalDpi xmlns:a14="http://schemas.microsoft.com/office/drawing/2010/main" val="0"/>
+              </a:ext>
+            </a:extLst>
+          </a:blip>
+          <a:stretch>
+            <a:fillRect/>
+          </a:stretch>
+        </p:blipFill>
+        <p:spPr>
+          <a:xfrm>
+            <a:off x="323584" y="781437"/>
+            <a:ext cx="1126497" cy="1578941"/>
+          </a:xfrm>
+          <a:prstGeom prst="rect">
+            <a:avLst/>
+          </a:prstGeom>
+        </p:spPr>
+      </p:pic>
+      <p:sp>
+        <p:nvSpPr>
+          <p:cNvPr id="4" name="직사각형 3"/>
+          <p:cNvSpPr/>
+          <p:nvPr/>
+        </p:nvSpPr>
+        <p:spPr>
+          <a:xfrm>
+            <a:off x="124691" y="4572000"/>
+            <a:ext cx="11770822" cy="565265"/>
+          </a:xfrm>
+          <a:prstGeom prst="rect">
+            <a:avLst/>
+          </a:prstGeom>
+          <a:solidFill>
+            <a:srgbClr val="B3A994"/>
+          </a:solidFill>
+          <a:ln>
+            <a:noFill/>
+          </a:ln>
+        </p:spPr>
+        <p:style>
+          <a:lnRef idx="2">
+            <a:schemeClr val="accent1">
+              <a:shade val="50000"/>
+            </a:schemeClr>
+          </a:lnRef>
+          <a:fillRef idx="1">
+            <a:schemeClr val="accent1"/>
+          </a:fillRef>
+          <a:effectRef idx="0">
+            <a:schemeClr val="accent1"/>
+          </a:effectRef>
+          <a:fontRef idx="minor">
+            <a:schemeClr val="lt1"/>
+          </a:fontRef>
+        </p:style>
+        <p:txBody>
+          <a:bodyPr rtlCol="0" anchor="ctr"/>
+          <a:lstStyle/>
+          <a:p>
+            <a:pPr algn="ctr"/>
+            <a:endParaRPr lang="ko-KR" altLang="en-US"/>
+          </a:p>
+        </p:txBody>
+      </p:sp>
+    </p:spTree>
+    <p:extLst>
+      <p:ext uri="{BB962C8B-B14F-4D97-AF65-F5344CB8AC3E}">
+        <p14:creationId xmlns:p14="http://schemas.microsoft.com/office/powerpoint/2010/main" val="1400430956"/>
+      </p:ext>
+    </p:extLst>
+  </p:cSld>
+  <p:clrMapOvr>
+    <a:masterClrMapping/>
+  </p:clrMapOvr>
+</p:sld>
+</file>
+
+<file path=ppt/slides/slide22.xml><?xml version="1.0" encoding="utf-8"?>
+<p:sld xmlns:a="http://schemas.openxmlformats.org/drawingml/2006/main" xmlns:r="http://schemas.openxmlformats.org/officeDocument/2006/relationships" xmlns:p="http://schemas.openxmlformats.org/presentationml/2006/main">
+  <p:cSld>
+    <p:spTree>
+      <p:nvGrpSpPr>
+        <p:cNvPr id="1" name=""/>
+        <p:cNvGrpSpPr/>
+        <p:nvPr/>
+      </p:nvGrpSpPr>
+      <p:grpSpPr>
+        <a:xfrm>
+          <a:off x="0" y="0"/>
+          <a:ext cx="0" cy="0"/>
+          <a:chOff x="0" y="0"/>
+          <a:chExt cx="0" cy="0"/>
+        </a:xfrm>
+      </p:grpSpPr>
+      <p:sp>
+        <p:nvSpPr>
+          <p:cNvPr id="2" name="모서리가 둥근 직사각형 1">
+            <a:extLst>
+              <a:ext uri="{FF2B5EF4-FFF2-40B4-BE49-F238E27FC236}">
+                <a16:creationId xmlns:a16="http://schemas.microsoft.com/office/drawing/2014/main" id="{0526D144-1574-E1CE-CF66-6671BFD2E078}"/>
+              </a:ext>
+            </a:extLst>
+          </p:cNvPr>
+          <p:cNvSpPr/>
+          <p:nvPr/>
+        </p:nvSpPr>
+        <p:spPr>
+          <a:xfrm>
+            <a:off x="1826028" y="3473797"/>
+            <a:ext cx="7675419" cy="2664691"/>
+          </a:xfrm>
+          <a:prstGeom prst="roundRect">
+            <a:avLst/>
+          </a:prstGeom>
+          <a:solidFill>
+            <a:srgbClr val="0C7A9C"/>
+          </a:solidFill>
+          <a:ln w="127000">
+            <a:solidFill>
+              <a:srgbClr val="464442"/>
+            </a:solidFill>
+          </a:ln>
+          <a:effectLst>
+            <a:outerShdw blurRad="50800" dist="38100" dir="2700000" algn="tl" rotWithShape="0">
+              <a:prstClr val="black">
+                <a:alpha val="40000"/>
+              </a:prstClr>
+            </a:outerShdw>
+          </a:effectLst>
+        </p:spPr>
+        <p:style>
+          <a:lnRef idx="2">
+            <a:schemeClr val="accent1">
+              <a:shade val="50000"/>
+            </a:schemeClr>
+          </a:lnRef>
+          <a:fillRef idx="1">
+            <a:schemeClr val="accent1"/>
+          </a:fillRef>
+          <a:effectRef idx="0">
+            <a:schemeClr val="accent1"/>
+          </a:effectRef>
+          <a:fontRef idx="minor">
+            <a:schemeClr val="lt1"/>
+          </a:fontRef>
+        </p:style>
+        <p:txBody>
+          <a:bodyPr rtlCol="0" anchor="ctr"/>
+          <a:lstStyle/>
+          <a:p>
+            <a:pPr algn="ctr"/>
+            <a:endParaRPr lang="ko-KR" altLang="en-US"/>
+          </a:p>
+        </p:txBody>
+      </p:sp>
+      <p:pic>
+        <p:nvPicPr>
+          <p:cNvPr id="3" name="그림 2"/>
+          <p:cNvPicPr>
+            <a:picLocks noChangeAspect="1"/>
+          </p:cNvPicPr>
+          <p:nvPr/>
+        </p:nvPicPr>
+        <p:blipFill>
+          <a:blip r:embed="rId2">
+            <a:extLst>
+              <a:ext uri="{28A0092B-C50C-407E-A947-70E740481C1C}">
+                <a14:useLocalDpi xmlns:a14="http://schemas.microsoft.com/office/drawing/2010/main" val="0"/>
+              </a:ext>
+            </a:extLst>
+          </a:blip>
+          <a:stretch>
+            <a:fillRect/>
+          </a:stretch>
+        </p:blipFill>
+        <p:spPr>
+          <a:xfrm>
+            <a:off x="0" y="130432"/>
+            <a:ext cx="5885411" cy="2791366"/>
+          </a:xfrm>
+          <a:prstGeom prst="rect">
+            <a:avLst/>
+          </a:prstGeom>
+        </p:spPr>
+      </p:pic>
+    </p:spTree>
+    <p:extLst>
+      <p:ext uri="{BB962C8B-B14F-4D97-AF65-F5344CB8AC3E}">
+        <p14:creationId xmlns:p14="http://schemas.microsoft.com/office/powerpoint/2010/main" val="3669482234"/>
       </p:ext>
     </p:extLst>
   </p:cSld>

--- a/내포토샵.pptx
+++ b/내포토샵.pptx
@@ -27,6 +27,7 @@
     <p:sldId id="273" r:id="rId21"/>
     <p:sldId id="274" r:id="rId22"/>
     <p:sldId id="277" r:id="rId23"/>
+    <p:sldId id="278" r:id="rId24"/>
   </p:sldIdLst>
   <p:sldSz cx="12192000" cy="6858000"/>
   <p:notesSz cx="6858000" cy="9144000"/>
@@ -262,7 +263,7 @@
           <a:p>
             <a:fld id="{F3DDBCC6-60C3-4D9F-A9F6-95468722F7A3}" type="datetimeFigureOut">
               <a:rPr lang="ko-KR" altLang="en-US" smtClean="0"/>
-              <a:t>2024-09-02</a:t>
+              <a:t>2024-09-03</a:t>
             </a:fld>
             <a:endParaRPr lang="ko-KR" altLang="en-US"/>
           </a:p>
@@ -430,7 +431,7 @@
           <a:p>
             <a:fld id="{F3DDBCC6-60C3-4D9F-A9F6-95468722F7A3}" type="datetimeFigureOut">
               <a:rPr lang="ko-KR" altLang="en-US" smtClean="0"/>
-              <a:t>2024-09-02</a:t>
+              <a:t>2024-09-03</a:t>
             </a:fld>
             <a:endParaRPr lang="ko-KR" altLang="en-US"/>
           </a:p>
@@ -608,7 +609,7 @@
           <a:p>
             <a:fld id="{F3DDBCC6-60C3-4D9F-A9F6-95468722F7A3}" type="datetimeFigureOut">
               <a:rPr lang="ko-KR" altLang="en-US" smtClean="0"/>
-              <a:t>2024-09-02</a:t>
+              <a:t>2024-09-03</a:t>
             </a:fld>
             <a:endParaRPr lang="ko-KR" altLang="en-US"/>
           </a:p>
@@ -776,7 +777,7 @@
           <a:p>
             <a:fld id="{F3DDBCC6-60C3-4D9F-A9F6-95468722F7A3}" type="datetimeFigureOut">
               <a:rPr lang="ko-KR" altLang="en-US" smtClean="0"/>
-              <a:t>2024-09-02</a:t>
+              <a:t>2024-09-03</a:t>
             </a:fld>
             <a:endParaRPr lang="ko-KR" altLang="en-US"/>
           </a:p>
@@ -1021,7 +1022,7 @@
           <a:p>
             <a:fld id="{F3DDBCC6-60C3-4D9F-A9F6-95468722F7A3}" type="datetimeFigureOut">
               <a:rPr lang="ko-KR" altLang="en-US" smtClean="0"/>
-              <a:t>2024-09-02</a:t>
+              <a:t>2024-09-03</a:t>
             </a:fld>
             <a:endParaRPr lang="ko-KR" altLang="en-US"/>
           </a:p>
@@ -1250,7 +1251,7 @@
           <a:p>
             <a:fld id="{F3DDBCC6-60C3-4D9F-A9F6-95468722F7A3}" type="datetimeFigureOut">
               <a:rPr lang="ko-KR" altLang="en-US" smtClean="0"/>
-              <a:t>2024-09-02</a:t>
+              <a:t>2024-09-03</a:t>
             </a:fld>
             <a:endParaRPr lang="ko-KR" altLang="en-US"/>
           </a:p>
@@ -1614,7 +1615,7 @@
           <a:p>
             <a:fld id="{F3DDBCC6-60C3-4D9F-A9F6-95468722F7A3}" type="datetimeFigureOut">
               <a:rPr lang="ko-KR" altLang="en-US" smtClean="0"/>
-              <a:t>2024-09-02</a:t>
+              <a:t>2024-09-03</a:t>
             </a:fld>
             <a:endParaRPr lang="ko-KR" altLang="en-US"/>
           </a:p>
@@ -1731,7 +1732,7 @@
           <a:p>
             <a:fld id="{F3DDBCC6-60C3-4D9F-A9F6-95468722F7A3}" type="datetimeFigureOut">
               <a:rPr lang="ko-KR" altLang="en-US" smtClean="0"/>
-              <a:t>2024-09-02</a:t>
+              <a:t>2024-09-03</a:t>
             </a:fld>
             <a:endParaRPr lang="ko-KR" altLang="en-US"/>
           </a:p>
@@ -1826,7 +1827,7 @@
           <a:p>
             <a:fld id="{F3DDBCC6-60C3-4D9F-A9F6-95468722F7A3}" type="datetimeFigureOut">
               <a:rPr lang="ko-KR" altLang="en-US" smtClean="0"/>
-              <a:t>2024-09-02</a:t>
+              <a:t>2024-09-03</a:t>
             </a:fld>
             <a:endParaRPr lang="ko-KR" altLang="en-US"/>
           </a:p>
@@ -2101,7 +2102,7 @@
           <a:p>
             <a:fld id="{F3DDBCC6-60C3-4D9F-A9F6-95468722F7A3}" type="datetimeFigureOut">
               <a:rPr lang="ko-KR" altLang="en-US" smtClean="0"/>
-              <a:t>2024-09-02</a:t>
+              <a:t>2024-09-03</a:t>
             </a:fld>
             <a:endParaRPr lang="ko-KR" altLang="en-US"/>
           </a:p>
@@ -2353,7 +2354,7 @@
           <a:p>
             <a:fld id="{F3DDBCC6-60C3-4D9F-A9F6-95468722F7A3}" type="datetimeFigureOut">
               <a:rPr lang="ko-KR" altLang="en-US" smtClean="0"/>
-              <a:t>2024-09-02</a:t>
+              <a:t>2024-09-03</a:t>
             </a:fld>
             <a:endParaRPr lang="ko-KR" altLang="en-US"/>
           </a:p>
@@ -2564,7 +2565,7 @@
           <a:p>
             <a:fld id="{F3DDBCC6-60C3-4D9F-A9F6-95468722F7A3}" type="datetimeFigureOut">
               <a:rPr lang="ko-KR" altLang="en-US" smtClean="0"/>
-              <a:t>2024-09-02</a:t>
+              <a:t>2024-09-03</a:t>
             </a:fld>
             <a:endParaRPr lang="ko-KR" altLang="en-US"/>
           </a:p>
@@ -3759,7 +3760,7 @@
         </p:blipFill>
         <p:spPr>
           <a:xfrm>
-            <a:off x="4942698" y="2745266"/>
+            <a:off x="4942698" y="2822699"/>
             <a:ext cx="779576" cy="1089996"/>
           </a:xfrm>
           <a:prstGeom prst="rect">
@@ -3795,7 +3796,7 @@
         </p:blipFill>
         <p:spPr>
           <a:xfrm>
-            <a:off x="2635429" y="2745266"/>
+            <a:off x="2635429" y="2822699"/>
             <a:ext cx="779576" cy="1089996"/>
           </a:xfrm>
           <a:prstGeom prst="rect">
@@ -3817,7 +3818,7 @@
         </p:nvSpPr>
         <p:spPr>
           <a:xfrm>
-            <a:off x="3559485" y="3082488"/>
+            <a:off x="3559485" y="3159921"/>
             <a:ext cx="584253" cy="584775"/>
           </a:xfrm>
           <a:prstGeom prst="rect">
@@ -3865,7 +3866,7 @@
         </p:nvSpPr>
         <p:spPr>
           <a:xfrm>
-            <a:off x="5838987" y="3082488"/>
+            <a:off x="5838987" y="3159921"/>
             <a:ext cx="514026" cy="584775"/>
           </a:xfrm>
           <a:prstGeom prst="rect">
@@ -4814,7 +4815,7 @@
           <a:lstStyle/>
           <a:p>
             <a:r>
-              <a:rPr lang="en-US" altLang="ko-KR" sz="6600" dirty="0" smtClean="0">
+              <a:rPr lang="en-US" altLang="ko-KR" sz="6600" dirty="0">
                 <a:solidFill>
                   <a:srgbClr val="F2E5C0"/>
                 </a:solidFill>
@@ -5140,7 +5141,7 @@
           <a:lstStyle/>
           <a:p>
             <a:r>
-              <a:rPr lang="en-US" altLang="ko-KR" sz="6600" dirty="0" smtClean="0">
+              <a:rPr lang="en-US" altLang="ko-KR" sz="6600" dirty="0">
                 <a:solidFill>
                   <a:srgbClr val="F2E5C0"/>
                 </a:solidFill>
@@ -6229,6 +6230,129 @@
     <p:extLst>
       <p:ext uri="{BB962C8B-B14F-4D97-AF65-F5344CB8AC3E}">
         <p14:creationId xmlns:p14="http://schemas.microsoft.com/office/powerpoint/2010/main" val="3669482234"/>
+      </p:ext>
+    </p:extLst>
+  </p:cSld>
+  <p:clrMapOvr>
+    <a:masterClrMapping/>
+  </p:clrMapOvr>
+</p:sld>
+</file>
+
+<file path=ppt/slides/slide23.xml><?xml version="1.0" encoding="utf-8"?>
+<p:sld xmlns:a="http://schemas.openxmlformats.org/drawingml/2006/main" xmlns:r="http://schemas.openxmlformats.org/officeDocument/2006/relationships" xmlns:p="http://schemas.openxmlformats.org/presentationml/2006/main">
+  <p:cSld>
+    <p:spTree>
+      <p:nvGrpSpPr>
+        <p:cNvPr id="1" name=""/>
+        <p:cNvGrpSpPr/>
+        <p:nvPr/>
+      </p:nvGrpSpPr>
+      <p:grpSpPr>
+        <a:xfrm>
+          <a:off x="0" y="0"/>
+          <a:ext cx="0" cy="0"/>
+          <a:chOff x="0" y="0"/>
+          <a:chExt cx="0" cy="0"/>
+        </a:xfrm>
+      </p:grpSpPr>
+      <p:sp>
+        <p:nvSpPr>
+          <p:cNvPr id="2" name="모서리가 둥근 직사각형 1">
+            <a:extLst>
+              <a:ext uri="{FF2B5EF4-FFF2-40B4-BE49-F238E27FC236}">
+                <a16:creationId xmlns:a16="http://schemas.microsoft.com/office/drawing/2014/main" id="{0526D144-1574-E1CE-CF66-6671BFD2E078}"/>
+              </a:ext>
+            </a:extLst>
+          </p:cNvPr>
+          <p:cNvSpPr/>
+          <p:nvPr/>
+        </p:nvSpPr>
+        <p:spPr>
+          <a:xfrm>
+            <a:off x="1826028" y="3473797"/>
+            <a:ext cx="7675419" cy="2664691"/>
+          </a:xfrm>
+          <a:prstGeom prst="roundRect">
+            <a:avLst/>
+          </a:prstGeom>
+          <a:solidFill>
+            <a:schemeClr val="bg2">
+              <a:lumMod val="50000"/>
+            </a:schemeClr>
+          </a:solidFill>
+          <a:ln w="127000">
+            <a:solidFill>
+              <a:srgbClr val="464442"/>
+            </a:solidFill>
+          </a:ln>
+          <a:effectLst>
+            <a:outerShdw blurRad="50800" dist="38100" dir="2700000" algn="tl" rotWithShape="0">
+              <a:prstClr val="black">
+                <a:alpha val="40000"/>
+              </a:prstClr>
+            </a:outerShdw>
+          </a:effectLst>
+        </p:spPr>
+        <p:style>
+          <a:lnRef idx="2">
+            <a:schemeClr val="accent1">
+              <a:shade val="50000"/>
+            </a:schemeClr>
+          </a:lnRef>
+          <a:fillRef idx="1">
+            <a:schemeClr val="accent1"/>
+          </a:fillRef>
+          <a:effectRef idx="0">
+            <a:schemeClr val="accent1"/>
+          </a:effectRef>
+          <a:fontRef idx="minor">
+            <a:schemeClr val="lt1"/>
+          </a:fontRef>
+        </p:style>
+        <p:txBody>
+          <a:bodyPr rtlCol="0" anchor="ctr"/>
+          <a:lstStyle/>
+          <a:p>
+            <a:pPr algn="ctr"/>
+            <a:endParaRPr lang="ko-KR" altLang="en-US"/>
+          </a:p>
+        </p:txBody>
+      </p:sp>
+      <p:pic>
+        <p:nvPicPr>
+          <p:cNvPr id="3" name="그림 2"/>
+          <p:cNvPicPr>
+            <a:picLocks noChangeAspect="1"/>
+          </p:cNvPicPr>
+          <p:nvPr/>
+        </p:nvPicPr>
+        <p:blipFill>
+          <a:blip r:embed="rId2">
+            <a:extLst>
+              <a:ext uri="{28A0092B-C50C-407E-A947-70E740481C1C}">
+                <a14:useLocalDpi xmlns:a14="http://schemas.microsoft.com/office/drawing/2010/main" val="0"/>
+              </a:ext>
+            </a:extLst>
+          </a:blip>
+          <a:stretch>
+            <a:fillRect/>
+          </a:stretch>
+        </p:blipFill>
+        <p:spPr>
+          <a:xfrm>
+            <a:off x="0" y="130432"/>
+            <a:ext cx="5885411" cy="2791366"/>
+          </a:xfrm>
+          <a:prstGeom prst="rect">
+            <a:avLst/>
+          </a:prstGeom>
+        </p:spPr>
+      </p:pic>
+    </p:spTree>
+    <p:extLst>
+      <p:ext uri="{BB962C8B-B14F-4D97-AF65-F5344CB8AC3E}">
+        <p14:creationId xmlns:p14="http://schemas.microsoft.com/office/powerpoint/2010/main" val="4074936406"/>
       </p:ext>
     </p:extLst>
   </p:cSld>

--- a/내포토샵.pptx
+++ b/내포토샵.pptx
@@ -27,7 +27,8 @@
     <p:sldId id="273" r:id="rId21"/>
     <p:sldId id="274" r:id="rId22"/>
     <p:sldId id="277" r:id="rId23"/>
-    <p:sldId id="278" r:id="rId24"/>
+    <p:sldId id="279" r:id="rId24"/>
+    <p:sldId id="278" r:id="rId25"/>
   </p:sldIdLst>
   <p:sldSz cx="12192000" cy="6858000"/>
   <p:notesSz cx="6858000" cy="9144000"/>
@@ -5839,6 +5840,196 @@
           </a:p>
         </p:txBody>
       </p:sp>
+      <p:pic>
+        <p:nvPicPr>
+          <p:cNvPr id="13" name="그림 12"/>
+          <p:cNvPicPr>
+            <a:picLocks noChangeAspect="1"/>
+          </p:cNvPicPr>
+          <p:nvPr/>
+        </p:nvPicPr>
+        <p:blipFill rotWithShape="1">
+          <a:blip r:embed="rId3">
+            <a:extLst>
+              <a:ext uri="{BEBA8EAE-BF5A-486C-A8C5-ECC9F3942E4B}">
+                <a14:imgProps xmlns:a14="http://schemas.microsoft.com/office/drawing/2010/main">
+                  <a14:imgLayer r:embed="rId4">
+                    <a14:imgEffect>
+                      <a14:backgroundRemoval t="3173" b="51269" l="1143" r="21000">
+                        <a14:backgroundMark x1="2500" y1="5584" x2="3000" y2="4442"/>
+                        <a14:backgroundMark x1="19429" y1="4188" x2="20071" y2="5203"/>
+                        <a14:backgroundMark x1="2071" y1="46701" x2="3071" y2="48096"/>
+                        <a14:backgroundMark x1="19786" y1="49239" x2="20643" y2="47081"/>
+                      </a14:backgroundRemoval>
+                    </a14:imgEffect>
+                  </a14:imgLayer>
+                </a14:imgProps>
+              </a:ext>
+              <a:ext uri="{28A0092B-C50C-407E-A947-70E740481C1C}">
+                <a14:useLocalDpi xmlns:a14="http://schemas.microsoft.com/office/drawing/2010/main" val="0"/>
+              </a:ext>
+            </a:extLst>
+          </a:blip>
+          <a:srcRect l="2716" t="5057" r="79745" b="51709"/>
+          <a:stretch/>
+        </p:blipFill>
+        <p:spPr>
+          <a:xfrm>
+            <a:off x="9399655" y="4017989"/>
+            <a:ext cx="1764145" cy="2447637"/>
+          </a:xfrm>
+          <a:prstGeom prst="rect">
+            <a:avLst/>
+          </a:prstGeom>
+          <a:effectLst>
+            <a:outerShdw blurRad="50800" dist="38100" dir="2700000" algn="tl" rotWithShape="0">
+              <a:prstClr val="black">
+                <a:alpha val="40000"/>
+              </a:prstClr>
+            </a:outerShdw>
+          </a:effectLst>
+        </p:spPr>
+      </p:pic>
+      <p:sp>
+        <p:nvSpPr>
+          <p:cNvPr id="14" name="직사각형 13"/>
+          <p:cNvSpPr/>
+          <p:nvPr/>
+        </p:nvSpPr>
+        <p:spPr>
+          <a:xfrm>
+            <a:off x="9510356" y="4127115"/>
+            <a:ext cx="1533236" cy="2235200"/>
+          </a:xfrm>
+          <a:prstGeom prst="rect">
+            <a:avLst/>
+          </a:prstGeom>
+          <a:solidFill>
+            <a:srgbClr val="B3A994"/>
+          </a:solidFill>
+          <a:ln w="127000">
+            <a:noFill/>
+          </a:ln>
+        </p:spPr>
+        <p:style>
+          <a:lnRef idx="2">
+            <a:schemeClr val="accent1">
+              <a:shade val="50000"/>
+            </a:schemeClr>
+          </a:lnRef>
+          <a:fillRef idx="1">
+            <a:schemeClr val="accent1"/>
+          </a:fillRef>
+          <a:effectRef idx="0">
+            <a:schemeClr val="accent1"/>
+          </a:effectRef>
+          <a:fontRef idx="minor">
+            <a:schemeClr val="lt1"/>
+          </a:fontRef>
+        </p:style>
+        <p:txBody>
+          <a:bodyPr rtlCol="0" anchor="ctr"/>
+          <a:lstStyle/>
+          <a:p>
+            <a:pPr algn="ctr"/>
+            <a:endParaRPr lang="ko-KR" altLang="en-US"/>
+          </a:p>
+        </p:txBody>
+      </p:sp>
+      <p:sp>
+        <p:nvSpPr>
+          <p:cNvPr id="16" name="TextBox 15"/>
+          <p:cNvSpPr txBox="1"/>
+          <p:nvPr/>
+        </p:nvSpPr>
+        <p:spPr>
+          <a:xfrm>
+            <a:off x="9546710" y="4428544"/>
+            <a:ext cx="1470035" cy="461665"/>
+          </a:xfrm>
+          <a:prstGeom prst="rect">
+            <a:avLst/>
+          </a:prstGeom>
+          <a:noFill/>
+        </p:spPr>
+        <p:txBody>
+          <a:bodyPr wrap="square" rtlCol="0">
+            <a:spAutoFit/>
+          </a:bodyPr>
+          <a:lstStyle/>
+          <a:p>
+            <a:pPr algn="ctr"/>
+            <a:r>
+              <a:rPr lang="en-US" altLang="ko-KR" sz="2400" dirty="0" smtClean="0">
+                <a:solidFill>
+                  <a:srgbClr val="FCF0CA"/>
+                </a:solidFill>
+                <a:effectLst>
+                  <a:outerShdw blurRad="38100" dist="38100" dir="2700000" algn="tl">
+                    <a:srgbClr val="000000">
+                      <a:alpha val="43137"/>
+                    </a:srgbClr>
+                  </a:outerShdw>
+                </a:effectLst>
+                <a:latin typeface="태나다체 " panose="02000000000000000000" pitchFamily="2" charset="-127"/>
+                <a:ea typeface="태나다체 " panose="02000000000000000000" pitchFamily="2" charset="-127"/>
+              </a:rPr>
+              <a:t>Social</a:t>
+            </a:r>
+            <a:endParaRPr lang="ko-KR" altLang="en-US" sz="2400" dirty="0">
+              <a:solidFill>
+                <a:srgbClr val="FCF0CA"/>
+              </a:solidFill>
+              <a:effectLst>
+                <a:outerShdw blurRad="38100" dist="38100" dir="2700000" algn="tl">
+                  <a:srgbClr val="000000">
+                    <a:alpha val="43137"/>
+                  </a:srgbClr>
+                </a:outerShdw>
+              </a:effectLst>
+              <a:latin typeface="태나다체 " panose="02000000000000000000" pitchFamily="2" charset="-127"/>
+              <a:ea typeface="태나다체 " panose="02000000000000000000" pitchFamily="2" charset="-127"/>
+            </a:endParaRPr>
+          </a:p>
+        </p:txBody>
+      </p:sp>
+      <p:pic>
+        <p:nvPicPr>
+          <p:cNvPr id="2" name="그림 1"/>
+          <p:cNvPicPr>
+            <a:picLocks noChangeAspect="1"/>
+          </p:cNvPicPr>
+          <p:nvPr/>
+        </p:nvPicPr>
+        <p:blipFill>
+          <a:blip r:embed="rId6">
+            <a:duotone>
+              <a:prstClr val="black"/>
+              <a:srgbClr val="CDCDCD">
+                <a:tint val="45000"/>
+                <a:satMod val="400000"/>
+              </a:srgbClr>
+            </a:duotone>
+            <a:extLst>
+              <a:ext uri="{28A0092B-C50C-407E-A947-70E740481C1C}">
+                <a14:useLocalDpi xmlns:a14="http://schemas.microsoft.com/office/drawing/2010/main" val="0"/>
+              </a:ext>
+            </a:extLst>
+          </a:blip>
+          <a:stretch>
+            <a:fillRect/>
+          </a:stretch>
+        </p:blipFill>
+        <p:spPr>
+          <a:xfrm>
+            <a:off x="9784219" y="5010111"/>
+            <a:ext cx="1101888" cy="1101888"/>
+          </a:xfrm>
+          <a:prstGeom prst="rect">
+            <a:avLst/>
+          </a:prstGeom>
+        </p:spPr>
+      </p:pic>
     </p:spTree>
     <p:extLst>
       <p:ext uri="{BB962C8B-B14F-4D97-AF65-F5344CB8AC3E}">
@@ -6240,6 +6431,127 @@
 </file>
 
 <file path=ppt/slides/slide23.xml><?xml version="1.0" encoding="utf-8"?>
+<p:sld xmlns:a="http://schemas.openxmlformats.org/drawingml/2006/main" xmlns:r="http://schemas.openxmlformats.org/officeDocument/2006/relationships" xmlns:p="http://schemas.openxmlformats.org/presentationml/2006/main">
+  <p:cSld>
+    <p:spTree>
+      <p:nvGrpSpPr>
+        <p:cNvPr id="1" name=""/>
+        <p:cNvGrpSpPr/>
+        <p:nvPr/>
+      </p:nvGrpSpPr>
+      <p:grpSpPr>
+        <a:xfrm>
+          <a:off x="0" y="0"/>
+          <a:ext cx="0" cy="0"/>
+          <a:chOff x="0" y="0"/>
+          <a:chExt cx="0" cy="0"/>
+        </a:xfrm>
+      </p:grpSpPr>
+      <p:sp>
+        <p:nvSpPr>
+          <p:cNvPr id="2" name="모서리가 둥근 직사각형 1">
+            <a:extLst>
+              <a:ext uri="{FF2B5EF4-FFF2-40B4-BE49-F238E27FC236}">
+                <a16:creationId xmlns:a16="http://schemas.microsoft.com/office/drawing/2014/main" id="{0526D144-1574-E1CE-CF66-6671BFD2E078}"/>
+              </a:ext>
+            </a:extLst>
+          </p:cNvPr>
+          <p:cNvSpPr/>
+          <p:nvPr/>
+        </p:nvSpPr>
+        <p:spPr>
+          <a:xfrm>
+            <a:off x="1826028" y="3473797"/>
+            <a:ext cx="7675419" cy="2664691"/>
+          </a:xfrm>
+          <a:prstGeom prst="roundRect">
+            <a:avLst/>
+          </a:prstGeom>
+          <a:solidFill>
+            <a:srgbClr val="812415"/>
+          </a:solidFill>
+          <a:ln w="127000">
+            <a:solidFill>
+              <a:srgbClr val="464442"/>
+            </a:solidFill>
+          </a:ln>
+          <a:effectLst>
+            <a:outerShdw blurRad="50800" dist="38100" dir="2700000" algn="tl" rotWithShape="0">
+              <a:prstClr val="black">
+                <a:alpha val="40000"/>
+              </a:prstClr>
+            </a:outerShdw>
+          </a:effectLst>
+        </p:spPr>
+        <p:style>
+          <a:lnRef idx="2">
+            <a:schemeClr val="accent1">
+              <a:shade val="50000"/>
+            </a:schemeClr>
+          </a:lnRef>
+          <a:fillRef idx="1">
+            <a:schemeClr val="accent1"/>
+          </a:fillRef>
+          <a:effectRef idx="0">
+            <a:schemeClr val="accent1"/>
+          </a:effectRef>
+          <a:fontRef idx="minor">
+            <a:schemeClr val="lt1"/>
+          </a:fontRef>
+        </p:style>
+        <p:txBody>
+          <a:bodyPr rtlCol="0" anchor="ctr"/>
+          <a:lstStyle/>
+          <a:p>
+            <a:pPr algn="ctr"/>
+            <a:endParaRPr lang="ko-KR" altLang="en-US"/>
+          </a:p>
+        </p:txBody>
+      </p:sp>
+      <p:pic>
+        <p:nvPicPr>
+          <p:cNvPr id="3" name="그림 2"/>
+          <p:cNvPicPr>
+            <a:picLocks noChangeAspect="1"/>
+          </p:cNvPicPr>
+          <p:nvPr/>
+        </p:nvPicPr>
+        <p:blipFill>
+          <a:blip r:embed="rId2">
+            <a:extLst>
+              <a:ext uri="{28A0092B-C50C-407E-A947-70E740481C1C}">
+                <a14:useLocalDpi xmlns:a14="http://schemas.microsoft.com/office/drawing/2010/main" val="0"/>
+              </a:ext>
+            </a:extLst>
+          </a:blip>
+          <a:stretch>
+            <a:fillRect/>
+          </a:stretch>
+        </p:blipFill>
+        <p:spPr>
+          <a:xfrm>
+            <a:off x="0" y="130432"/>
+            <a:ext cx="5885411" cy="2791366"/>
+          </a:xfrm>
+          <a:prstGeom prst="rect">
+            <a:avLst/>
+          </a:prstGeom>
+        </p:spPr>
+      </p:pic>
+    </p:spTree>
+    <p:extLst>
+      <p:ext uri="{BB962C8B-B14F-4D97-AF65-F5344CB8AC3E}">
+        <p14:creationId xmlns:p14="http://schemas.microsoft.com/office/powerpoint/2010/main" val="1503770113"/>
+      </p:ext>
+    </p:extLst>
+  </p:cSld>
+  <p:clrMapOvr>
+    <a:masterClrMapping/>
+  </p:clrMapOvr>
+</p:sld>
+</file>
+
+<file path=ppt/slides/slide24.xml><?xml version="1.0" encoding="utf-8"?>
 <p:sld xmlns:a="http://schemas.openxmlformats.org/drawingml/2006/main" xmlns:r="http://schemas.openxmlformats.org/officeDocument/2006/relationships" xmlns:p="http://schemas.openxmlformats.org/presentationml/2006/main">
   <p:cSld>
     <p:spTree>

--- a/내포토샵.pptx
+++ b/내포토샵.pptx
@@ -29,6 +29,8 @@
     <p:sldId id="277" r:id="rId23"/>
     <p:sldId id="279" r:id="rId24"/>
     <p:sldId id="278" r:id="rId25"/>
+    <p:sldId id="280" r:id="rId26"/>
+    <p:sldId id="281" r:id="rId27"/>
   </p:sldIdLst>
   <p:sldSz cx="12192000" cy="6858000"/>
   <p:notesSz cx="6858000" cy="9144000"/>
@@ -264,7 +266,7 @@
           <a:p>
             <a:fld id="{F3DDBCC6-60C3-4D9F-A9F6-95468722F7A3}" type="datetimeFigureOut">
               <a:rPr lang="ko-KR" altLang="en-US" smtClean="0"/>
-              <a:t>2024-09-03</a:t>
+              <a:t>2024-09-04</a:t>
             </a:fld>
             <a:endParaRPr lang="ko-KR" altLang="en-US"/>
           </a:p>
@@ -432,7 +434,7 @@
           <a:p>
             <a:fld id="{F3DDBCC6-60C3-4D9F-A9F6-95468722F7A3}" type="datetimeFigureOut">
               <a:rPr lang="ko-KR" altLang="en-US" smtClean="0"/>
-              <a:t>2024-09-03</a:t>
+              <a:t>2024-09-04</a:t>
             </a:fld>
             <a:endParaRPr lang="ko-KR" altLang="en-US"/>
           </a:p>
@@ -610,7 +612,7 @@
           <a:p>
             <a:fld id="{F3DDBCC6-60C3-4D9F-A9F6-95468722F7A3}" type="datetimeFigureOut">
               <a:rPr lang="ko-KR" altLang="en-US" smtClean="0"/>
-              <a:t>2024-09-03</a:t>
+              <a:t>2024-09-04</a:t>
             </a:fld>
             <a:endParaRPr lang="ko-KR" altLang="en-US"/>
           </a:p>
@@ -778,7 +780,7 @@
           <a:p>
             <a:fld id="{F3DDBCC6-60C3-4D9F-A9F6-95468722F7A3}" type="datetimeFigureOut">
               <a:rPr lang="ko-KR" altLang="en-US" smtClean="0"/>
-              <a:t>2024-09-03</a:t>
+              <a:t>2024-09-04</a:t>
             </a:fld>
             <a:endParaRPr lang="ko-KR" altLang="en-US"/>
           </a:p>
@@ -1023,7 +1025,7 @@
           <a:p>
             <a:fld id="{F3DDBCC6-60C3-4D9F-A9F6-95468722F7A3}" type="datetimeFigureOut">
               <a:rPr lang="ko-KR" altLang="en-US" smtClean="0"/>
-              <a:t>2024-09-03</a:t>
+              <a:t>2024-09-04</a:t>
             </a:fld>
             <a:endParaRPr lang="ko-KR" altLang="en-US"/>
           </a:p>
@@ -1252,7 +1254,7 @@
           <a:p>
             <a:fld id="{F3DDBCC6-60C3-4D9F-A9F6-95468722F7A3}" type="datetimeFigureOut">
               <a:rPr lang="ko-KR" altLang="en-US" smtClean="0"/>
-              <a:t>2024-09-03</a:t>
+              <a:t>2024-09-04</a:t>
             </a:fld>
             <a:endParaRPr lang="ko-KR" altLang="en-US"/>
           </a:p>
@@ -1616,7 +1618,7 @@
           <a:p>
             <a:fld id="{F3DDBCC6-60C3-4D9F-A9F6-95468722F7A3}" type="datetimeFigureOut">
               <a:rPr lang="ko-KR" altLang="en-US" smtClean="0"/>
-              <a:t>2024-09-03</a:t>
+              <a:t>2024-09-04</a:t>
             </a:fld>
             <a:endParaRPr lang="ko-KR" altLang="en-US"/>
           </a:p>
@@ -1733,7 +1735,7 @@
           <a:p>
             <a:fld id="{F3DDBCC6-60C3-4D9F-A9F6-95468722F7A3}" type="datetimeFigureOut">
               <a:rPr lang="ko-KR" altLang="en-US" smtClean="0"/>
-              <a:t>2024-09-03</a:t>
+              <a:t>2024-09-04</a:t>
             </a:fld>
             <a:endParaRPr lang="ko-KR" altLang="en-US"/>
           </a:p>
@@ -1828,7 +1830,7 @@
           <a:p>
             <a:fld id="{F3DDBCC6-60C3-4D9F-A9F6-95468722F7A3}" type="datetimeFigureOut">
               <a:rPr lang="ko-KR" altLang="en-US" smtClean="0"/>
-              <a:t>2024-09-03</a:t>
+              <a:t>2024-09-04</a:t>
             </a:fld>
             <a:endParaRPr lang="ko-KR" altLang="en-US"/>
           </a:p>
@@ -2103,7 +2105,7 @@
           <a:p>
             <a:fld id="{F3DDBCC6-60C3-4D9F-A9F6-95468722F7A3}" type="datetimeFigureOut">
               <a:rPr lang="ko-KR" altLang="en-US" smtClean="0"/>
-              <a:t>2024-09-03</a:t>
+              <a:t>2024-09-04</a:t>
             </a:fld>
             <a:endParaRPr lang="ko-KR" altLang="en-US"/>
           </a:p>
@@ -2355,7 +2357,7 @@
           <a:p>
             <a:fld id="{F3DDBCC6-60C3-4D9F-A9F6-95468722F7A3}" type="datetimeFigureOut">
               <a:rPr lang="ko-KR" altLang="en-US" smtClean="0"/>
-              <a:t>2024-09-03</a:t>
+              <a:t>2024-09-04</a:t>
             </a:fld>
             <a:endParaRPr lang="ko-KR" altLang="en-US"/>
           </a:p>
@@ -2566,7 +2568,7 @@
           <a:p>
             <a:fld id="{F3DDBCC6-60C3-4D9F-A9F6-95468722F7A3}" type="datetimeFigureOut">
               <a:rPr lang="ko-KR" altLang="en-US" smtClean="0"/>
-              <a:t>2024-09-03</a:t>
+              <a:t>2024-09-04</a:t>
             </a:fld>
             <a:endParaRPr lang="ko-KR" altLang="en-US"/>
           </a:p>
@@ -6674,6 +6676,327 @@
 </p:sld>
 </file>
 
+<file path=ppt/slides/slide25.xml><?xml version="1.0" encoding="utf-8"?>
+<p:sld xmlns:a="http://schemas.openxmlformats.org/drawingml/2006/main" xmlns:r="http://schemas.openxmlformats.org/officeDocument/2006/relationships" xmlns:p="http://schemas.openxmlformats.org/presentationml/2006/main">
+  <p:cSld>
+    <p:spTree>
+      <p:nvGrpSpPr>
+        <p:cNvPr id="1" name=""/>
+        <p:cNvGrpSpPr/>
+        <p:nvPr/>
+      </p:nvGrpSpPr>
+      <p:grpSpPr>
+        <a:xfrm>
+          <a:off x="0" y="0"/>
+          <a:ext cx="0" cy="0"/>
+          <a:chOff x="0" y="0"/>
+          <a:chExt cx="0" cy="0"/>
+        </a:xfrm>
+      </p:grpSpPr>
+      <p:sp>
+        <p:nvSpPr>
+          <p:cNvPr id="3" name="이등변 삼각형 2"/>
+          <p:cNvSpPr/>
+          <p:nvPr/>
+        </p:nvSpPr>
+        <p:spPr>
+          <a:xfrm rot="16200000">
+            <a:off x="2829710" y="2066326"/>
+            <a:ext cx="972589" cy="838439"/>
+          </a:xfrm>
+          <a:prstGeom prst="triangle">
+            <a:avLst/>
+          </a:prstGeom>
+          <a:solidFill>
+            <a:schemeClr val="bg1"/>
+          </a:solidFill>
+          <a:ln w="76200">
+            <a:solidFill>
+              <a:srgbClr val="443D30"/>
+            </a:solidFill>
+          </a:ln>
+        </p:spPr>
+        <p:style>
+          <a:lnRef idx="2">
+            <a:schemeClr val="accent1">
+              <a:shade val="50000"/>
+            </a:schemeClr>
+          </a:lnRef>
+          <a:fillRef idx="1">
+            <a:schemeClr val="accent1"/>
+          </a:fillRef>
+          <a:effectRef idx="0">
+            <a:schemeClr val="accent1"/>
+          </a:effectRef>
+          <a:fontRef idx="minor">
+            <a:schemeClr val="lt1"/>
+          </a:fontRef>
+        </p:style>
+        <p:txBody>
+          <a:bodyPr rtlCol="0" anchor="ctr"/>
+          <a:lstStyle/>
+          <a:p>
+            <a:pPr algn="ctr"/>
+            <a:endParaRPr lang="ko-KR" altLang="en-US"/>
+          </a:p>
+        </p:txBody>
+      </p:sp>
+      <p:pic>
+        <p:nvPicPr>
+          <p:cNvPr id="4" name="그림 3" descr="텍스트, 포스터, 만화 영화, 선전이(가) 표시된 사진&#10;&#10;자동 생성된 설명">
+            <a:extLst>
+              <a:ext uri="{FF2B5EF4-FFF2-40B4-BE49-F238E27FC236}">
+                <a16:creationId xmlns:a16="http://schemas.microsoft.com/office/drawing/2014/main" id="{B31B4397-2A3B-2423-5EED-6F31EA385403}"/>
+              </a:ext>
+            </a:extLst>
+          </p:cNvPr>
+          <p:cNvPicPr>
+            <a:picLocks noChangeAspect="1"/>
+          </p:cNvPicPr>
+          <p:nvPr/>
+        </p:nvPicPr>
+        <p:blipFill>
+          <a:blip r:embed="rId2" cstate="print">
+            <a:extLst>
+              <a:ext uri="{28A0092B-C50C-407E-A947-70E740481C1C}">
+                <a14:useLocalDpi xmlns:a14="http://schemas.microsoft.com/office/drawing/2010/main" val="0"/>
+              </a:ext>
+            </a:extLst>
+          </a:blip>
+          <a:stretch>
+            <a:fillRect/>
+          </a:stretch>
+        </p:blipFill>
+        <p:spPr>
+          <a:xfrm>
+            <a:off x="273707" y="2485546"/>
+            <a:ext cx="1126497" cy="1578941"/>
+          </a:xfrm>
+          <a:prstGeom prst="rect">
+            <a:avLst/>
+          </a:prstGeom>
+        </p:spPr>
+      </p:pic>
+      <p:sp>
+        <p:nvSpPr>
+          <p:cNvPr id="7" name="이등변 삼각형 6"/>
+          <p:cNvSpPr/>
+          <p:nvPr/>
+        </p:nvSpPr>
+        <p:spPr>
+          <a:xfrm rot="16200000">
+            <a:off x="3003147" y="4989566"/>
+            <a:ext cx="1551709" cy="791444"/>
+          </a:xfrm>
+          <a:prstGeom prst="triangle">
+            <a:avLst/>
+          </a:prstGeom>
+          <a:solidFill>
+            <a:srgbClr val="DDB14F"/>
+          </a:solidFill>
+          <a:ln w="38100">
+            <a:noFill/>
+          </a:ln>
+        </p:spPr>
+        <p:style>
+          <a:lnRef idx="2">
+            <a:schemeClr val="accent1">
+              <a:shade val="50000"/>
+            </a:schemeClr>
+          </a:lnRef>
+          <a:fillRef idx="1">
+            <a:schemeClr val="accent1"/>
+          </a:fillRef>
+          <a:effectRef idx="0">
+            <a:schemeClr val="accent1"/>
+          </a:effectRef>
+          <a:fontRef idx="minor">
+            <a:schemeClr val="lt1"/>
+          </a:fontRef>
+        </p:style>
+        <p:txBody>
+          <a:bodyPr rtlCol="0" anchor="ctr"/>
+          <a:lstStyle/>
+          <a:p>
+            <a:pPr algn="ctr"/>
+            <a:endParaRPr lang="ko-KR" altLang="en-US"/>
+          </a:p>
+        </p:txBody>
+      </p:sp>
+      <p:sp>
+        <p:nvSpPr>
+          <p:cNvPr id="8" name="모서리가 둥근 직사각형 7"/>
+          <p:cNvSpPr/>
+          <p:nvPr/>
+        </p:nvSpPr>
+        <p:spPr>
+          <a:xfrm>
+            <a:off x="3383280" y="1342546"/>
+            <a:ext cx="5802284" cy="2286000"/>
+          </a:xfrm>
+          <a:prstGeom prst="roundRect">
+            <a:avLst/>
+          </a:prstGeom>
+          <a:solidFill>
+            <a:schemeClr val="bg1"/>
+          </a:solidFill>
+          <a:ln w="76200">
+            <a:solidFill>
+              <a:srgbClr val="443D30"/>
+            </a:solidFill>
+          </a:ln>
+          <a:effectLst>
+            <a:outerShdw blurRad="50800" dist="38100" dir="2700000" algn="tl" rotWithShape="0">
+              <a:prstClr val="black">
+                <a:alpha val="40000"/>
+              </a:prstClr>
+            </a:outerShdw>
+          </a:effectLst>
+        </p:spPr>
+        <p:style>
+          <a:lnRef idx="2">
+            <a:schemeClr val="accent1">
+              <a:shade val="50000"/>
+            </a:schemeClr>
+          </a:lnRef>
+          <a:fillRef idx="1">
+            <a:schemeClr val="accent1"/>
+          </a:fillRef>
+          <a:effectRef idx="0">
+            <a:schemeClr val="accent1"/>
+          </a:effectRef>
+          <a:fontRef idx="minor">
+            <a:schemeClr val="lt1"/>
+          </a:fontRef>
+        </p:style>
+        <p:txBody>
+          <a:bodyPr rtlCol="0" anchor="ctr"/>
+          <a:lstStyle/>
+          <a:p>
+            <a:pPr algn="ctr"/>
+            <a:endParaRPr lang="ko-KR" altLang="en-US"/>
+          </a:p>
+        </p:txBody>
+      </p:sp>
+      <p:sp>
+        <p:nvSpPr>
+          <p:cNvPr id="6" name="이등변 삼각형 5"/>
+          <p:cNvSpPr/>
+          <p:nvPr/>
+        </p:nvSpPr>
+        <p:spPr>
+          <a:xfrm rot="16200000">
+            <a:off x="2868793" y="2074525"/>
+            <a:ext cx="1028972" cy="822039"/>
+          </a:xfrm>
+          <a:prstGeom prst="triangle">
+            <a:avLst/>
+          </a:prstGeom>
+          <a:solidFill>
+            <a:schemeClr val="bg1"/>
+          </a:solidFill>
+          <a:ln w="38100">
+            <a:noFill/>
+          </a:ln>
+        </p:spPr>
+        <p:style>
+          <a:lnRef idx="2">
+            <a:schemeClr val="accent1">
+              <a:shade val="50000"/>
+            </a:schemeClr>
+          </a:lnRef>
+          <a:fillRef idx="1">
+            <a:schemeClr val="accent1"/>
+          </a:fillRef>
+          <a:effectRef idx="0">
+            <a:schemeClr val="accent1"/>
+          </a:effectRef>
+          <a:fontRef idx="minor">
+            <a:schemeClr val="lt1"/>
+          </a:fontRef>
+        </p:style>
+        <p:txBody>
+          <a:bodyPr rtlCol="0" anchor="ctr"/>
+          <a:lstStyle/>
+          <a:p>
+            <a:pPr algn="ctr"/>
+            <a:endParaRPr lang="ko-KR" altLang="en-US"/>
+          </a:p>
+        </p:txBody>
+      </p:sp>
+    </p:spTree>
+    <p:extLst>
+      <p:ext uri="{BB962C8B-B14F-4D97-AF65-F5344CB8AC3E}">
+        <p14:creationId xmlns:p14="http://schemas.microsoft.com/office/powerpoint/2010/main" val="739931849"/>
+      </p:ext>
+    </p:extLst>
+  </p:cSld>
+  <p:clrMapOvr>
+    <a:masterClrMapping/>
+  </p:clrMapOvr>
+</p:sld>
+</file>
+
+<file path=ppt/slides/slide26.xml><?xml version="1.0" encoding="utf-8"?>
+<p:sld xmlns:a="http://schemas.openxmlformats.org/drawingml/2006/main" xmlns:r="http://schemas.openxmlformats.org/officeDocument/2006/relationships" xmlns:p="http://schemas.openxmlformats.org/presentationml/2006/main">
+  <p:cSld>
+    <p:spTree>
+      <p:nvGrpSpPr>
+        <p:cNvPr id="1" name=""/>
+        <p:cNvGrpSpPr/>
+        <p:nvPr/>
+      </p:nvGrpSpPr>
+      <p:grpSpPr>
+        <a:xfrm>
+          <a:off x="0" y="0"/>
+          <a:ext cx="0" cy="0"/>
+          <a:chOff x="0" y="0"/>
+          <a:chExt cx="0" cy="0"/>
+        </a:xfrm>
+      </p:grpSpPr>
+      <p:pic>
+        <p:nvPicPr>
+          <p:cNvPr id="3" name="그림 2"/>
+          <p:cNvPicPr>
+            <a:picLocks noChangeAspect="1"/>
+          </p:cNvPicPr>
+          <p:nvPr/>
+        </p:nvPicPr>
+        <p:blipFill>
+          <a:blip r:embed="rId2">
+            <a:extLst>
+              <a:ext uri="{28A0092B-C50C-407E-A947-70E740481C1C}">
+                <a14:useLocalDpi xmlns:a14="http://schemas.microsoft.com/office/drawing/2010/main" val="0"/>
+              </a:ext>
+            </a:extLst>
+          </a:blip>
+          <a:stretch>
+            <a:fillRect/>
+          </a:stretch>
+        </p:blipFill>
+        <p:spPr>
+          <a:xfrm flipH="1">
+            <a:off x="2849598" y="2194453"/>
+            <a:ext cx="6492803" cy="2469094"/>
+          </a:xfrm>
+          <a:prstGeom prst="rect">
+            <a:avLst/>
+          </a:prstGeom>
+        </p:spPr>
+      </p:pic>
+    </p:spTree>
+    <p:extLst>
+      <p:ext uri="{BB962C8B-B14F-4D97-AF65-F5344CB8AC3E}">
+        <p14:creationId xmlns:p14="http://schemas.microsoft.com/office/powerpoint/2010/main" val="4187988696"/>
+      </p:ext>
+    </p:extLst>
+  </p:cSld>
+  <p:clrMapOvr>
+    <a:masterClrMapping/>
+  </p:clrMapOvr>
+</p:sld>
+</file>
+
 <file path=ppt/slides/slide3.xml><?xml version="1.0" encoding="utf-8"?>
 <p:sld xmlns:a="http://schemas.openxmlformats.org/drawingml/2006/main" xmlns:r="http://schemas.openxmlformats.org/officeDocument/2006/relationships" xmlns:p="http://schemas.openxmlformats.org/presentationml/2006/main">
   <p:cSld>

--- a/내포토샵.pptx
+++ b/내포토샵.pptx
@@ -10,27 +10,28 @@
     <p:sldId id="259" r:id="rId4"/>
     <p:sldId id="260" r:id="rId5"/>
     <p:sldId id="262" r:id="rId6"/>
-    <p:sldId id="261" r:id="rId7"/>
-    <p:sldId id="257" r:id="rId8"/>
-    <p:sldId id="264" r:id="rId9"/>
-    <p:sldId id="265" r:id="rId10"/>
-    <p:sldId id="266" r:id="rId11"/>
-    <p:sldId id="267" r:id="rId12"/>
-    <p:sldId id="263" r:id="rId13"/>
-    <p:sldId id="268" r:id="rId14"/>
-    <p:sldId id="269" r:id="rId15"/>
-    <p:sldId id="270" r:id="rId16"/>
-    <p:sldId id="271" r:id="rId17"/>
-    <p:sldId id="275" r:id="rId18"/>
-    <p:sldId id="272" r:id="rId19"/>
-    <p:sldId id="276" r:id="rId20"/>
-    <p:sldId id="273" r:id="rId21"/>
-    <p:sldId id="274" r:id="rId22"/>
-    <p:sldId id="277" r:id="rId23"/>
-    <p:sldId id="279" r:id="rId24"/>
-    <p:sldId id="278" r:id="rId25"/>
-    <p:sldId id="280" r:id="rId26"/>
-    <p:sldId id="281" r:id="rId27"/>
+    <p:sldId id="282" r:id="rId7"/>
+    <p:sldId id="261" r:id="rId8"/>
+    <p:sldId id="257" r:id="rId9"/>
+    <p:sldId id="264" r:id="rId10"/>
+    <p:sldId id="265" r:id="rId11"/>
+    <p:sldId id="266" r:id="rId12"/>
+    <p:sldId id="267" r:id="rId13"/>
+    <p:sldId id="263" r:id="rId14"/>
+    <p:sldId id="268" r:id="rId15"/>
+    <p:sldId id="269" r:id="rId16"/>
+    <p:sldId id="270" r:id="rId17"/>
+    <p:sldId id="271" r:id="rId18"/>
+    <p:sldId id="275" r:id="rId19"/>
+    <p:sldId id="272" r:id="rId20"/>
+    <p:sldId id="276" r:id="rId21"/>
+    <p:sldId id="273" r:id="rId22"/>
+    <p:sldId id="274" r:id="rId23"/>
+    <p:sldId id="277" r:id="rId24"/>
+    <p:sldId id="279" r:id="rId25"/>
+    <p:sldId id="278" r:id="rId26"/>
+    <p:sldId id="280" r:id="rId27"/>
+    <p:sldId id="281" r:id="rId28"/>
   </p:sldIdLst>
   <p:sldSz cx="12192000" cy="6858000"/>
   <p:notesSz cx="6858000" cy="9144000"/>
@@ -266,7 +267,7 @@
           <a:p>
             <a:fld id="{F3DDBCC6-60C3-4D9F-A9F6-95468722F7A3}" type="datetimeFigureOut">
               <a:rPr lang="ko-KR" altLang="en-US" smtClean="0"/>
-              <a:t>2024-09-04</a:t>
+              <a:t>2024-09-05</a:t>
             </a:fld>
             <a:endParaRPr lang="ko-KR" altLang="en-US"/>
           </a:p>
@@ -434,7 +435,7 @@
           <a:p>
             <a:fld id="{F3DDBCC6-60C3-4D9F-A9F6-95468722F7A3}" type="datetimeFigureOut">
               <a:rPr lang="ko-KR" altLang="en-US" smtClean="0"/>
-              <a:t>2024-09-04</a:t>
+              <a:t>2024-09-05</a:t>
             </a:fld>
             <a:endParaRPr lang="ko-KR" altLang="en-US"/>
           </a:p>
@@ -612,7 +613,7 @@
           <a:p>
             <a:fld id="{F3DDBCC6-60C3-4D9F-A9F6-95468722F7A3}" type="datetimeFigureOut">
               <a:rPr lang="ko-KR" altLang="en-US" smtClean="0"/>
-              <a:t>2024-09-04</a:t>
+              <a:t>2024-09-05</a:t>
             </a:fld>
             <a:endParaRPr lang="ko-KR" altLang="en-US"/>
           </a:p>
@@ -780,7 +781,7 @@
           <a:p>
             <a:fld id="{F3DDBCC6-60C3-4D9F-A9F6-95468722F7A3}" type="datetimeFigureOut">
               <a:rPr lang="ko-KR" altLang="en-US" smtClean="0"/>
-              <a:t>2024-09-04</a:t>
+              <a:t>2024-09-05</a:t>
             </a:fld>
             <a:endParaRPr lang="ko-KR" altLang="en-US"/>
           </a:p>
@@ -1025,7 +1026,7 @@
           <a:p>
             <a:fld id="{F3DDBCC6-60C3-4D9F-A9F6-95468722F7A3}" type="datetimeFigureOut">
               <a:rPr lang="ko-KR" altLang="en-US" smtClean="0"/>
-              <a:t>2024-09-04</a:t>
+              <a:t>2024-09-05</a:t>
             </a:fld>
             <a:endParaRPr lang="ko-KR" altLang="en-US"/>
           </a:p>
@@ -1254,7 +1255,7 @@
           <a:p>
             <a:fld id="{F3DDBCC6-60C3-4D9F-A9F6-95468722F7A3}" type="datetimeFigureOut">
               <a:rPr lang="ko-KR" altLang="en-US" smtClean="0"/>
-              <a:t>2024-09-04</a:t>
+              <a:t>2024-09-05</a:t>
             </a:fld>
             <a:endParaRPr lang="ko-KR" altLang="en-US"/>
           </a:p>
@@ -1618,7 +1619,7 @@
           <a:p>
             <a:fld id="{F3DDBCC6-60C3-4D9F-A9F6-95468722F7A3}" type="datetimeFigureOut">
               <a:rPr lang="ko-KR" altLang="en-US" smtClean="0"/>
-              <a:t>2024-09-04</a:t>
+              <a:t>2024-09-05</a:t>
             </a:fld>
             <a:endParaRPr lang="ko-KR" altLang="en-US"/>
           </a:p>
@@ -1735,7 +1736,7 @@
           <a:p>
             <a:fld id="{F3DDBCC6-60C3-4D9F-A9F6-95468722F7A3}" type="datetimeFigureOut">
               <a:rPr lang="ko-KR" altLang="en-US" smtClean="0"/>
-              <a:t>2024-09-04</a:t>
+              <a:t>2024-09-05</a:t>
             </a:fld>
             <a:endParaRPr lang="ko-KR" altLang="en-US"/>
           </a:p>
@@ -1830,7 +1831,7 @@
           <a:p>
             <a:fld id="{F3DDBCC6-60C3-4D9F-A9F6-95468722F7A3}" type="datetimeFigureOut">
               <a:rPr lang="ko-KR" altLang="en-US" smtClean="0"/>
-              <a:t>2024-09-04</a:t>
+              <a:t>2024-09-05</a:t>
             </a:fld>
             <a:endParaRPr lang="ko-KR" altLang="en-US"/>
           </a:p>
@@ -2105,7 +2106,7 @@
           <a:p>
             <a:fld id="{F3DDBCC6-60C3-4D9F-A9F6-95468722F7A3}" type="datetimeFigureOut">
               <a:rPr lang="ko-KR" altLang="en-US" smtClean="0"/>
-              <a:t>2024-09-04</a:t>
+              <a:t>2024-09-05</a:t>
             </a:fld>
             <a:endParaRPr lang="ko-KR" altLang="en-US"/>
           </a:p>
@@ -2357,7 +2358,7 @@
           <a:p>
             <a:fld id="{F3DDBCC6-60C3-4D9F-A9F6-95468722F7A3}" type="datetimeFigureOut">
               <a:rPr lang="ko-KR" altLang="en-US" smtClean="0"/>
-              <a:t>2024-09-04</a:t>
+              <a:t>2024-09-05</a:t>
             </a:fld>
             <a:endParaRPr lang="ko-KR" altLang="en-US"/>
           </a:p>
@@ -2568,7 +2569,7 @@
           <a:p>
             <a:fld id="{F3DDBCC6-60C3-4D9F-A9F6-95468722F7A3}" type="datetimeFigureOut">
               <a:rPr lang="ko-KR" altLang="en-US" smtClean="0"/>
-              <a:t>2024-09-04</a:t>
+              <a:t>2024-09-05</a:t>
             </a:fld>
             <a:endParaRPr lang="ko-KR" altLang="en-US"/>
           </a:p>
@@ -3043,10 +3044,10 @@
       </p:grpSpPr>
       <p:pic>
         <p:nvPicPr>
-          <p:cNvPr id="2" name="그림 1">
+          <p:cNvPr id="7" name="그림 6" descr="텍스트, 포스터, 만화 영화, 디자인이(가) 표시된 사진&#10;&#10;자동 생성된 설명">
             <a:extLst>
               <a:ext uri="{FF2B5EF4-FFF2-40B4-BE49-F238E27FC236}">
-                <a16:creationId xmlns:a16="http://schemas.microsoft.com/office/drawing/2014/main" id="{0567BAA8-AE11-481C-930A-7F2FB77A26F8}"/>
+                <a16:creationId xmlns:a16="http://schemas.microsoft.com/office/drawing/2014/main" id="{2FAB0734-7502-F6E1-E461-459CBBD9E92D}"/>
               </a:ext>
             </a:extLst>
           </p:cNvPr>
@@ -3055,119 +3056,8 @@
           </p:cNvPicPr>
           <p:nvPr/>
         </p:nvPicPr>
-        <p:blipFill rotWithShape="1">
-          <a:blip r:embed="rId2">
-            <a:extLst>
-              <a:ext uri="{BEBA8EAE-BF5A-486C-A8C5-ECC9F3942E4B}">
-                <a14:imgProps xmlns:a14="http://schemas.microsoft.com/office/drawing/2010/main">
-                  <a14:imgLayer r:embed="rId3">
-                    <a14:imgEffect>
-                      <a14:backgroundRemoval t="3173" b="51269" l="1143" r="21000">
-                        <a14:backgroundMark x1="2500" y1="5584" x2="3000" y2="4442"/>
-                        <a14:backgroundMark x1="19429" y1="4188" x2="20071" y2="5203"/>
-                        <a14:backgroundMark x1="2071" y1="46701" x2="3071" y2="48096"/>
-                        <a14:backgroundMark x1="19786" y1="49239" x2="20643" y2="47081"/>
-                      </a14:backgroundRemoval>
-                    </a14:imgEffect>
-                  </a14:imgLayer>
-                </a14:imgProps>
-              </a:ext>
-              <a:ext uri="{28A0092B-C50C-407E-A947-70E740481C1C}">
-                <a14:useLocalDpi xmlns:a14="http://schemas.microsoft.com/office/drawing/2010/main" val="0"/>
-              </a:ext>
-            </a:extLst>
-          </a:blip>
-          <a:srcRect l="2716" t="5057" r="79745" b="51709"/>
-          <a:stretch/>
-        </p:blipFill>
-        <p:spPr>
-          <a:xfrm>
-            <a:off x="368858" y="296429"/>
-            <a:ext cx="1764145" cy="2447637"/>
-          </a:xfrm>
-          <a:prstGeom prst="rect">
-            <a:avLst/>
-          </a:prstGeom>
-        </p:spPr>
-      </p:pic>
-      <p:sp>
-        <p:nvSpPr>
-          <p:cNvPr id="3" name="사각형: 둥근 모서리 2">
-            <a:extLst>
-              <a:ext uri="{FF2B5EF4-FFF2-40B4-BE49-F238E27FC236}">
-                <a16:creationId xmlns:a16="http://schemas.microsoft.com/office/drawing/2014/main" id="{569DAE35-AC43-12D1-E6D5-37DFD86D5E88}"/>
-              </a:ext>
-            </a:extLst>
-          </p:cNvPr>
-          <p:cNvSpPr/>
-          <p:nvPr/>
-        </p:nvSpPr>
-        <p:spPr>
-          <a:xfrm>
-            <a:off x="1695450" y="3905250"/>
-            <a:ext cx="4819650" cy="2019300"/>
-          </a:xfrm>
-          <a:prstGeom prst="roundRect">
-            <a:avLst/>
-          </a:prstGeom>
-          <a:solidFill>
-            <a:srgbClr val="B3A994"/>
-          </a:solidFill>
-          <a:ln w="76200">
-            <a:solidFill>
-              <a:srgbClr val="F3E4C1"/>
-            </a:solidFill>
-          </a:ln>
-          <a:effectLst>
-            <a:outerShdw blurRad="50800" dist="38100" dir="2700000" algn="tl" rotWithShape="0">
-              <a:prstClr val="black">
-                <a:alpha val="40000"/>
-              </a:prstClr>
-            </a:outerShdw>
-          </a:effectLst>
-        </p:spPr>
-        <p:style>
-          <a:lnRef idx="2">
-            <a:schemeClr val="accent1">
-              <a:shade val="15000"/>
-            </a:schemeClr>
-          </a:lnRef>
-          <a:fillRef idx="1">
-            <a:schemeClr val="accent1"/>
-          </a:fillRef>
-          <a:effectRef idx="0">
-            <a:schemeClr val="accent1"/>
-          </a:effectRef>
-          <a:fontRef idx="minor">
-            <a:schemeClr val="lt1"/>
-          </a:fontRef>
-        </p:style>
-        <p:txBody>
-          <a:bodyPr rtlCol="0" anchor="ctr"/>
-          <a:lstStyle/>
-          <a:p>
-            <a:pPr algn="ctr"/>
-            <a:endParaRPr lang="ko-KR" altLang="en-US"/>
-          </a:p>
-        </p:txBody>
-      </p:sp>
-      <p:pic>
-        <p:nvPicPr>
-          <p:cNvPr id="9" name="그림 8" descr="블랙, 새, 예술, 실루엣이(가) 표시된 사진&#10;&#10;자동 생성된 설명">
-            <a:extLst>
-              <a:ext uri="{FF2B5EF4-FFF2-40B4-BE49-F238E27FC236}">
-                <a16:creationId xmlns:a16="http://schemas.microsoft.com/office/drawing/2014/main" id="{08A3E4A6-90B1-04D2-E579-60B012D5576E}"/>
-              </a:ext>
-            </a:extLst>
-          </p:cNvPr>
-          <p:cNvPicPr>
-            <a:picLocks noChangeAspect="1"/>
-          </p:cNvPicPr>
-          <p:nvPr/>
-        </p:nvPicPr>
         <p:blipFill>
-          <a:blip r:embed="rId4" cstate="print">
-            <a:lum bright="70000" contrast="-70000"/>
+          <a:blip r:embed="rId2" cstate="print">
             <a:extLst>
               <a:ext uri="{28A0092B-C50C-407E-A947-70E740481C1C}">
                 <a14:useLocalDpi xmlns:a14="http://schemas.microsoft.com/office/drawing/2010/main" val="0"/>
@@ -3180,120 +3070,20 @@
         </p:blipFill>
         <p:spPr>
           <a:xfrm>
-            <a:off x="1930547" y="4132225"/>
-            <a:ext cx="404912" cy="430959"/>
-          </a:xfrm>
-          <a:prstGeom prst="rect">
-            <a:avLst/>
-          </a:prstGeom>
-          <a:effectLst>
-            <a:outerShdw blurRad="50800" dist="38100" dir="2700000" algn="tl" rotWithShape="0">
-              <a:prstClr val="black">
-                <a:alpha val="40000"/>
-              </a:prstClr>
-            </a:outerShdw>
-          </a:effectLst>
+            <a:off x="6729009" y="5815582"/>
+            <a:ext cx="743714" cy="1042418"/>
+          </a:xfrm>
+          <a:prstGeom prst="rect">
+            <a:avLst/>
+          </a:prstGeom>
         </p:spPr>
       </p:pic>
-      <p:cxnSp>
-        <p:nvCxnSpPr>
-          <p:cNvPr id="11" name="직선 연결선 10">
-            <a:extLst>
-              <a:ext uri="{FF2B5EF4-FFF2-40B4-BE49-F238E27FC236}">
-                <a16:creationId xmlns:a16="http://schemas.microsoft.com/office/drawing/2014/main" id="{99311788-5B73-A531-1855-5F504577F86B}"/>
-              </a:ext>
-            </a:extLst>
-          </p:cNvPr>
-          <p:cNvCxnSpPr/>
-          <p:nvPr/>
-        </p:nvCxnSpPr>
-        <p:spPr>
-          <a:xfrm>
-            <a:off x="1930547" y="4772025"/>
-            <a:ext cx="4403578" cy="0"/>
-          </a:xfrm>
-          <a:prstGeom prst="line">
-            <a:avLst/>
-          </a:prstGeom>
-          <a:ln w="38100">
-            <a:solidFill>
-              <a:srgbClr val="F3E4C1"/>
-            </a:solidFill>
-          </a:ln>
-        </p:spPr>
-        <p:style>
-          <a:lnRef idx="1">
-            <a:schemeClr val="accent1"/>
-          </a:lnRef>
-          <a:fillRef idx="0">
-            <a:schemeClr val="accent1"/>
-          </a:fillRef>
-          <a:effectRef idx="0">
-            <a:schemeClr val="accent1"/>
-          </a:effectRef>
-          <a:fontRef idx="minor">
-            <a:schemeClr val="tx1"/>
-          </a:fontRef>
-        </p:style>
-      </p:cxnSp>
-      <p:sp>
-        <p:nvSpPr>
-          <p:cNvPr id="12" name="사각형: 둥근 모서리 11">
-            <a:extLst>
-              <a:ext uri="{FF2B5EF4-FFF2-40B4-BE49-F238E27FC236}">
-                <a16:creationId xmlns:a16="http://schemas.microsoft.com/office/drawing/2014/main" id="{D724E5F8-45C3-E800-3478-EACA91BE002E}"/>
-              </a:ext>
-            </a:extLst>
-          </p:cNvPr>
-          <p:cNvSpPr/>
-          <p:nvPr/>
-        </p:nvSpPr>
-        <p:spPr>
-          <a:xfrm>
-            <a:off x="4915577" y="5019075"/>
-            <a:ext cx="1419225" cy="571500"/>
-          </a:xfrm>
-          <a:prstGeom prst="roundRect">
-            <a:avLst/>
-          </a:prstGeom>
-          <a:solidFill>
-            <a:srgbClr val="F3E4C1"/>
-          </a:solidFill>
-          <a:ln>
-            <a:noFill/>
-          </a:ln>
-        </p:spPr>
-        <p:style>
-          <a:lnRef idx="2">
-            <a:schemeClr val="accent1">
-              <a:shade val="15000"/>
-            </a:schemeClr>
-          </a:lnRef>
-          <a:fillRef idx="1">
-            <a:schemeClr val="accent1"/>
-          </a:fillRef>
-          <a:effectRef idx="0">
-            <a:schemeClr val="accent1"/>
-          </a:effectRef>
-          <a:fontRef idx="minor">
-            <a:schemeClr val="lt1"/>
-          </a:fontRef>
-        </p:style>
-        <p:txBody>
-          <a:bodyPr rtlCol="0" anchor="ctr"/>
-          <a:lstStyle/>
-          <a:p>
-            <a:pPr algn="ctr"/>
-            <a:endParaRPr lang="ko-KR" altLang="en-US"/>
-          </a:p>
-        </p:txBody>
-      </p:sp>
       <p:pic>
         <p:nvPicPr>
-          <p:cNvPr id="16" name="그림 15" descr="텍스트, 폰트, 로고, 등록 상표이(가) 표시된 사진&#10;&#10;자동 생성된 설명">
+          <p:cNvPr id="9" name="그림 8" descr="텍스트, 포스터, 만화 영화, 선전이(가) 표시된 사진&#10;&#10;자동 생성된 설명">
             <a:extLst>
               <a:ext uri="{FF2B5EF4-FFF2-40B4-BE49-F238E27FC236}">
-                <a16:creationId xmlns:a16="http://schemas.microsoft.com/office/drawing/2014/main" id="{550D7FCF-DB3D-2B16-CD70-5E0A13C1CC2A}"/>
+                <a16:creationId xmlns:a16="http://schemas.microsoft.com/office/drawing/2014/main" id="{B474D533-2A0E-825B-8F3D-2ACA9F4DE7C4}"/>
               </a:ext>
             </a:extLst>
           </p:cNvPr>
@@ -3303,7 +3093,7 @@
           <p:nvPr/>
         </p:nvPicPr>
         <p:blipFill>
-          <a:blip r:embed="rId5" cstate="print">
+          <a:blip r:embed="rId3" cstate="print">
             <a:extLst>
               <a:ext uri="{28A0092B-C50C-407E-A947-70E740481C1C}">
                 <a14:useLocalDpi xmlns:a14="http://schemas.microsoft.com/office/drawing/2010/main" val="0"/>
@@ -3316,8 +3106,8 @@
         </p:blipFill>
         <p:spPr>
           <a:xfrm>
-            <a:off x="3394307" y="4975613"/>
-            <a:ext cx="470912" cy="658425"/>
+            <a:off x="4529825" y="5815582"/>
+            <a:ext cx="743714" cy="1042418"/>
           </a:xfrm>
           <a:prstGeom prst="rect">
             <a:avLst/>
@@ -3326,10 +3116,10 @@
       </p:pic>
       <p:pic>
         <p:nvPicPr>
-          <p:cNvPr id="18" name="그림 17" descr="텍스트, 새, 로고, 엠블럼이(가) 표시된 사진&#10;&#10;자동 생성된 설명">
+          <p:cNvPr id="11" name="그림 10" descr="텍스트, 포스터, 만화 영화, 책이(가) 표시된 사진&#10;&#10;자동 생성된 설명">
             <a:extLst>
               <a:ext uri="{FF2B5EF4-FFF2-40B4-BE49-F238E27FC236}">
-                <a16:creationId xmlns:a16="http://schemas.microsoft.com/office/drawing/2014/main" id="{8C126028-3B94-5FBF-F722-01A5880E6071}"/>
+                <a16:creationId xmlns:a16="http://schemas.microsoft.com/office/drawing/2014/main" id="{E44A7E1D-4590-FE6C-54DE-3651E2C512FB}"/>
               </a:ext>
             </a:extLst>
           </p:cNvPr>
@@ -3339,7 +3129,7 @@
           <p:nvPr/>
         </p:nvPicPr>
         <p:blipFill>
-          <a:blip r:embed="rId6" cstate="print">
+          <a:blip r:embed="rId4" cstate="print">
             <a:extLst>
               <a:ext uri="{28A0092B-C50C-407E-A947-70E740481C1C}">
                 <a14:useLocalDpi xmlns:a14="http://schemas.microsoft.com/office/drawing/2010/main" val="0"/>
@@ -3352,166 +3142,954 @@
         </p:blipFill>
         <p:spPr>
           <a:xfrm>
-            <a:off x="1956159" y="4975613"/>
-            <a:ext cx="470912" cy="658425"/>
+            <a:off x="2330641" y="5847644"/>
+            <a:ext cx="743714" cy="1042418"/>
           </a:xfrm>
           <a:prstGeom prst="rect">
             <a:avLst/>
           </a:prstGeom>
         </p:spPr>
       </p:pic>
-      <p:sp>
-        <p:nvSpPr>
-          <p:cNvPr id="20" name="TextBox 19">
+      <p:pic>
+        <p:nvPicPr>
+          <p:cNvPr id="13" name="그림 12" descr="텍스트, 만화 영화이(가) 표시된 사진&#10;&#10;자동 생성된 설명">
             <a:extLst>
               <a:ext uri="{FF2B5EF4-FFF2-40B4-BE49-F238E27FC236}">
-                <a16:creationId xmlns:a16="http://schemas.microsoft.com/office/drawing/2014/main" id="{958037AF-A890-7682-DCB9-BBFE9477F94E}"/>
+                <a16:creationId xmlns:a16="http://schemas.microsoft.com/office/drawing/2014/main" id="{21841E63-62B0-1877-5AF9-F8D4D5A6FC8C}"/>
               </a:ext>
             </a:extLst>
           </p:cNvPr>
-          <p:cNvSpPr txBox="1"/>
-          <p:nvPr/>
-        </p:nvSpPr>
-        <p:spPr>
-          <a:xfrm>
-            <a:off x="2427071" y="5062538"/>
-            <a:ext cx="491440" cy="584775"/>
-          </a:xfrm>
-          <a:prstGeom prst="rect">
-            <a:avLst/>
-          </a:prstGeom>
-          <a:noFill/>
-        </p:spPr>
-        <p:txBody>
-          <a:bodyPr wrap="square" rtlCol="0">
-            <a:spAutoFit/>
-          </a:bodyPr>
-          <a:lstStyle/>
-          <a:p>
-            <a:r>
-              <a:rPr lang="en-US" altLang="ko-KR" sz="3200" dirty="0">
-                <a:solidFill>
-                  <a:srgbClr val="5E858C"/>
-                </a:solidFill>
-                <a:latin typeface="태나다체 " panose="02000000000000000000" pitchFamily="2" charset="-127"/>
-                <a:ea typeface="태나다체 " panose="02000000000000000000" pitchFamily="2" charset="-127"/>
-              </a:rPr>
-              <a:t>X</a:t>
-            </a:r>
-            <a:endParaRPr lang="ko-KR" altLang="en-US" sz="3200" dirty="0">
-              <a:solidFill>
-                <a:srgbClr val="5E858C"/>
-              </a:solidFill>
-              <a:latin typeface="태나다체 " panose="02000000000000000000" pitchFamily="2" charset="-127"/>
-              <a:ea typeface="태나다체 " panose="02000000000000000000" pitchFamily="2" charset="-127"/>
-            </a:endParaRPr>
-          </a:p>
-        </p:txBody>
-      </p:sp>
-      <p:sp>
-        <p:nvSpPr>
-          <p:cNvPr id="21" name="TextBox 20">
+          <p:cNvPicPr>
+            <a:picLocks noChangeAspect="1"/>
+          </p:cNvPicPr>
+          <p:nvPr/>
+        </p:nvPicPr>
+        <p:blipFill>
+          <a:blip r:embed="rId5" cstate="print">
+            <a:extLst>
+              <a:ext uri="{28A0092B-C50C-407E-A947-70E740481C1C}">
+                <a14:useLocalDpi xmlns:a14="http://schemas.microsoft.com/office/drawing/2010/main" val="0"/>
+              </a:ext>
+            </a:extLst>
+          </a:blip>
+          <a:stretch>
+            <a:fillRect/>
+          </a:stretch>
+        </p:blipFill>
+        <p:spPr>
+          <a:xfrm>
+            <a:off x="8923058" y="5815582"/>
+            <a:ext cx="743714" cy="1042418"/>
+          </a:xfrm>
+          <a:prstGeom prst="rect">
+            <a:avLst/>
+          </a:prstGeom>
+        </p:spPr>
+      </p:pic>
+      <p:pic>
+        <p:nvPicPr>
+          <p:cNvPr id="15" name="그림 14" descr="텍스트, 포스터, 만화 영화, 디자인이(가) 표시된 사진&#10;&#10;자동 생성된 설명">
             <a:extLst>
               <a:ext uri="{FF2B5EF4-FFF2-40B4-BE49-F238E27FC236}">
-                <a16:creationId xmlns:a16="http://schemas.microsoft.com/office/drawing/2014/main" id="{15B9D621-A6E8-05F0-BE7A-07E0F64C7911}"/>
+                <a16:creationId xmlns:a16="http://schemas.microsoft.com/office/drawing/2014/main" id="{970DA616-823A-D753-2966-B73BCD95EAE2}"/>
               </a:ext>
             </a:extLst>
           </p:cNvPr>
-          <p:cNvSpPr txBox="1"/>
-          <p:nvPr/>
-        </p:nvSpPr>
-        <p:spPr>
-          <a:xfrm>
-            <a:off x="3859555" y="5062538"/>
-            <a:ext cx="491440" cy="584775"/>
-          </a:xfrm>
-          <a:prstGeom prst="rect">
-            <a:avLst/>
-          </a:prstGeom>
-          <a:noFill/>
-        </p:spPr>
-        <p:txBody>
-          <a:bodyPr wrap="square" rtlCol="0">
-            <a:spAutoFit/>
-          </a:bodyPr>
-          <a:lstStyle/>
-          <a:p>
-            <a:r>
-              <a:rPr lang="en-US" altLang="ko-KR" sz="3200" dirty="0">
-                <a:solidFill>
-                  <a:srgbClr val="DB5834"/>
-                </a:solidFill>
-                <a:latin typeface="태나다체 " panose="02000000000000000000" pitchFamily="2" charset="-127"/>
-                <a:ea typeface="태나다체 " panose="02000000000000000000" pitchFamily="2" charset="-127"/>
-              </a:rPr>
-              <a:t>X</a:t>
-            </a:r>
-            <a:endParaRPr lang="ko-KR" altLang="en-US" sz="3200" dirty="0">
-              <a:solidFill>
-                <a:srgbClr val="DB5834"/>
-              </a:solidFill>
-              <a:latin typeface="태나다체 " panose="02000000000000000000" pitchFamily="2" charset="-127"/>
-              <a:ea typeface="태나다체 " panose="02000000000000000000" pitchFamily="2" charset="-127"/>
-            </a:endParaRPr>
-          </a:p>
-        </p:txBody>
-      </p:sp>
-      <p:sp>
-        <p:nvSpPr>
-          <p:cNvPr id="22" name="사각형: 둥근 모서리 21">
+          <p:cNvPicPr>
+            <a:picLocks noChangeAspect="1"/>
+          </p:cNvPicPr>
+          <p:nvPr/>
+        </p:nvPicPr>
+        <p:blipFill>
+          <a:blip r:embed="rId6" cstate="print">
+            <a:extLst>
+              <a:ext uri="{28A0092B-C50C-407E-A947-70E740481C1C}">
+                <a14:useLocalDpi xmlns:a14="http://schemas.microsoft.com/office/drawing/2010/main" val="0"/>
+              </a:ext>
+            </a:extLst>
+          </a:blip>
+          <a:stretch>
+            <a:fillRect/>
+          </a:stretch>
+        </p:blipFill>
+        <p:spPr>
+          <a:xfrm>
+            <a:off x="5629417" y="5847644"/>
+            <a:ext cx="743714" cy="1042418"/>
+          </a:xfrm>
+          <a:prstGeom prst="rect">
+            <a:avLst/>
+          </a:prstGeom>
+        </p:spPr>
+      </p:pic>
+      <p:pic>
+        <p:nvPicPr>
+          <p:cNvPr id="17" name="그림 16" descr="만화 영화, 모자, 인간의 얼굴, 포스터이(가) 표시된 사진&#10;&#10;자동 생성된 설명">
             <a:extLst>
               <a:ext uri="{FF2B5EF4-FFF2-40B4-BE49-F238E27FC236}">
-                <a16:creationId xmlns:a16="http://schemas.microsoft.com/office/drawing/2014/main" id="{ECCB0A88-3ACC-9A34-6BF7-C0492B659782}"/>
+                <a16:creationId xmlns:a16="http://schemas.microsoft.com/office/drawing/2014/main" id="{C5EF76EF-721B-9F17-ADC4-211E695E1A3B}"/>
               </a:ext>
             </a:extLst>
           </p:cNvPr>
-          <p:cNvSpPr/>
-          <p:nvPr/>
-        </p:nvSpPr>
-        <p:spPr>
-          <a:xfrm>
-            <a:off x="2427071" y="4132225"/>
-            <a:ext cx="3907054" cy="430959"/>
-          </a:xfrm>
-          <a:prstGeom prst="roundRect">
-            <a:avLst/>
-          </a:prstGeom>
-          <a:solidFill>
-            <a:srgbClr val="F3E4C1"/>
-          </a:solidFill>
-          <a:ln>
-            <a:noFill/>
-          </a:ln>
-        </p:spPr>
-        <p:style>
-          <a:lnRef idx="2">
-            <a:schemeClr val="accent1">
-              <a:shade val="15000"/>
-            </a:schemeClr>
-          </a:lnRef>
-          <a:fillRef idx="1">
-            <a:schemeClr val="accent1"/>
-          </a:fillRef>
-          <a:effectRef idx="0">
-            <a:schemeClr val="accent1"/>
-          </a:effectRef>
-          <a:fontRef idx="minor">
-            <a:schemeClr val="lt1"/>
-          </a:fontRef>
-        </p:style>
-        <p:txBody>
-          <a:bodyPr rtlCol="0" anchor="ctr"/>
-          <a:lstStyle/>
-          <a:p>
-            <a:pPr algn="ctr"/>
-            <a:endParaRPr lang="ko-KR" altLang="en-US"/>
-          </a:p>
-        </p:txBody>
-      </p:sp>
+          <p:cNvPicPr>
+            <a:picLocks noChangeAspect="1"/>
+          </p:cNvPicPr>
+          <p:nvPr/>
+        </p:nvPicPr>
+        <p:blipFill>
+          <a:blip r:embed="rId7" cstate="print">
+            <a:extLst>
+              <a:ext uri="{28A0092B-C50C-407E-A947-70E740481C1C}">
+                <a14:useLocalDpi xmlns:a14="http://schemas.microsoft.com/office/drawing/2010/main" val="0"/>
+              </a:ext>
+            </a:extLst>
+          </a:blip>
+          <a:stretch>
+            <a:fillRect/>
+          </a:stretch>
+        </p:blipFill>
+        <p:spPr>
+          <a:xfrm>
+            <a:off x="3430233" y="5815582"/>
+            <a:ext cx="743714" cy="1042418"/>
+          </a:xfrm>
+          <a:prstGeom prst="rect">
+            <a:avLst/>
+          </a:prstGeom>
+        </p:spPr>
+      </p:pic>
+      <p:pic>
+        <p:nvPicPr>
+          <p:cNvPr id="19" name="그림 18" descr="텍스트, 만화 영화, 포스터, 클립아트이(가) 표시된 사진&#10;&#10;자동 생성된 설명">
+            <a:extLst>
+              <a:ext uri="{FF2B5EF4-FFF2-40B4-BE49-F238E27FC236}">
+                <a16:creationId xmlns:a16="http://schemas.microsoft.com/office/drawing/2014/main" id="{75A121D5-4A6E-7A5C-F27B-1EDAECBDCF4C}"/>
+              </a:ext>
+            </a:extLst>
+          </p:cNvPr>
+          <p:cNvPicPr>
+            <a:picLocks noChangeAspect="1"/>
+          </p:cNvPicPr>
+          <p:nvPr/>
+        </p:nvPicPr>
+        <p:blipFill>
+          <a:blip r:embed="rId8" cstate="print">
+            <a:extLst>
+              <a:ext uri="{28A0092B-C50C-407E-A947-70E740481C1C}">
+                <a14:useLocalDpi xmlns:a14="http://schemas.microsoft.com/office/drawing/2010/main" val="0"/>
+              </a:ext>
+            </a:extLst>
+          </a:blip>
+          <a:stretch>
+            <a:fillRect/>
+          </a:stretch>
+        </p:blipFill>
+        <p:spPr>
+          <a:xfrm>
+            <a:off x="1231049" y="5847644"/>
+            <a:ext cx="743714" cy="1042418"/>
+          </a:xfrm>
+          <a:prstGeom prst="rect">
+            <a:avLst/>
+          </a:prstGeom>
+        </p:spPr>
+      </p:pic>
+      <p:pic>
+        <p:nvPicPr>
+          <p:cNvPr id="21" name="그림 20" descr="텍스트, 포스터, 인간의 얼굴, 만화 영화이(가) 표시된 사진&#10;&#10;자동 생성된 설명">
+            <a:extLst>
+              <a:ext uri="{FF2B5EF4-FFF2-40B4-BE49-F238E27FC236}">
+                <a16:creationId xmlns:a16="http://schemas.microsoft.com/office/drawing/2014/main" id="{8B449626-D9AC-D758-4608-965606E32BD2}"/>
+              </a:ext>
+            </a:extLst>
+          </p:cNvPr>
+          <p:cNvPicPr>
+            <a:picLocks noChangeAspect="1"/>
+          </p:cNvPicPr>
+          <p:nvPr/>
+        </p:nvPicPr>
+        <p:blipFill>
+          <a:blip r:embed="rId9" cstate="print">
+            <a:extLst>
+              <a:ext uri="{28A0092B-C50C-407E-A947-70E740481C1C}">
+                <a14:useLocalDpi xmlns:a14="http://schemas.microsoft.com/office/drawing/2010/main" val="0"/>
+              </a:ext>
+            </a:extLst>
+          </a:blip>
+          <a:stretch>
+            <a:fillRect/>
+          </a:stretch>
+        </p:blipFill>
+        <p:spPr>
+          <a:xfrm>
+            <a:off x="7828601" y="5815582"/>
+            <a:ext cx="743714" cy="1042418"/>
+          </a:xfrm>
+          <a:prstGeom prst="rect">
+            <a:avLst/>
+          </a:prstGeom>
+        </p:spPr>
+      </p:pic>
+      <p:pic>
+        <p:nvPicPr>
+          <p:cNvPr id="23" name="그림 22" descr="텍스트, 포스터, 만화 영화, 책이(가) 표시된 사진&#10;&#10;자동 생성된 설명">
+            <a:extLst>
+              <a:ext uri="{FF2B5EF4-FFF2-40B4-BE49-F238E27FC236}">
+                <a16:creationId xmlns:a16="http://schemas.microsoft.com/office/drawing/2014/main" id="{228A5ED4-7957-EE55-5833-865BD217C543}"/>
+              </a:ext>
+            </a:extLst>
+          </p:cNvPr>
+          <p:cNvPicPr>
+            <a:picLocks noChangeAspect="1"/>
+          </p:cNvPicPr>
+          <p:nvPr/>
+        </p:nvPicPr>
+        <p:blipFill>
+          <a:blip r:embed="rId10" cstate="print">
+            <a:extLst>
+              <a:ext uri="{28A0092B-C50C-407E-A947-70E740481C1C}">
+                <a14:useLocalDpi xmlns:a14="http://schemas.microsoft.com/office/drawing/2010/main" val="0"/>
+              </a:ext>
+            </a:extLst>
+          </a:blip>
+          <a:stretch>
+            <a:fillRect/>
+          </a:stretch>
+        </p:blipFill>
+        <p:spPr>
+          <a:xfrm>
+            <a:off x="131457" y="5815582"/>
+            <a:ext cx="743714" cy="1042418"/>
+          </a:xfrm>
+          <a:prstGeom prst="rect">
+            <a:avLst/>
+          </a:prstGeom>
+        </p:spPr>
+      </p:pic>
+      <p:pic>
+        <p:nvPicPr>
+          <p:cNvPr id="24" name="그림 23" descr="텍스트, 포스터, 만화 영화, 책이(가) 표시된 사진&#10;&#10;자동 생성된 설명">
+            <a:extLst>
+              <a:ext uri="{FF2B5EF4-FFF2-40B4-BE49-F238E27FC236}">
+                <a16:creationId xmlns:a16="http://schemas.microsoft.com/office/drawing/2014/main" id="{2B600586-208D-EF93-3133-CAF963BFFCE5}"/>
+              </a:ext>
+            </a:extLst>
+          </p:cNvPr>
+          <p:cNvPicPr>
+            <a:picLocks noChangeAspect="1"/>
+          </p:cNvPicPr>
+          <p:nvPr/>
+        </p:nvPicPr>
+        <p:blipFill>
+          <a:blip r:embed="rId10" cstate="print">
+            <a:extLst>
+              <a:ext uri="{28A0092B-C50C-407E-A947-70E740481C1C}">
+                <a14:useLocalDpi xmlns:a14="http://schemas.microsoft.com/office/drawing/2010/main" val="0"/>
+              </a:ext>
+            </a:extLst>
+          </a:blip>
+          <a:stretch>
+            <a:fillRect/>
+          </a:stretch>
+        </p:blipFill>
+        <p:spPr>
+          <a:xfrm>
+            <a:off x="10017515" y="5847644"/>
+            <a:ext cx="743714" cy="1042418"/>
+          </a:xfrm>
+          <a:prstGeom prst="rect">
+            <a:avLst/>
+          </a:prstGeom>
+        </p:spPr>
+      </p:pic>
+      <p:pic>
+        <p:nvPicPr>
+          <p:cNvPr id="25" name="그림 24" descr="텍스트, 만화 영화, 포스터, 클립아트이(가) 표시된 사진&#10;&#10;자동 생성된 설명">
+            <a:extLst>
+              <a:ext uri="{FF2B5EF4-FFF2-40B4-BE49-F238E27FC236}">
+                <a16:creationId xmlns:a16="http://schemas.microsoft.com/office/drawing/2014/main" id="{19F15D8E-A28B-E2B8-6F6D-511AAFB7E523}"/>
+              </a:ext>
+            </a:extLst>
+          </p:cNvPr>
+          <p:cNvPicPr>
+            <a:picLocks noChangeAspect="1"/>
+          </p:cNvPicPr>
+          <p:nvPr/>
+        </p:nvPicPr>
+        <p:blipFill>
+          <a:blip r:embed="rId8" cstate="print">
+            <a:extLst>
+              <a:ext uri="{28A0092B-C50C-407E-A947-70E740481C1C}">
+                <a14:useLocalDpi xmlns:a14="http://schemas.microsoft.com/office/drawing/2010/main" val="0"/>
+              </a:ext>
+            </a:extLst>
+          </a:blip>
+          <a:stretch>
+            <a:fillRect/>
+          </a:stretch>
+        </p:blipFill>
+        <p:spPr>
+          <a:xfrm>
+            <a:off x="11111972" y="5847644"/>
+            <a:ext cx="743714" cy="1042418"/>
+          </a:xfrm>
+          <a:prstGeom prst="rect">
+            <a:avLst/>
+          </a:prstGeom>
+        </p:spPr>
+      </p:pic>
+      <p:pic>
+        <p:nvPicPr>
+          <p:cNvPr id="26" name="그림 25" descr="텍스트, 포스터, 만화 영화, 책이(가) 표시된 사진&#10;&#10;자동 생성된 설명">
+            <a:extLst>
+              <a:ext uri="{FF2B5EF4-FFF2-40B4-BE49-F238E27FC236}">
+                <a16:creationId xmlns:a16="http://schemas.microsoft.com/office/drawing/2014/main" id="{6724CCA1-EC6E-CCCA-01F9-208DF083479D}"/>
+              </a:ext>
+            </a:extLst>
+          </p:cNvPr>
+          <p:cNvPicPr>
+            <a:picLocks noChangeAspect="1"/>
+          </p:cNvPicPr>
+          <p:nvPr/>
+        </p:nvPicPr>
+        <p:blipFill>
+          <a:blip r:embed="rId4" cstate="print">
+            <a:extLst>
+              <a:ext uri="{28A0092B-C50C-407E-A947-70E740481C1C}">
+                <a14:useLocalDpi xmlns:a14="http://schemas.microsoft.com/office/drawing/2010/main" val="0"/>
+              </a:ext>
+            </a:extLst>
+          </a:blip>
+          <a:stretch>
+            <a:fillRect/>
+          </a:stretch>
+        </p:blipFill>
+        <p:spPr>
+          <a:xfrm>
+            <a:off x="12206429" y="5847644"/>
+            <a:ext cx="743714" cy="1042418"/>
+          </a:xfrm>
+          <a:prstGeom prst="rect">
+            <a:avLst/>
+          </a:prstGeom>
+        </p:spPr>
+      </p:pic>
+      <p:pic>
+        <p:nvPicPr>
+          <p:cNvPr id="27" name="그림 26" descr="만화 영화, 모자, 인간의 얼굴, 포스터이(가) 표시된 사진&#10;&#10;자동 생성된 설명">
+            <a:extLst>
+              <a:ext uri="{FF2B5EF4-FFF2-40B4-BE49-F238E27FC236}">
+                <a16:creationId xmlns:a16="http://schemas.microsoft.com/office/drawing/2014/main" id="{8A861E8C-C73E-9648-7B8B-08660A7D1E7A}"/>
+              </a:ext>
+            </a:extLst>
+          </p:cNvPr>
+          <p:cNvPicPr>
+            <a:picLocks noChangeAspect="1"/>
+          </p:cNvPicPr>
+          <p:nvPr/>
+        </p:nvPicPr>
+        <p:blipFill>
+          <a:blip r:embed="rId7" cstate="print">
+            <a:extLst>
+              <a:ext uri="{28A0092B-C50C-407E-A947-70E740481C1C}">
+                <a14:useLocalDpi xmlns:a14="http://schemas.microsoft.com/office/drawing/2010/main" val="0"/>
+              </a:ext>
+            </a:extLst>
+          </a:blip>
+          <a:stretch>
+            <a:fillRect/>
+          </a:stretch>
+        </p:blipFill>
+        <p:spPr>
+          <a:xfrm>
+            <a:off x="13300886" y="5847644"/>
+            <a:ext cx="743714" cy="1042418"/>
+          </a:xfrm>
+          <a:prstGeom prst="rect">
+            <a:avLst/>
+          </a:prstGeom>
+        </p:spPr>
+      </p:pic>
+      <p:pic>
+        <p:nvPicPr>
+          <p:cNvPr id="28" name="그림 27" descr="텍스트, 포스터, 만화 영화, 디자인이(가) 표시된 사진&#10;&#10;자동 생성된 설명">
+            <a:extLst>
+              <a:ext uri="{FF2B5EF4-FFF2-40B4-BE49-F238E27FC236}">
+                <a16:creationId xmlns:a16="http://schemas.microsoft.com/office/drawing/2014/main" id="{E8101ACA-27F9-04E6-B6F7-897AF1A1FBFA}"/>
+              </a:ext>
+            </a:extLst>
+          </p:cNvPr>
+          <p:cNvPicPr>
+            <a:picLocks noChangeAspect="1"/>
+          </p:cNvPicPr>
+          <p:nvPr/>
+        </p:nvPicPr>
+        <p:blipFill>
+          <a:blip r:embed="rId6" cstate="print">
+            <a:extLst>
+              <a:ext uri="{28A0092B-C50C-407E-A947-70E740481C1C}">
+                <a14:useLocalDpi xmlns:a14="http://schemas.microsoft.com/office/drawing/2010/main" val="0"/>
+              </a:ext>
+            </a:extLst>
+          </a:blip>
+          <a:stretch>
+            <a:fillRect/>
+          </a:stretch>
+        </p:blipFill>
+        <p:spPr>
+          <a:xfrm>
+            <a:off x="-957865" y="5815582"/>
+            <a:ext cx="743714" cy="1042418"/>
+          </a:xfrm>
+          <a:prstGeom prst="rect">
+            <a:avLst/>
+          </a:prstGeom>
+        </p:spPr>
+      </p:pic>
+      <p:pic>
+        <p:nvPicPr>
+          <p:cNvPr id="29" name="그림 28" descr="텍스트, 포스터, 만화 영화, 선전이(가) 표시된 사진&#10;&#10;자동 생성된 설명">
+            <a:extLst>
+              <a:ext uri="{FF2B5EF4-FFF2-40B4-BE49-F238E27FC236}">
+                <a16:creationId xmlns:a16="http://schemas.microsoft.com/office/drawing/2014/main" id="{B9CF0A8C-9D8B-4819-27AB-5ADB7ECF17E0}"/>
+              </a:ext>
+            </a:extLst>
+          </p:cNvPr>
+          <p:cNvPicPr>
+            <a:picLocks noChangeAspect="1"/>
+          </p:cNvPicPr>
+          <p:nvPr/>
+        </p:nvPicPr>
+        <p:blipFill>
+          <a:blip r:embed="rId3" cstate="print">
+            <a:extLst>
+              <a:ext uri="{28A0092B-C50C-407E-A947-70E740481C1C}">
+                <a14:useLocalDpi xmlns:a14="http://schemas.microsoft.com/office/drawing/2010/main" val="0"/>
+              </a:ext>
+            </a:extLst>
+          </a:blip>
+          <a:stretch>
+            <a:fillRect/>
+          </a:stretch>
+        </p:blipFill>
+        <p:spPr>
+          <a:xfrm>
+            <a:off x="-2047187" y="5815582"/>
+            <a:ext cx="743714" cy="1042418"/>
+          </a:xfrm>
+          <a:prstGeom prst="rect">
+            <a:avLst/>
+          </a:prstGeom>
+        </p:spPr>
+      </p:pic>
+      <p:pic>
+        <p:nvPicPr>
+          <p:cNvPr id="30" name="그림 29" descr="텍스트, 만화 영화이(가) 표시된 사진&#10;&#10;자동 생성된 설명">
+            <a:extLst>
+              <a:ext uri="{FF2B5EF4-FFF2-40B4-BE49-F238E27FC236}">
+                <a16:creationId xmlns:a16="http://schemas.microsoft.com/office/drawing/2014/main" id="{88159084-33BF-65DC-18D2-E9111BCEFB36}"/>
+              </a:ext>
+            </a:extLst>
+          </p:cNvPr>
+          <p:cNvPicPr>
+            <a:picLocks noChangeAspect="1"/>
+          </p:cNvPicPr>
+          <p:nvPr/>
+        </p:nvPicPr>
+        <p:blipFill>
+          <a:blip r:embed="rId5" cstate="print">
+            <a:extLst>
+              <a:ext uri="{28A0092B-C50C-407E-A947-70E740481C1C}">
+                <a14:useLocalDpi xmlns:a14="http://schemas.microsoft.com/office/drawing/2010/main" val="0"/>
+              </a:ext>
+            </a:extLst>
+          </a:blip>
+          <a:stretch>
+            <a:fillRect/>
+          </a:stretch>
+        </p:blipFill>
+        <p:spPr>
+          <a:xfrm>
+            <a:off x="-3136509" y="5847644"/>
+            <a:ext cx="743714" cy="1042418"/>
+          </a:xfrm>
+          <a:prstGeom prst="rect">
+            <a:avLst/>
+          </a:prstGeom>
+        </p:spPr>
+      </p:pic>
+      <p:pic>
+        <p:nvPicPr>
+          <p:cNvPr id="31" name="그림 30" descr="텍스트, 포스터, 인간의 얼굴, 만화 영화이(가) 표시된 사진&#10;&#10;자동 생성된 설명">
+            <a:extLst>
+              <a:ext uri="{FF2B5EF4-FFF2-40B4-BE49-F238E27FC236}">
+                <a16:creationId xmlns:a16="http://schemas.microsoft.com/office/drawing/2014/main" id="{B559585C-CB63-FE50-D5FD-5C5D8EE37FA6}"/>
+              </a:ext>
+            </a:extLst>
+          </p:cNvPr>
+          <p:cNvPicPr>
+            <a:picLocks noChangeAspect="1"/>
+          </p:cNvPicPr>
+          <p:nvPr/>
+        </p:nvPicPr>
+        <p:blipFill>
+          <a:blip r:embed="rId9" cstate="print">
+            <a:extLst>
+              <a:ext uri="{28A0092B-C50C-407E-A947-70E740481C1C}">
+                <a14:useLocalDpi xmlns:a14="http://schemas.microsoft.com/office/drawing/2010/main" val="0"/>
+              </a:ext>
+            </a:extLst>
+          </a:blip>
+          <a:stretch>
+            <a:fillRect/>
+          </a:stretch>
+        </p:blipFill>
+        <p:spPr>
+          <a:xfrm>
+            <a:off x="-4236101" y="5847644"/>
+            <a:ext cx="743714" cy="1042418"/>
+          </a:xfrm>
+          <a:prstGeom prst="rect">
+            <a:avLst/>
+          </a:prstGeom>
+        </p:spPr>
+      </p:pic>
+      <p:pic>
+        <p:nvPicPr>
+          <p:cNvPr id="32" name="그림 31" descr="텍스트, 포스터, 만화 영화, 디자인이(가) 표시된 사진&#10;&#10;자동 생성된 설명">
+            <a:extLst>
+              <a:ext uri="{FF2B5EF4-FFF2-40B4-BE49-F238E27FC236}">
+                <a16:creationId xmlns:a16="http://schemas.microsoft.com/office/drawing/2014/main" id="{FC6F69A0-1EE6-579A-D870-C7E220005258}"/>
+              </a:ext>
+            </a:extLst>
+          </p:cNvPr>
+          <p:cNvPicPr>
+            <a:picLocks noChangeAspect="1"/>
+          </p:cNvPicPr>
+          <p:nvPr/>
+        </p:nvPicPr>
+        <p:blipFill>
+          <a:blip r:embed="rId2" cstate="print">
+            <a:extLst>
+              <a:ext uri="{28A0092B-C50C-407E-A947-70E740481C1C}">
+                <a14:useLocalDpi xmlns:a14="http://schemas.microsoft.com/office/drawing/2010/main" val="0"/>
+              </a:ext>
+            </a:extLst>
+          </a:blip>
+          <a:stretch>
+            <a:fillRect/>
+          </a:stretch>
+        </p:blipFill>
+        <p:spPr>
+          <a:xfrm>
+            <a:off x="-5325423" y="5847644"/>
+            <a:ext cx="743714" cy="1042418"/>
+          </a:xfrm>
+          <a:prstGeom prst="rect">
+            <a:avLst/>
+          </a:prstGeom>
+        </p:spPr>
+      </p:pic>
+      <p:pic>
+        <p:nvPicPr>
+          <p:cNvPr id="33" name="그림 32" descr="만화 영화, 모자, 인간의 얼굴, 포스터이(가) 표시된 사진&#10;&#10;자동 생성된 설명">
+            <a:extLst>
+              <a:ext uri="{FF2B5EF4-FFF2-40B4-BE49-F238E27FC236}">
+                <a16:creationId xmlns:a16="http://schemas.microsoft.com/office/drawing/2014/main" id="{814FEED1-0F28-C31A-EA46-4E4F74E86BF9}"/>
+              </a:ext>
+            </a:extLst>
+          </p:cNvPr>
+          <p:cNvPicPr>
+            <a:picLocks noChangeAspect="1"/>
+          </p:cNvPicPr>
+          <p:nvPr/>
+        </p:nvPicPr>
+        <p:blipFill>
+          <a:blip r:embed="rId7" cstate="print">
+            <a:extLst>
+              <a:ext uri="{28A0092B-C50C-407E-A947-70E740481C1C}">
+                <a14:useLocalDpi xmlns:a14="http://schemas.microsoft.com/office/drawing/2010/main" val="0"/>
+              </a:ext>
+            </a:extLst>
+          </a:blip>
+          <a:stretch>
+            <a:fillRect/>
+          </a:stretch>
+        </p:blipFill>
+        <p:spPr>
+          <a:xfrm>
+            <a:off x="-6419880" y="5847644"/>
+            <a:ext cx="743714" cy="1042418"/>
+          </a:xfrm>
+          <a:prstGeom prst="rect">
+            <a:avLst/>
+          </a:prstGeom>
+        </p:spPr>
+      </p:pic>
+      <p:pic>
+        <p:nvPicPr>
+          <p:cNvPr id="34" name="그림 33" descr="텍스트, 포스터, 만화 영화, 책이(가) 표시된 사진&#10;&#10;자동 생성된 설명">
+            <a:extLst>
+              <a:ext uri="{FF2B5EF4-FFF2-40B4-BE49-F238E27FC236}">
+                <a16:creationId xmlns:a16="http://schemas.microsoft.com/office/drawing/2014/main" id="{D8C16545-AB70-5617-6F4E-C1B943AAF818}"/>
+              </a:ext>
+            </a:extLst>
+          </p:cNvPr>
+          <p:cNvPicPr>
+            <a:picLocks noChangeAspect="1"/>
+          </p:cNvPicPr>
+          <p:nvPr/>
+        </p:nvPicPr>
+        <p:blipFill>
+          <a:blip r:embed="rId4" cstate="print">
+            <a:extLst>
+              <a:ext uri="{28A0092B-C50C-407E-A947-70E740481C1C}">
+                <a14:useLocalDpi xmlns:a14="http://schemas.microsoft.com/office/drawing/2010/main" val="0"/>
+              </a:ext>
+            </a:extLst>
+          </a:blip>
+          <a:stretch>
+            <a:fillRect/>
+          </a:stretch>
+        </p:blipFill>
+        <p:spPr>
+          <a:xfrm>
+            <a:off x="-8603659" y="5847644"/>
+            <a:ext cx="743714" cy="1042418"/>
+          </a:xfrm>
+          <a:prstGeom prst="rect">
+            <a:avLst/>
+          </a:prstGeom>
+        </p:spPr>
+      </p:pic>
+      <p:pic>
+        <p:nvPicPr>
+          <p:cNvPr id="35" name="그림 34" descr="만화 영화, 모자, 인간의 얼굴, 포스터이(가) 표시된 사진&#10;&#10;자동 생성된 설명">
+            <a:extLst>
+              <a:ext uri="{FF2B5EF4-FFF2-40B4-BE49-F238E27FC236}">
+                <a16:creationId xmlns:a16="http://schemas.microsoft.com/office/drawing/2014/main" id="{2425423D-A23E-9B44-DD64-66504B310445}"/>
+              </a:ext>
+            </a:extLst>
+          </p:cNvPr>
+          <p:cNvPicPr>
+            <a:picLocks noChangeAspect="1"/>
+          </p:cNvPicPr>
+          <p:nvPr/>
+        </p:nvPicPr>
+        <p:blipFill>
+          <a:blip r:embed="rId7" cstate="print">
+            <a:extLst>
+              <a:ext uri="{28A0092B-C50C-407E-A947-70E740481C1C}">
+                <a14:useLocalDpi xmlns:a14="http://schemas.microsoft.com/office/drawing/2010/main" val="0"/>
+              </a:ext>
+            </a:extLst>
+          </a:blip>
+          <a:stretch>
+            <a:fillRect/>
+          </a:stretch>
+        </p:blipFill>
+        <p:spPr>
+          <a:xfrm>
+            <a:off x="-7504067" y="5815582"/>
+            <a:ext cx="743714" cy="1042418"/>
+          </a:xfrm>
+          <a:prstGeom prst="rect">
+            <a:avLst/>
+          </a:prstGeom>
+        </p:spPr>
+      </p:pic>
+      <p:pic>
+        <p:nvPicPr>
+          <p:cNvPr id="36" name="그림 35" descr="텍스트, 만화 영화, 포스터, 클립아트이(가) 표시된 사진&#10;&#10;자동 생성된 설명">
+            <a:extLst>
+              <a:ext uri="{FF2B5EF4-FFF2-40B4-BE49-F238E27FC236}">
+                <a16:creationId xmlns:a16="http://schemas.microsoft.com/office/drawing/2014/main" id="{248EFE92-DD3C-421D-9A29-C6DDB15C2007}"/>
+              </a:ext>
+            </a:extLst>
+          </p:cNvPr>
+          <p:cNvPicPr>
+            <a:picLocks noChangeAspect="1"/>
+          </p:cNvPicPr>
+          <p:nvPr/>
+        </p:nvPicPr>
+        <p:blipFill>
+          <a:blip r:embed="rId8" cstate="print">
+            <a:extLst>
+              <a:ext uri="{28A0092B-C50C-407E-A947-70E740481C1C}">
+                <a14:useLocalDpi xmlns:a14="http://schemas.microsoft.com/office/drawing/2010/main" val="0"/>
+              </a:ext>
+            </a:extLst>
+          </a:blip>
+          <a:stretch>
+            <a:fillRect/>
+          </a:stretch>
+        </p:blipFill>
+        <p:spPr>
+          <a:xfrm>
+            <a:off x="-9703251" y="5847644"/>
+            <a:ext cx="743714" cy="1042418"/>
+          </a:xfrm>
+          <a:prstGeom prst="rect">
+            <a:avLst/>
+          </a:prstGeom>
+        </p:spPr>
+      </p:pic>
+      <p:pic>
+        <p:nvPicPr>
+          <p:cNvPr id="37" name="그림 36" descr="텍스트, 포스터, 만화 영화, 책이(가) 표시된 사진&#10;&#10;자동 생성된 설명">
+            <a:extLst>
+              <a:ext uri="{FF2B5EF4-FFF2-40B4-BE49-F238E27FC236}">
+                <a16:creationId xmlns:a16="http://schemas.microsoft.com/office/drawing/2014/main" id="{C6969029-98E6-096D-706E-22D2FAB25B2C}"/>
+              </a:ext>
+            </a:extLst>
+          </p:cNvPr>
+          <p:cNvPicPr>
+            <a:picLocks noChangeAspect="1"/>
+          </p:cNvPicPr>
+          <p:nvPr/>
+        </p:nvPicPr>
+        <p:blipFill>
+          <a:blip r:embed="rId10" cstate="print">
+            <a:extLst>
+              <a:ext uri="{28A0092B-C50C-407E-A947-70E740481C1C}">
+                <a14:useLocalDpi xmlns:a14="http://schemas.microsoft.com/office/drawing/2010/main" val="0"/>
+              </a:ext>
+            </a:extLst>
+          </a:blip>
+          <a:stretch>
+            <a:fillRect/>
+          </a:stretch>
+        </p:blipFill>
+        <p:spPr>
+          <a:xfrm>
+            <a:off x="-10802843" y="5815582"/>
+            <a:ext cx="743714" cy="1042418"/>
+          </a:xfrm>
+          <a:prstGeom prst="rect">
+            <a:avLst/>
+          </a:prstGeom>
+        </p:spPr>
+      </p:pic>
+      <p:pic>
+        <p:nvPicPr>
+          <p:cNvPr id="38" name="그림 37" descr="텍스트, 포스터, 만화 영화, 디자인이(가) 표시된 사진&#10;&#10;자동 생성된 설명">
+            <a:extLst>
+              <a:ext uri="{FF2B5EF4-FFF2-40B4-BE49-F238E27FC236}">
+                <a16:creationId xmlns:a16="http://schemas.microsoft.com/office/drawing/2014/main" id="{26955A08-B628-6519-525F-D97A521143EF}"/>
+              </a:ext>
+            </a:extLst>
+          </p:cNvPr>
+          <p:cNvPicPr>
+            <a:picLocks noChangeAspect="1"/>
+          </p:cNvPicPr>
+          <p:nvPr/>
+        </p:nvPicPr>
+        <p:blipFill>
+          <a:blip r:embed="rId6" cstate="print">
+            <a:extLst>
+              <a:ext uri="{28A0092B-C50C-407E-A947-70E740481C1C}">
+                <a14:useLocalDpi xmlns:a14="http://schemas.microsoft.com/office/drawing/2010/main" val="0"/>
+              </a:ext>
+            </a:extLst>
+          </a:blip>
+          <a:stretch>
+            <a:fillRect/>
+          </a:stretch>
+        </p:blipFill>
+        <p:spPr>
+          <a:xfrm>
+            <a:off x="-11892165" y="5815582"/>
+            <a:ext cx="743714" cy="1042418"/>
+          </a:xfrm>
+          <a:prstGeom prst="rect">
+            <a:avLst/>
+          </a:prstGeom>
+        </p:spPr>
+      </p:pic>
+      <p:pic>
+        <p:nvPicPr>
+          <p:cNvPr id="39" name="그림 38" descr="텍스트, 포스터, 만화 영화, 선전이(가) 표시된 사진&#10;&#10;자동 생성된 설명">
+            <a:extLst>
+              <a:ext uri="{FF2B5EF4-FFF2-40B4-BE49-F238E27FC236}">
+                <a16:creationId xmlns:a16="http://schemas.microsoft.com/office/drawing/2014/main" id="{6DC62575-AF8F-C756-932E-D8816AA827FB}"/>
+              </a:ext>
+            </a:extLst>
+          </p:cNvPr>
+          <p:cNvPicPr>
+            <a:picLocks noChangeAspect="1"/>
+          </p:cNvPicPr>
+          <p:nvPr/>
+        </p:nvPicPr>
+        <p:blipFill>
+          <a:blip r:embed="rId3" cstate="print">
+            <a:extLst>
+              <a:ext uri="{28A0092B-C50C-407E-A947-70E740481C1C}">
+                <a14:useLocalDpi xmlns:a14="http://schemas.microsoft.com/office/drawing/2010/main" val="0"/>
+              </a:ext>
+            </a:extLst>
+          </a:blip>
+          <a:stretch>
+            <a:fillRect/>
+          </a:stretch>
+        </p:blipFill>
+        <p:spPr>
+          <a:xfrm>
+            <a:off x="-12981487" y="5815582"/>
+            <a:ext cx="743714" cy="1042418"/>
+          </a:xfrm>
+          <a:prstGeom prst="rect">
+            <a:avLst/>
+          </a:prstGeom>
+        </p:spPr>
+      </p:pic>
+      <p:pic>
+        <p:nvPicPr>
+          <p:cNvPr id="40" name="그림 39" descr="텍스트, 만화 영화이(가) 표시된 사진&#10;&#10;자동 생성된 설명">
+            <a:extLst>
+              <a:ext uri="{FF2B5EF4-FFF2-40B4-BE49-F238E27FC236}">
+                <a16:creationId xmlns:a16="http://schemas.microsoft.com/office/drawing/2014/main" id="{482B72E4-150A-5FC3-D1D2-613701460D2C}"/>
+              </a:ext>
+            </a:extLst>
+          </p:cNvPr>
+          <p:cNvPicPr>
+            <a:picLocks noChangeAspect="1"/>
+          </p:cNvPicPr>
+          <p:nvPr/>
+        </p:nvPicPr>
+        <p:blipFill>
+          <a:blip r:embed="rId5" cstate="print">
+            <a:extLst>
+              <a:ext uri="{28A0092B-C50C-407E-A947-70E740481C1C}">
+                <a14:useLocalDpi xmlns:a14="http://schemas.microsoft.com/office/drawing/2010/main" val="0"/>
+              </a:ext>
+            </a:extLst>
+          </a:blip>
+          <a:stretch>
+            <a:fillRect/>
+          </a:stretch>
+        </p:blipFill>
+        <p:spPr>
+          <a:xfrm>
+            <a:off x="-14070809" y="5847644"/>
+            <a:ext cx="743714" cy="1042418"/>
+          </a:xfrm>
+          <a:prstGeom prst="rect">
+            <a:avLst/>
+          </a:prstGeom>
+        </p:spPr>
+      </p:pic>
+      <p:pic>
+        <p:nvPicPr>
+          <p:cNvPr id="41" name="그림 40" descr="텍스트, 포스터, 인간의 얼굴, 만화 영화이(가) 표시된 사진&#10;&#10;자동 생성된 설명">
+            <a:extLst>
+              <a:ext uri="{FF2B5EF4-FFF2-40B4-BE49-F238E27FC236}">
+                <a16:creationId xmlns:a16="http://schemas.microsoft.com/office/drawing/2014/main" id="{B43BBD55-8057-7DF7-8B12-BB861D7262F4}"/>
+              </a:ext>
+            </a:extLst>
+          </p:cNvPr>
+          <p:cNvPicPr>
+            <a:picLocks noChangeAspect="1"/>
+          </p:cNvPicPr>
+          <p:nvPr/>
+        </p:nvPicPr>
+        <p:blipFill>
+          <a:blip r:embed="rId9" cstate="print">
+            <a:extLst>
+              <a:ext uri="{28A0092B-C50C-407E-A947-70E740481C1C}">
+                <a14:useLocalDpi xmlns:a14="http://schemas.microsoft.com/office/drawing/2010/main" val="0"/>
+              </a:ext>
+            </a:extLst>
+          </a:blip>
+          <a:stretch>
+            <a:fillRect/>
+          </a:stretch>
+        </p:blipFill>
+        <p:spPr>
+          <a:xfrm>
+            <a:off x="-15170401" y="5847644"/>
+            <a:ext cx="743714" cy="1042418"/>
+          </a:xfrm>
+          <a:prstGeom prst="rect">
+            <a:avLst/>
+          </a:prstGeom>
+        </p:spPr>
+      </p:pic>
+      <p:pic>
+        <p:nvPicPr>
+          <p:cNvPr id="42" name="그림 41" descr="텍스트, 포스터, 만화 영화, 디자인이(가) 표시된 사진&#10;&#10;자동 생성된 설명">
+            <a:extLst>
+              <a:ext uri="{FF2B5EF4-FFF2-40B4-BE49-F238E27FC236}">
+                <a16:creationId xmlns:a16="http://schemas.microsoft.com/office/drawing/2014/main" id="{D3A9E51C-4981-BA2A-A319-F875E2398152}"/>
+              </a:ext>
+            </a:extLst>
+          </p:cNvPr>
+          <p:cNvPicPr>
+            <a:picLocks noChangeAspect="1"/>
+          </p:cNvPicPr>
+          <p:nvPr/>
+        </p:nvPicPr>
+        <p:blipFill>
+          <a:blip r:embed="rId2" cstate="print">
+            <a:extLst>
+              <a:ext uri="{28A0092B-C50C-407E-A947-70E740481C1C}">
+                <a14:useLocalDpi xmlns:a14="http://schemas.microsoft.com/office/drawing/2010/main" val="0"/>
+              </a:ext>
+            </a:extLst>
+          </a:blip>
+          <a:stretch>
+            <a:fillRect/>
+          </a:stretch>
+        </p:blipFill>
+        <p:spPr>
+          <a:xfrm>
+            <a:off x="-16259723" y="5847644"/>
+            <a:ext cx="743714" cy="1042418"/>
+          </a:xfrm>
+          <a:prstGeom prst="rect">
+            <a:avLst/>
+          </a:prstGeom>
+        </p:spPr>
+      </p:pic>
+      <p:pic>
+        <p:nvPicPr>
+          <p:cNvPr id="43" name="그림 42" descr="만화 영화, 모자, 인간의 얼굴, 포스터이(가) 표시된 사진&#10;&#10;자동 생성된 설명">
+            <a:extLst>
+              <a:ext uri="{FF2B5EF4-FFF2-40B4-BE49-F238E27FC236}">
+                <a16:creationId xmlns:a16="http://schemas.microsoft.com/office/drawing/2014/main" id="{824957DF-73DF-BF97-F436-B7142394AA8A}"/>
+              </a:ext>
+            </a:extLst>
+          </p:cNvPr>
+          <p:cNvPicPr>
+            <a:picLocks noChangeAspect="1"/>
+          </p:cNvPicPr>
+          <p:nvPr/>
+        </p:nvPicPr>
+        <p:blipFill>
+          <a:blip r:embed="rId7" cstate="print">
+            <a:extLst>
+              <a:ext uri="{28A0092B-C50C-407E-A947-70E740481C1C}">
+                <a14:useLocalDpi xmlns:a14="http://schemas.microsoft.com/office/drawing/2010/main" val="0"/>
+              </a:ext>
+            </a:extLst>
+          </a:blip>
+          <a:stretch>
+            <a:fillRect/>
+          </a:stretch>
+        </p:blipFill>
+        <p:spPr>
+          <a:xfrm>
+            <a:off x="-17354180" y="5847644"/>
+            <a:ext cx="743714" cy="1042418"/>
+          </a:xfrm>
+          <a:prstGeom prst="rect">
+            <a:avLst/>
+          </a:prstGeom>
+        </p:spPr>
+      </p:pic>
     </p:spTree>
     <p:extLst>
       <p:ext uri="{BB962C8B-B14F-4D97-AF65-F5344CB8AC3E}">
-        <p14:creationId xmlns:p14="http://schemas.microsoft.com/office/powerpoint/2010/main" val="3858273710"/>
+        <p14:creationId xmlns:p14="http://schemas.microsoft.com/office/powerpoint/2010/main" val="1913896176"/>
       </p:ext>
     </p:extLst>
   </p:cSld>
@@ -3589,6 +4167,503 @@
       </p:pic>
       <p:sp>
         <p:nvSpPr>
+          <p:cNvPr id="3" name="사각형: 둥근 모서리 2">
+            <a:extLst>
+              <a:ext uri="{FF2B5EF4-FFF2-40B4-BE49-F238E27FC236}">
+                <a16:creationId xmlns:a16="http://schemas.microsoft.com/office/drawing/2014/main" id="{569DAE35-AC43-12D1-E6D5-37DFD86D5E88}"/>
+              </a:ext>
+            </a:extLst>
+          </p:cNvPr>
+          <p:cNvSpPr/>
+          <p:nvPr/>
+        </p:nvSpPr>
+        <p:spPr>
+          <a:xfrm>
+            <a:off x="1695450" y="3905250"/>
+            <a:ext cx="4819650" cy="2019300"/>
+          </a:xfrm>
+          <a:prstGeom prst="roundRect">
+            <a:avLst/>
+          </a:prstGeom>
+          <a:solidFill>
+            <a:srgbClr val="B3A994"/>
+          </a:solidFill>
+          <a:ln w="76200">
+            <a:solidFill>
+              <a:srgbClr val="F3E4C1"/>
+            </a:solidFill>
+          </a:ln>
+          <a:effectLst>
+            <a:outerShdw blurRad="50800" dist="38100" dir="2700000" algn="tl" rotWithShape="0">
+              <a:prstClr val="black">
+                <a:alpha val="40000"/>
+              </a:prstClr>
+            </a:outerShdw>
+          </a:effectLst>
+        </p:spPr>
+        <p:style>
+          <a:lnRef idx="2">
+            <a:schemeClr val="accent1">
+              <a:shade val="15000"/>
+            </a:schemeClr>
+          </a:lnRef>
+          <a:fillRef idx="1">
+            <a:schemeClr val="accent1"/>
+          </a:fillRef>
+          <a:effectRef idx="0">
+            <a:schemeClr val="accent1"/>
+          </a:effectRef>
+          <a:fontRef idx="minor">
+            <a:schemeClr val="lt1"/>
+          </a:fontRef>
+        </p:style>
+        <p:txBody>
+          <a:bodyPr rtlCol="0" anchor="ctr"/>
+          <a:lstStyle/>
+          <a:p>
+            <a:pPr algn="ctr"/>
+            <a:endParaRPr lang="ko-KR" altLang="en-US"/>
+          </a:p>
+        </p:txBody>
+      </p:sp>
+      <p:pic>
+        <p:nvPicPr>
+          <p:cNvPr id="9" name="그림 8" descr="블랙, 새, 예술, 실루엣이(가) 표시된 사진&#10;&#10;자동 생성된 설명">
+            <a:extLst>
+              <a:ext uri="{FF2B5EF4-FFF2-40B4-BE49-F238E27FC236}">
+                <a16:creationId xmlns:a16="http://schemas.microsoft.com/office/drawing/2014/main" id="{08A3E4A6-90B1-04D2-E579-60B012D5576E}"/>
+              </a:ext>
+            </a:extLst>
+          </p:cNvPr>
+          <p:cNvPicPr>
+            <a:picLocks noChangeAspect="1"/>
+          </p:cNvPicPr>
+          <p:nvPr/>
+        </p:nvPicPr>
+        <p:blipFill>
+          <a:blip r:embed="rId4" cstate="print">
+            <a:lum bright="70000" contrast="-70000"/>
+            <a:extLst>
+              <a:ext uri="{28A0092B-C50C-407E-A947-70E740481C1C}">
+                <a14:useLocalDpi xmlns:a14="http://schemas.microsoft.com/office/drawing/2010/main" val="0"/>
+              </a:ext>
+            </a:extLst>
+          </a:blip>
+          <a:stretch>
+            <a:fillRect/>
+          </a:stretch>
+        </p:blipFill>
+        <p:spPr>
+          <a:xfrm>
+            <a:off x="1930547" y="4132225"/>
+            <a:ext cx="404912" cy="430959"/>
+          </a:xfrm>
+          <a:prstGeom prst="rect">
+            <a:avLst/>
+          </a:prstGeom>
+          <a:effectLst>
+            <a:outerShdw blurRad="50800" dist="38100" dir="2700000" algn="tl" rotWithShape="0">
+              <a:prstClr val="black">
+                <a:alpha val="40000"/>
+              </a:prstClr>
+            </a:outerShdw>
+          </a:effectLst>
+        </p:spPr>
+      </p:pic>
+      <p:cxnSp>
+        <p:nvCxnSpPr>
+          <p:cNvPr id="11" name="직선 연결선 10">
+            <a:extLst>
+              <a:ext uri="{FF2B5EF4-FFF2-40B4-BE49-F238E27FC236}">
+                <a16:creationId xmlns:a16="http://schemas.microsoft.com/office/drawing/2014/main" id="{99311788-5B73-A531-1855-5F504577F86B}"/>
+              </a:ext>
+            </a:extLst>
+          </p:cNvPr>
+          <p:cNvCxnSpPr/>
+          <p:nvPr/>
+        </p:nvCxnSpPr>
+        <p:spPr>
+          <a:xfrm>
+            <a:off x="1930547" y="4772025"/>
+            <a:ext cx="4403578" cy="0"/>
+          </a:xfrm>
+          <a:prstGeom prst="line">
+            <a:avLst/>
+          </a:prstGeom>
+          <a:ln w="38100">
+            <a:solidFill>
+              <a:srgbClr val="F3E4C1"/>
+            </a:solidFill>
+          </a:ln>
+        </p:spPr>
+        <p:style>
+          <a:lnRef idx="1">
+            <a:schemeClr val="accent1"/>
+          </a:lnRef>
+          <a:fillRef idx="0">
+            <a:schemeClr val="accent1"/>
+          </a:fillRef>
+          <a:effectRef idx="0">
+            <a:schemeClr val="accent1"/>
+          </a:effectRef>
+          <a:fontRef idx="minor">
+            <a:schemeClr val="tx1"/>
+          </a:fontRef>
+        </p:style>
+      </p:cxnSp>
+      <p:sp>
+        <p:nvSpPr>
+          <p:cNvPr id="12" name="사각형: 둥근 모서리 11">
+            <a:extLst>
+              <a:ext uri="{FF2B5EF4-FFF2-40B4-BE49-F238E27FC236}">
+                <a16:creationId xmlns:a16="http://schemas.microsoft.com/office/drawing/2014/main" id="{D724E5F8-45C3-E800-3478-EACA91BE002E}"/>
+              </a:ext>
+            </a:extLst>
+          </p:cNvPr>
+          <p:cNvSpPr/>
+          <p:nvPr/>
+        </p:nvSpPr>
+        <p:spPr>
+          <a:xfrm>
+            <a:off x="4915577" y="5019075"/>
+            <a:ext cx="1419225" cy="571500"/>
+          </a:xfrm>
+          <a:prstGeom prst="roundRect">
+            <a:avLst/>
+          </a:prstGeom>
+          <a:solidFill>
+            <a:srgbClr val="F3E4C1"/>
+          </a:solidFill>
+          <a:ln>
+            <a:noFill/>
+          </a:ln>
+        </p:spPr>
+        <p:style>
+          <a:lnRef idx="2">
+            <a:schemeClr val="accent1">
+              <a:shade val="15000"/>
+            </a:schemeClr>
+          </a:lnRef>
+          <a:fillRef idx="1">
+            <a:schemeClr val="accent1"/>
+          </a:fillRef>
+          <a:effectRef idx="0">
+            <a:schemeClr val="accent1"/>
+          </a:effectRef>
+          <a:fontRef idx="minor">
+            <a:schemeClr val="lt1"/>
+          </a:fontRef>
+        </p:style>
+        <p:txBody>
+          <a:bodyPr rtlCol="0" anchor="ctr"/>
+          <a:lstStyle/>
+          <a:p>
+            <a:pPr algn="ctr"/>
+            <a:endParaRPr lang="ko-KR" altLang="en-US"/>
+          </a:p>
+        </p:txBody>
+      </p:sp>
+      <p:pic>
+        <p:nvPicPr>
+          <p:cNvPr id="16" name="그림 15" descr="텍스트, 폰트, 로고, 등록 상표이(가) 표시된 사진&#10;&#10;자동 생성된 설명">
+            <a:extLst>
+              <a:ext uri="{FF2B5EF4-FFF2-40B4-BE49-F238E27FC236}">
+                <a16:creationId xmlns:a16="http://schemas.microsoft.com/office/drawing/2014/main" id="{550D7FCF-DB3D-2B16-CD70-5E0A13C1CC2A}"/>
+              </a:ext>
+            </a:extLst>
+          </p:cNvPr>
+          <p:cNvPicPr>
+            <a:picLocks noChangeAspect="1"/>
+          </p:cNvPicPr>
+          <p:nvPr/>
+        </p:nvPicPr>
+        <p:blipFill>
+          <a:blip r:embed="rId5" cstate="print">
+            <a:extLst>
+              <a:ext uri="{28A0092B-C50C-407E-A947-70E740481C1C}">
+                <a14:useLocalDpi xmlns:a14="http://schemas.microsoft.com/office/drawing/2010/main" val="0"/>
+              </a:ext>
+            </a:extLst>
+          </a:blip>
+          <a:stretch>
+            <a:fillRect/>
+          </a:stretch>
+        </p:blipFill>
+        <p:spPr>
+          <a:xfrm>
+            <a:off x="3394307" y="4975613"/>
+            <a:ext cx="470912" cy="658425"/>
+          </a:xfrm>
+          <a:prstGeom prst="rect">
+            <a:avLst/>
+          </a:prstGeom>
+        </p:spPr>
+      </p:pic>
+      <p:pic>
+        <p:nvPicPr>
+          <p:cNvPr id="18" name="그림 17" descr="텍스트, 새, 로고, 엠블럼이(가) 표시된 사진&#10;&#10;자동 생성된 설명">
+            <a:extLst>
+              <a:ext uri="{FF2B5EF4-FFF2-40B4-BE49-F238E27FC236}">
+                <a16:creationId xmlns:a16="http://schemas.microsoft.com/office/drawing/2014/main" id="{8C126028-3B94-5FBF-F722-01A5880E6071}"/>
+              </a:ext>
+            </a:extLst>
+          </p:cNvPr>
+          <p:cNvPicPr>
+            <a:picLocks noChangeAspect="1"/>
+          </p:cNvPicPr>
+          <p:nvPr/>
+        </p:nvPicPr>
+        <p:blipFill>
+          <a:blip r:embed="rId6" cstate="print">
+            <a:extLst>
+              <a:ext uri="{28A0092B-C50C-407E-A947-70E740481C1C}">
+                <a14:useLocalDpi xmlns:a14="http://schemas.microsoft.com/office/drawing/2010/main" val="0"/>
+              </a:ext>
+            </a:extLst>
+          </a:blip>
+          <a:stretch>
+            <a:fillRect/>
+          </a:stretch>
+        </p:blipFill>
+        <p:spPr>
+          <a:xfrm>
+            <a:off x="1956159" y="4975613"/>
+            <a:ext cx="470912" cy="658425"/>
+          </a:xfrm>
+          <a:prstGeom prst="rect">
+            <a:avLst/>
+          </a:prstGeom>
+        </p:spPr>
+      </p:pic>
+      <p:sp>
+        <p:nvSpPr>
+          <p:cNvPr id="20" name="TextBox 19">
+            <a:extLst>
+              <a:ext uri="{FF2B5EF4-FFF2-40B4-BE49-F238E27FC236}">
+                <a16:creationId xmlns:a16="http://schemas.microsoft.com/office/drawing/2014/main" id="{958037AF-A890-7682-DCB9-BBFE9477F94E}"/>
+              </a:ext>
+            </a:extLst>
+          </p:cNvPr>
+          <p:cNvSpPr txBox="1"/>
+          <p:nvPr/>
+        </p:nvSpPr>
+        <p:spPr>
+          <a:xfrm>
+            <a:off x="2427071" y="5062538"/>
+            <a:ext cx="491440" cy="584775"/>
+          </a:xfrm>
+          <a:prstGeom prst="rect">
+            <a:avLst/>
+          </a:prstGeom>
+          <a:noFill/>
+        </p:spPr>
+        <p:txBody>
+          <a:bodyPr wrap="square" rtlCol="0">
+            <a:spAutoFit/>
+          </a:bodyPr>
+          <a:lstStyle/>
+          <a:p>
+            <a:r>
+              <a:rPr lang="en-US" altLang="ko-KR" sz="3200" dirty="0">
+                <a:solidFill>
+                  <a:srgbClr val="5E858C"/>
+                </a:solidFill>
+                <a:latin typeface="태나다체 " panose="02000000000000000000" pitchFamily="2" charset="-127"/>
+                <a:ea typeface="태나다체 " panose="02000000000000000000" pitchFamily="2" charset="-127"/>
+              </a:rPr>
+              <a:t>X</a:t>
+            </a:r>
+            <a:endParaRPr lang="ko-KR" altLang="en-US" sz="3200" dirty="0">
+              <a:solidFill>
+                <a:srgbClr val="5E858C"/>
+              </a:solidFill>
+              <a:latin typeface="태나다체 " panose="02000000000000000000" pitchFamily="2" charset="-127"/>
+              <a:ea typeface="태나다체 " panose="02000000000000000000" pitchFamily="2" charset="-127"/>
+            </a:endParaRPr>
+          </a:p>
+        </p:txBody>
+      </p:sp>
+      <p:sp>
+        <p:nvSpPr>
+          <p:cNvPr id="21" name="TextBox 20">
+            <a:extLst>
+              <a:ext uri="{FF2B5EF4-FFF2-40B4-BE49-F238E27FC236}">
+                <a16:creationId xmlns:a16="http://schemas.microsoft.com/office/drawing/2014/main" id="{15B9D621-A6E8-05F0-BE7A-07E0F64C7911}"/>
+              </a:ext>
+            </a:extLst>
+          </p:cNvPr>
+          <p:cNvSpPr txBox="1"/>
+          <p:nvPr/>
+        </p:nvSpPr>
+        <p:spPr>
+          <a:xfrm>
+            <a:off x="3859555" y="5062538"/>
+            <a:ext cx="491440" cy="584775"/>
+          </a:xfrm>
+          <a:prstGeom prst="rect">
+            <a:avLst/>
+          </a:prstGeom>
+          <a:noFill/>
+        </p:spPr>
+        <p:txBody>
+          <a:bodyPr wrap="square" rtlCol="0">
+            <a:spAutoFit/>
+          </a:bodyPr>
+          <a:lstStyle/>
+          <a:p>
+            <a:r>
+              <a:rPr lang="en-US" altLang="ko-KR" sz="3200" dirty="0">
+                <a:solidFill>
+                  <a:srgbClr val="DB5834"/>
+                </a:solidFill>
+                <a:latin typeface="태나다체 " panose="02000000000000000000" pitchFamily="2" charset="-127"/>
+                <a:ea typeface="태나다체 " panose="02000000000000000000" pitchFamily="2" charset="-127"/>
+              </a:rPr>
+              <a:t>X</a:t>
+            </a:r>
+            <a:endParaRPr lang="ko-KR" altLang="en-US" sz="3200" dirty="0">
+              <a:solidFill>
+                <a:srgbClr val="DB5834"/>
+              </a:solidFill>
+              <a:latin typeface="태나다체 " panose="02000000000000000000" pitchFamily="2" charset="-127"/>
+              <a:ea typeface="태나다체 " panose="02000000000000000000" pitchFamily="2" charset="-127"/>
+            </a:endParaRPr>
+          </a:p>
+        </p:txBody>
+      </p:sp>
+      <p:sp>
+        <p:nvSpPr>
+          <p:cNvPr id="22" name="사각형: 둥근 모서리 21">
+            <a:extLst>
+              <a:ext uri="{FF2B5EF4-FFF2-40B4-BE49-F238E27FC236}">
+                <a16:creationId xmlns:a16="http://schemas.microsoft.com/office/drawing/2014/main" id="{ECCB0A88-3ACC-9A34-6BF7-C0492B659782}"/>
+              </a:ext>
+            </a:extLst>
+          </p:cNvPr>
+          <p:cNvSpPr/>
+          <p:nvPr/>
+        </p:nvSpPr>
+        <p:spPr>
+          <a:xfrm>
+            <a:off x="2427071" y="4132225"/>
+            <a:ext cx="3907054" cy="430959"/>
+          </a:xfrm>
+          <a:prstGeom prst="roundRect">
+            <a:avLst/>
+          </a:prstGeom>
+          <a:solidFill>
+            <a:srgbClr val="F3E4C1"/>
+          </a:solidFill>
+          <a:ln>
+            <a:noFill/>
+          </a:ln>
+        </p:spPr>
+        <p:style>
+          <a:lnRef idx="2">
+            <a:schemeClr val="accent1">
+              <a:shade val="15000"/>
+            </a:schemeClr>
+          </a:lnRef>
+          <a:fillRef idx="1">
+            <a:schemeClr val="accent1"/>
+          </a:fillRef>
+          <a:effectRef idx="0">
+            <a:schemeClr val="accent1"/>
+          </a:effectRef>
+          <a:fontRef idx="minor">
+            <a:schemeClr val="lt1"/>
+          </a:fontRef>
+        </p:style>
+        <p:txBody>
+          <a:bodyPr rtlCol="0" anchor="ctr"/>
+          <a:lstStyle/>
+          <a:p>
+            <a:pPr algn="ctr"/>
+            <a:endParaRPr lang="ko-KR" altLang="en-US"/>
+          </a:p>
+        </p:txBody>
+      </p:sp>
+    </p:spTree>
+    <p:extLst>
+      <p:ext uri="{BB962C8B-B14F-4D97-AF65-F5344CB8AC3E}">
+        <p14:creationId xmlns:p14="http://schemas.microsoft.com/office/powerpoint/2010/main" val="3858273710"/>
+      </p:ext>
+    </p:extLst>
+  </p:cSld>
+  <p:clrMapOvr>
+    <a:masterClrMapping/>
+  </p:clrMapOvr>
+</p:sld>
+</file>
+
+<file path=ppt/slides/slide12.xml><?xml version="1.0" encoding="utf-8"?>
+<p:sld xmlns:a="http://schemas.openxmlformats.org/drawingml/2006/main" xmlns:r="http://schemas.openxmlformats.org/officeDocument/2006/relationships" xmlns:p="http://schemas.openxmlformats.org/presentationml/2006/main">
+  <p:cSld>
+    <p:spTree>
+      <p:nvGrpSpPr>
+        <p:cNvPr id="1" name=""/>
+        <p:cNvGrpSpPr/>
+        <p:nvPr/>
+      </p:nvGrpSpPr>
+      <p:grpSpPr>
+        <a:xfrm>
+          <a:off x="0" y="0"/>
+          <a:ext cx="0" cy="0"/>
+          <a:chOff x="0" y="0"/>
+          <a:chExt cx="0" cy="0"/>
+        </a:xfrm>
+      </p:grpSpPr>
+      <p:pic>
+        <p:nvPicPr>
+          <p:cNvPr id="2" name="그림 1">
+            <a:extLst>
+              <a:ext uri="{FF2B5EF4-FFF2-40B4-BE49-F238E27FC236}">
+                <a16:creationId xmlns:a16="http://schemas.microsoft.com/office/drawing/2014/main" id="{0567BAA8-AE11-481C-930A-7F2FB77A26F8}"/>
+              </a:ext>
+            </a:extLst>
+          </p:cNvPr>
+          <p:cNvPicPr>
+            <a:picLocks noChangeAspect="1"/>
+          </p:cNvPicPr>
+          <p:nvPr/>
+        </p:nvPicPr>
+        <p:blipFill rotWithShape="1">
+          <a:blip r:embed="rId2">
+            <a:extLst>
+              <a:ext uri="{BEBA8EAE-BF5A-486C-A8C5-ECC9F3942E4B}">
+                <a14:imgProps xmlns:a14="http://schemas.microsoft.com/office/drawing/2010/main">
+                  <a14:imgLayer r:embed="rId3">
+                    <a14:imgEffect>
+                      <a14:backgroundRemoval t="3173" b="51269" l="1143" r="21000">
+                        <a14:backgroundMark x1="2500" y1="5584" x2="3000" y2="4442"/>
+                        <a14:backgroundMark x1="19429" y1="4188" x2="20071" y2="5203"/>
+                        <a14:backgroundMark x1="2071" y1="46701" x2="3071" y2="48096"/>
+                        <a14:backgroundMark x1="19786" y1="49239" x2="20643" y2="47081"/>
+                      </a14:backgroundRemoval>
+                    </a14:imgEffect>
+                  </a14:imgLayer>
+                </a14:imgProps>
+              </a:ext>
+              <a:ext uri="{28A0092B-C50C-407E-A947-70E740481C1C}">
+                <a14:useLocalDpi xmlns:a14="http://schemas.microsoft.com/office/drawing/2010/main" val="0"/>
+              </a:ext>
+            </a:extLst>
+          </a:blip>
+          <a:srcRect l="2716" t="5057" r="79745" b="51709"/>
+          <a:stretch/>
+        </p:blipFill>
+        <p:spPr>
+          <a:xfrm>
+            <a:off x="368858" y="296429"/>
+            <a:ext cx="1764145" cy="2447637"/>
+          </a:xfrm>
+          <a:prstGeom prst="rect">
+            <a:avLst/>
+          </a:prstGeom>
+        </p:spPr>
+      </p:pic>
+      <p:sp>
+        <p:nvSpPr>
           <p:cNvPr id="5" name="사각형: 둥근 모서리 4">
             <a:extLst>
               <a:ext uri="{FF2B5EF4-FFF2-40B4-BE49-F238E27FC236}">
@@ -3959,120 +5034,6 @@
 </p:sld>
 </file>
 
-<file path=ppt/slides/slide12.xml><?xml version="1.0" encoding="utf-8"?>
-<p:sld xmlns:a="http://schemas.openxmlformats.org/drawingml/2006/main" xmlns:r="http://schemas.openxmlformats.org/officeDocument/2006/relationships" xmlns:p="http://schemas.openxmlformats.org/presentationml/2006/main">
-  <p:cSld>
-    <p:spTree>
-      <p:nvGrpSpPr>
-        <p:cNvPr id="1" name=""/>
-        <p:cNvGrpSpPr/>
-        <p:nvPr/>
-      </p:nvGrpSpPr>
-      <p:grpSpPr>
-        <a:xfrm>
-          <a:off x="0" y="0"/>
-          <a:ext cx="0" cy="0"/>
-          <a:chOff x="0" y="0"/>
-          <a:chExt cx="0" cy="0"/>
-        </a:xfrm>
-      </p:grpSpPr>
-      <p:sp>
-        <p:nvSpPr>
-          <p:cNvPr id="3" name="모서리가 둥근 직사각형 2"/>
-          <p:cNvSpPr/>
-          <p:nvPr/>
-        </p:nvSpPr>
-        <p:spPr>
-          <a:xfrm>
-            <a:off x="2050471" y="1819563"/>
-            <a:ext cx="7897091" cy="2664691"/>
-          </a:xfrm>
-          <a:prstGeom prst="roundRect">
-            <a:avLst/>
-          </a:prstGeom>
-          <a:solidFill>
-            <a:srgbClr val="455C60"/>
-          </a:solidFill>
-          <a:ln w="127000">
-            <a:solidFill>
-              <a:srgbClr val="F3C951"/>
-            </a:solidFill>
-          </a:ln>
-          <a:effectLst>
-            <a:outerShdw blurRad="50800" dist="38100" dir="2700000" algn="tl" rotWithShape="0">
-              <a:prstClr val="black">
-                <a:alpha val="40000"/>
-              </a:prstClr>
-            </a:outerShdw>
-          </a:effectLst>
-        </p:spPr>
-        <p:style>
-          <a:lnRef idx="2">
-            <a:schemeClr val="accent1">
-              <a:shade val="50000"/>
-            </a:schemeClr>
-          </a:lnRef>
-          <a:fillRef idx="1">
-            <a:schemeClr val="accent1"/>
-          </a:fillRef>
-          <a:effectRef idx="0">
-            <a:schemeClr val="accent1"/>
-          </a:effectRef>
-          <a:fontRef idx="minor">
-            <a:schemeClr val="lt1"/>
-          </a:fontRef>
-        </p:style>
-        <p:txBody>
-          <a:bodyPr rtlCol="0" anchor="ctr"/>
-          <a:lstStyle/>
-          <a:p>
-            <a:pPr algn="ctr"/>
-            <a:endParaRPr lang="ko-KR" altLang="en-US"/>
-          </a:p>
-        </p:txBody>
-      </p:sp>
-      <p:pic>
-        <p:nvPicPr>
-          <p:cNvPr id="2" name="그림 1"/>
-          <p:cNvPicPr>
-            <a:picLocks noChangeAspect="1"/>
-          </p:cNvPicPr>
-          <p:nvPr/>
-        </p:nvPicPr>
-        <p:blipFill rotWithShape="1">
-          <a:blip r:embed="rId2">
-            <a:extLst>
-              <a:ext uri="{28A0092B-C50C-407E-A947-70E740481C1C}">
-                <a14:useLocalDpi xmlns:a14="http://schemas.microsoft.com/office/drawing/2010/main" val="0"/>
-              </a:ext>
-            </a:extLst>
-          </a:blip>
-          <a:srcRect l="7426" t="17866" r="55710" b="35248"/>
-          <a:stretch/>
-        </p:blipFill>
-        <p:spPr>
-          <a:xfrm>
-            <a:off x="2346036" y="2223653"/>
-            <a:ext cx="2096514" cy="1856509"/>
-          </a:xfrm>
-          <a:prstGeom prst="rect">
-            <a:avLst/>
-          </a:prstGeom>
-        </p:spPr>
-      </p:pic>
-    </p:spTree>
-    <p:extLst>
-      <p:ext uri="{BB962C8B-B14F-4D97-AF65-F5344CB8AC3E}">
-        <p14:creationId xmlns:p14="http://schemas.microsoft.com/office/powerpoint/2010/main" val="1561698534"/>
-      </p:ext>
-    </p:extLst>
-  </p:cSld>
-  <p:clrMapOvr>
-    <a:masterClrMapping/>
-  </p:clrMapOvr>
-</p:sld>
-</file>
-
 <file path=ppt/slides/slide13.xml><?xml version="1.0" encoding="utf-8"?>
 <p:sld xmlns:a="http://schemas.openxmlformats.org/drawingml/2006/main" xmlns:r="http://schemas.openxmlformats.org/officeDocument/2006/relationships" xmlns:p="http://schemas.openxmlformats.org/presentationml/2006/main">
   <p:cSld>
@@ -4092,33 +5053,33 @@
       </p:grpSpPr>
       <p:sp>
         <p:nvSpPr>
-          <p:cNvPr id="2" name="모서리가 둥근 직사각형 2">
-            <a:extLst>
-              <a:ext uri="{FF2B5EF4-FFF2-40B4-BE49-F238E27FC236}">
-                <a16:creationId xmlns:a16="http://schemas.microsoft.com/office/drawing/2014/main" id="{229DFC09-CA58-8FA6-4255-059C341E41E6}"/>
-              </a:ext>
-            </a:extLst>
-          </p:cNvPr>
+          <p:cNvPr id="3" name="모서리가 둥근 직사각형 2"/>
           <p:cNvSpPr/>
           <p:nvPr/>
         </p:nvSpPr>
         <p:spPr>
           <a:xfrm>
-            <a:off x="73626" y="0"/>
-            <a:ext cx="12118374" cy="6858000"/>
-          </a:xfrm>
-          <a:prstGeom prst="rect">
+            <a:off x="2050471" y="1819563"/>
+            <a:ext cx="7897091" cy="2664691"/>
+          </a:xfrm>
+          <a:prstGeom prst="roundRect">
             <a:avLst/>
           </a:prstGeom>
           <a:solidFill>
-            <a:srgbClr val="FDF2C3"/>
+            <a:srgbClr val="455C60"/>
           </a:solidFill>
           <a:ln w="127000">
             <a:solidFill>
               <a:srgbClr val="F3C951"/>
             </a:solidFill>
           </a:ln>
-          <a:effectLst/>
+          <a:effectLst>
+            <a:outerShdw blurRad="50800" dist="38100" dir="2700000" algn="tl" rotWithShape="0">
+              <a:prstClr val="black">
+                <a:alpha val="40000"/>
+              </a:prstClr>
+            </a:outerShdw>
+          </a:effectLst>
         </p:spPr>
         <p:style>
           <a:lnRef idx="2">
@@ -4145,10 +5106,39 @@
           </a:p>
         </p:txBody>
       </p:sp>
+      <p:pic>
+        <p:nvPicPr>
+          <p:cNvPr id="2" name="그림 1"/>
+          <p:cNvPicPr>
+            <a:picLocks noChangeAspect="1"/>
+          </p:cNvPicPr>
+          <p:nvPr/>
+        </p:nvPicPr>
+        <p:blipFill rotWithShape="1">
+          <a:blip r:embed="rId2">
+            <a:extLst>
+              <a:ext uri="{28A0092B-C50C-407E-A947-70E740481C1C}">
+                <a14:useLocalDpi xmlns:a14="http://schemas.microsoft.com/office/drawing/2010/main" val="0"/>
+              </a:ext>
+            </a:extLst>
+          </a:blip>
+          <a:srcRect l="7426" t="17866" r="55710" b="35248"/>
+          <a:stretch/>
+        </p:blipFill>
+        <p:spPr>
+          <a:xfrm>
+            <a:off x="2346036" y="2223653"/>
+            <a:ext cx="2096514" cy="1856509"/>
+          </a:xfrm>
+          <a:prstGeom prst="rect">
+            <a:avLst/>
+          </a:prstGeom>
+        </p:spPr>
+      </p:pic>
     </p:spTree>
     <p:extLst>
       <p:ext uri="{BB962C8B-B14F-4D97-AF65-F5344CB8AC3E}">
-        <p14:creationId xmlns:p14="http://schemas.microsoft.com/office/powerpoint/2010/main" val="1436774419"/>
+        <p14:creationId xmlns:p14="http://schemas.microsoft.com/office/powerpoint/2010/main" val="1561698534"/>
       </p:ext>
     </p:extLst>
   </p:cSld>
@@ -4175,68 +5165,12 @@
           <a:chExt cx="0" cy="0"/>
         </a:xfrm>
       </p:grpSpPr>
-      <p:pic>
-        <p:nvPicPr>
-          <p:cNvPr id="5" name="그림 4">
+      <p:sp>
+        <p:nvSpPr>
+          <p:cNvPr id="2" name="모서리가 둥근 직사각형 2">
             <a:extLst>
               <a:ext uri="{FF2B5EF4-FFF2-40B4-BE49-F238E27FC236}">
-                <a16:creationId xmlns:a16="http://schemas.microsoft.com/office/drawing/2014/main" id="{7D26C323-509B-F804-8796-4AE086CAE7B0}"/>
-              </a:ext>
-            </a:extLst>
-          </p:cNvPr>
-          <p:cNvPicPr>
-            <a:picLocks noChangeAspect="1"/>
-          </p:cNvPicPr>
-          <p:nvPr/>
-        </p:nvPicPr>
-        <p:blipFill rotWithShape="1">
-          <a:blip r:embed="rId2">
-            <a:extLst>
-              <a:ext uri="{BEBA8EAE-BF5A-486C-A8C5-ECC9F3942E4B}">
-                <a14:imgProps xmlns:a14="http://schemas.microsoft.com/office/drawing/2010/main">
-                  <a14:imgLayer r:embed="rId3">
-                    <a14:imgEffect>
-                      <a14:backgroundRemoval t="3173" b="51269" l="1143" r="21000">
-                        <a14:backgroundMark x1="2500" y1="5584" x2="3000" y2="4442"/>
-                        <a14:backgroundMark x1="19429" y1="4188" x2="20071" y2="5203"/>
-                        <a14:backgroundMark x1="2071" y1="46701" x2="3071" y2="48096"/>
-                        <a14:backgroundMark x1="19786" y1="49239" x2="20643" y2="47081"/>
-                      </a14:backgroundRemoval>
-                    </a14:imgEffect>
-                  </a14:imgLayer>
-                </a14:imgProps>
-              </a:ext>
-              <a:ext uri="{28A0092B-C50C-407E-A947-70E740481C1C}">
-                <a14:useLocalDpi xmlns:a14="http://schemas.microsoft.com/office/drawing/2010/main" val="0"/>
-              </a:ext>
-            </a:extLst>
-          </a:blip>
-          <a:srcRect l="2716" t="5057" r="79745" b="51709"/>
-          <a:stretch/>
-        </p:blipFill>
-        <p:spPr>
-          <a:xfrm>
-            <a:off x="8370461" y="1958240"/>
-            <a:ext cx="1764145" cy="2447637"/>
-          </a:xfrm>
-          <a:prstGeom prst="rect">
-            <a:avLst/>
-          </a:prstGeom>
-          <a:effectLst>
-            <a:outerShdw blurRad="50800" dist="38100" dir="2700000" algn="tl" rotWithShape="0">
-              <a:prstClr val="black">
-                <a:alpha val="40000"/>
-              </a:prstClr>
-            </a:outerShdw>
-          </a:effectLst>
-        </p:spPr>
-      </p:pic>
-      <p:sp>
-        <p:nvSpPr>
-          <p:cNvPr id="6" name="직사각형 5">
-            <a:extLst>
-              <a:ext uri="{FF2B5EF4-FFF2-40B4-BE49-F238E27FC236}">
-                <a16:creationId xmlns:a16="http://schemas.microsoft.com/office/drawing/2014/main" id="{41338A8C-3042-C807-1C47-B8D33950B5B5}"/>
+                <a16:creationId xmlns:a16="http://schemas.microsoft.com/office/drawing/2014/main" id="{229DFC09-CA58-8FA6-4255-059C341E41E6}"/>
               </a:ext>
             </a:extLst>
           </p:cNvPr>
@@ -4245,18 +5179,21 @@
         </p:nvSpPr>
         <p:spPr>
           <a:xfrm>
-            <a:off x="8481162" y="2067366"/>
-            <a:ext cx="1533236" cy="2235200"/>
+            <a:off x="73626" y="0"/>
+            <a:ext cx="12118374" cy="6858000"/>
           </a:xfrm>
           <a:prstGeom prst="rect">
             <a:avLst/>
           </a:prstGeom>
           <a:solidFill>
-            <a:srgbClr val="B3A994"/>
+            <a:srgbClr val="FDF2C3"/>
           </a:solidFill>
           <a:ln w="127000">
-            <a:noFill/>
+            <a:solidFill>
+              <a:srgbClr val="F3C951"/>
+            </a:solidFill>
           </a:ln>
+          <a:effectLst/>
         </p:spPr>
         <p:style>
           <a:lnRef idx="2">
@@ -4283,214 +5220,10 @@
           </a:p>
         </p:txBody>
       </p:sp>
-      <p:sp>
-        <p:nvSpPr>
-          <p:cNvPr id="3" name="모서리가 둥근 직사각형 2">
-            <a:extLst>
-              <a:ext uri="{FF2B5EF4-FFF2-40B4-BE49-F238E27FC236}">
-                <a16:creationId xmlns:a16="http://schemas.microsoft.com/office/drawing/2014/main" id="{0526D144-1574-E1CE-CF66-6671BFD2E078}"/>
-              </a:ext>
-            </a:extLst>
-          </p:cNvPr>
-          <p:cNvSpPr/>
-          <p:nvPr/>
-        </p:nvSpPr>
-        <p:spPr>
-          <a:xfrm>
-            <a:off x="2050472" y="1819563"/>
-            <a:ext cx="6771312" cy="2664691"/>
-          </a:xfrm>
-          <a:prstGeom prst="roundRect">
-            <a:avLst/>
-          </a:prstGeom>
-          <a:solidFill>
-            <a:srgbClr val="455C60"/>
-          </a:solidFill>
-          <a:ln w="127000">
-            <a:solidFill>
-              <a:srgbClr val="F3C951"/>
-            </a:solidFill>
-          </a:ln>
-          <a:effectLst>
-            <a:outerShdw blurRad="50800" dist="38100" dir="2700000" algn="tl" rotWithShape="0">
-              <a:prstClr val="black">
-                <a:alpha val="40000"/>
-              </a:prstClr>
-            </a:outerShdw>
-          </a:effectLst>
-        </p:spPr>
-        <p:style>
-          <a:lnRef idx="2">
-            <a:schemeClr val="accent1">
-              <a:shade val="50000"/>
-            </a:schemeClr>
-          </a:lnRef>
-          <a:fillRef idx="1">
-            <a:schemeClr val="accent1"/>
-          </a:fillRef>
-          <a:effectRef idx="0">
-            <a:schemeClr val="accent1"/>
-          </a:effectRef>
-          <a:fontRef idx="minor">
-            <a:schemeClr val="lt1"/>
-          </a:fontRef>
-        </p:style>
-        <p:txBody>
-          <a:bodyPr rtlCol="0" anchor="ctr"/>
-          <a:lstStyle/>
-          <a:p>
-            <a:pPr algn="ctr"/>
-            <a:endParaRPr lang="ko-KR" altLang="en-US"/>
-          </a:p>
-        </p:txBody>
-      </p:sp>
-      <p:pic>
-        <p:nvPicPr>
-          <p:cNvPr id="4" name="그림 3">
-            <a:extLst>
-              <a:ext uri="{FF2B5EF4-FFF2-40B4-BE49-F238E27FC236}">
-                <a16:creationId xmlns:a16="http://schemas.microsoft.com/office/drawing/2014/main" id="{565C5BC7-E42E-FF99-B66E-23DA824D6C95}"/>
-              </a:ext>
-            </a:extLst>
-          </p:cNvPr>
-          <p:cNvPicPr>
-            <a:picLocks noChangeAspect="1"/>
-          </p:cNvPicPr>
-          <p:nvPr/>
-        </p:nvPicPr>
-        <p:blipFill rotWithShape="1">
-          <a:blip r:embed="rId4">
-            <a:extLst>
-              <a:ext uri="{28A0092B-C50C-407E-A947-70E740481C1C}">
-                <a14:useLocalDpi xmlns:a14="http://schemas.microsoft.com/office/drawing/2010/main" val="0"/>
-              </a:ext>
-            </a:extLst>
-          </a:blip>
-          <a:srcRect l="7426" t="17866" r="55710" b="35248"/>
-          <a:stretch/>
-        </p:blipFill>
-        <p:spPr>
-          <a:xfrm>
-            <a:off x="2285076" y="2577737"/>
-            <a:ext cx="1303279" cy="1154082"/>
-          </a:xfrm>
-          <a:prstGeom prst="rect">
-            <a:avLst/>
-          </a:prstGeom>
-        </p:spPr>
-      </p:pic>
-      <p:pic>
-        <p:nvPicPr>
-          <p:cNvPr id="8" name="그림 7" descr="텍스트, 폰트, 로고, 등록 상표이(가) 표시된 사진&#10;&#10;자동 생성된 설명">
-            <a:extLst>
-              <a:ext uri="{FF2B5EF4-FFF2-40B4-BE49-F238E27FC236}">
-                <a16:creationId xmlns:a16="http://schemas.microsoft.com/office/drawing/2014/main" id="{70CAE1EF-C7E0-250F-A60B-CEBE7D7C9D56}"/>
-              </a:ext>
-            </a:extLst>
-          </p:cNvPr>
-          <p:cNvPicPr>
-            <a:picLocks noChangeAspect="1"/>
-          </p:cNvPicPr>
-          <p:nvPr/>
-        </p:nvPicPr>
-        <p:blipFill>
-          <a:blip r:embed="rId5" cstate="print">
-            <a:extLst>
-              <a:ext uri="{28A0092B-C50C-407E-A947-70E740481C1C}">
-                <a14:useLocalDpi xmlns:a14="http://schemas.microsoft.com/office/drawing/2010/main" val="0"/>
-              </a:ext>
-            </a:extLst>
-          </a:blip>
-          <a:stretch>
-            <a:fillRect/>
-          </a:stretch>
-        </p:blipFill>
-        <p:spPr>
-          <a:xfrm>
-            <a:off x="1566460" y="386614"/>
-            <a:ext cx="779576" cy="1089996"/>
-          </a:xfrm>
-          <a:prstGeom prst="rect">
-            <a:avLst/>
-          </a:prstGeom>
-        </p:spPr>
-      </p:pic>
-      <p:pic>
-        <p:nvPicPr>
-          <p:cNvPr id="9" name="그림 8" descr="텍스트, 새, 로고, 엠블럼이(가) 표시된 사진&#10;&#10;자동 생성된 설명">
-            <a:extLst>
-              <a:ext uri="{FF2B5EF4-FFF2-40B4-BE49-F238E27FC236}">
-                <a16:creationId xmlns:a16="http://schemas.microsoft.com/office/drawing/2014/main" id="{73085A3B-71F5-397E-5F59-B89E7CBC2E28}"/>
-              </a:ext>
-            </a:extLst>
-          </p:cNvPr>
-          <p:cNvPicPr>
-            <a:picLocks noChangeAspect="1"/>
-          </p:cNvPicPr>
-          <p:nvPr/>
-        </p:nvPicPr>
-        <p:blipFill>
-          <a:blip r:embed="rId6" cstate="print">
-            <a:extLst>
-              <a:ext uri="{28A0092B-C50C-407E-A947-70E740481C1C}">
-                <a14:useLocalDpi xmlns:a14="http://schemas.microsoft.com/office/drawing/2010/main" val="0"/>
-              </a:ext>
-            </a:extLst>
-          </a:blip>
-          <a:stretch>
-            <a:fillRect/>
-          </a:stretch>
-        </p:blipFill>
-        <p:spPr>
-          <a:xfrm>
-            <a:off x="527955" y="325475"/>
-            <a:ext cx="779576" cy="1089996"/>
-          </a:xfrm>
-          <a:prstGeom prst="rect">
-            <a:avLst/>
-          </a:prstGeom>
-        </p:spPr>
-      </p:pic>
-      <p:pic>
-        <p:nvPicPr>
-          <p:cNvPr id="10" name="그림 9" descr="텍스트, 포스터, 만화 영화, 선전이(가) 표시된 사진&#10;&#10;자동 생성된 설명">
-            <a:extLst>
-              <a:ext uri="{FF2B5EF4-FFF2-40B4-BE49-F238E27FC236}">
-                <a16:creationId xmlns:a16="http://schemas.microsoft.com/office/drawing/2014/main" id="{B31B4397-2A3B-2423-5EED-6F31EA385403}"/>
-              </a:ext>
-            </a:extLst>
-          </p:cNvPr>
-          <p:cNvPicPr>
-            <a:picLocks noChangeAspect="1"/>
-          </p:cNvPicPr>
-          <p:nvPr/>
-        </p:nvPicPr>
-        <p:blipFill>
-          <a:blip r:embed="rId7" cstate="print">
-            <a:extLst>
-              <a:ext uri="{28A0092B-C50C-407E-A947-70E740481C1C}">
-                <a14:useLocalDpi xmlns:a14="http://schemas.microsoft.com/office/drawing/2010/main" val="0"/>
-              </a:ext>
-            </a:extLst>
-          </a:blip>
-          <a:stretch>
-            <a:fillRect/>
-          </a:stretch>
-        </p:blipFill>
-        <p:spPr>
-          <a:xfrm>
-            <a:off x="4529825" y="5815582"/>
-            <a:ext cx="743714" cy="1042418"/>
-          </a:xfrm>
-          <a:prstGeom prst="rect">
-            <a:avLst/>
-          </a:prstGeom>
-        </p:spPr>
-      </p:pic>
     </p:spTree>
     <p:extLst>
       <p:ext uri="{BB962C8B-B14F-4D97-AF65-F5344CB8AC3E}">
-        <p14:creationId xmlns:p14="http://schemas.microsoft.com/office/powerpoint/2010/main" val="817993640"/>
+        <p14:creationId xmlns:p14="http://schemas.microsoft.com/office/powerpoint/2010/main" val="1436774419"/>
       </p:ext>
     </p:extLst>
   </p:cSld>
@@ -4519,6 +5252,348 @@
       </p:grpSpPr>
       <p:pic>
         <p:nvPicPr>
+          <p:cNvPr id="5" name="그림 4">
+            <a:extLst>
+              <a:ext uri="{FF2B5EF4-FFF2-40B4-BE49-F238E27FC236}">
+                <a16:creationId xmlns:a16="http://schemas.microsoft.com/office/drawing/2014/main" id="{7D26C323-509B-F804-8796-4AE086CAE7B0}"/>
+              </a:ext>
+            </a:extLst>
+          </p:cNvPr>
+          <p:cNvPicPr>
+            <a:picLocks noChangeAspect="1"/>
+          </p:cNvPicPr>
+          <p:nvPr/>
+        </p:nvPicPr>
+        <p:blipFill rotWithShape="1">
+          <a:blip r:embed="rId2">
+            <a:extLst>
+              <a:ext uri="{BEBA8EAE-BF5A-486C-A8C5-ECC9F3942E4B}">
+                <a14:imgProps xmlns:a14="http://schemas.microsoft.com/office/drawing/2010/main">
+                  <a14:imgLayer r:embed="rId3">
+                    <a14:imgEffect>
+                      <a14:backgroundRemoval t="3173" b="51269" l="1143" r="21000">
+                        <a14:backgroundMark x1="2500" y1="5584" x2="3000" y2="4442"/>
+                        <a14:backgroundMark x1="19429" y1="4188" x2="20071" y2="5203"/>
+                        <a14:backgroundMark x1="2071" y1="46701" x2="3071" y2="48096"/>
+                        <a14:backgroundMark x1="19786" y1="49239" x2="20643" y2="47081"/>
+                      </a14:backgroundRemoval>
+                    </a14:imgEffect>
+                  </a14:imgLayer>
+                </a14:imgProps>
+              </a:ext>
+              <a:ext uri="{28A0092B-C50C-407E-A947-70E740481C1C}">
+                <a14:useLocalDpi xmlns:a14="http://schemas.microsoft.com/office/drawing/2010/main" val="0"/>
+              </a:ext>
+            </a:extLst>
+          </a:blip>
+          <a:srcRect l="2716" t="5057" r="79745" b="51709"/>
+          <a:stretch/>
+        </p:blipFill>
+        <p:spPr>
+          <a:xfrm>
+            <a:off x="8370461" y="1958240"/>
+            <a:ext cx="1764145" cy="2447637"/>
+          </a:xfrm>
+          <a:prstGeom prst="rect">
+            <a:avLst/>
+          </a:prstGeom>
+          <a:effectLst>
+            <a:outerShdw blurRad="50800" dist="38100" dir="2700000" algn="tl" rotWithShape="0">
+              <a:prstClr val="black">
+                <a:alpha val="40000"/>
+              </a:prstClr>
+            </a:outerShdw>
+          </a:effectLst>
+        </p:spPr>
+      </p:pic>
+      <p:sp>
+        <p:nvSpPr>
+          <p:cNvPr id="6" name="직사각형 5">
+            <a:extLst>
+              <a:ext uri="{FF2B5EF4-FFF2-40B4-BE49-F238E27FC236}">
+                <a16:creationId xmlns:a16="http://schemas.microsoft.com/office/drawing/2014/main" id="{41338A8C-3042-C807-1C47-B8D33950B5B5}"/>
+              </a:ext>
+            </a:extLst>
+          </p:cNvPr>
+          <p:cNvSpPr/>
+          <p:nvPr/>
+        </p:nvSpPr>
+        <p:spPr>
+          <a:xfrm>
+            <a:off x="8481162" y="2067366"/>
+            <a:ext cx="1533236" cy="2235200"/>
+          </a:xfrm>
+          <a:prstGeom prst="rect">
+            <a:avLst/>
+          </a:prstGeom>
+          <a:solidFill>
+            <a:srgbClr val="B3A994"/>
+          </a:solidFill>
+          <a:ln w="127000">
+            <a:noFill/>
+          </a:ln>
+        </p:spPr>
+        <p:style>
+          <a:lnRef idx="2">
+            <a:schemeClr val="accent1">
+              <a:shade val="50000"/>
+            </a:schemeClr>
+          </a:lnRef>
+          <a:fillRef idx="1">
+            <a:schemeClr val="accent1"/>
+          </a:fillRef>
+          <a:effectRef idx="0">
+            <a:schemeClr val="accent1"/>
+          </a:effectRef>
+          <a:fontRef idx="minor">
+            <a:schemeClr val="lt1"/>
+          </a:fontRef>
+        </p:style>
+        <p:txBody>
+          <a:bodyPr rtlCol="0" anchor="ctr"/>
+          <a:lstStyle/>
+          <a:p>
+            <a:pPr algn="ctr"/>
+            <a:endParaRPr lang="ko-KR" altLang="en-US"/>
+          </a:p>
+        </p:txBody>
+      </p:sp>
+      <p:sp>
+        <p:nvSpPr>
+          <p:cNvPr id="3" name="모서리가 둥근 직사각형 2">
+            <a:extLst>
+              <a:ext uri="{FF2B5EF4-FFF2-40B4-BE49-F238E27FC236}">
+                <a16:creationId xmlns:a16="http://schemas.microsoft.com/office/drawing/2014/main" id="{0526D144-1574-E1CE-CF66-6671BFD2E078}"/>
+              </a:ext>
+            </a:extLst>
+          </p:cNvPr>
+          <p:cNvSpPr/>
+          <p:nvPr/>
+        </p:nvSpPr>
+        <p:spPr>
+          <a:xfrm>
+            <a:off x="2050472" y="1819563"/>
+            <a:ext cx="6771312" cy="2664691"/>
+          </a:xfrm>
+          <a:prstGeom prst="roundRect">
+            <a:avLst/>
+          </a:prstGeom>
+          <a:solidFill>
+            <a:srgbClr val="455C60"/>
+          </a:solidFill>
+          <a:ln w="127000">
+            <a:solidFill>
+              <a:srgbClr val="F3C951"/>
+            </a:solidFill>
+          </a:ln>
+          <a:effectLst>
+            <a:outerShdw blurRad="50800" dist="38100" dir="2700000" algn="tl" rotWithShape="0">
+              <a:prstClr val="black">
+                <a:alpha val="40000"/>
+              </a:prstClr>
+            </a:outerShdw>
+          </a:effectLst>
+        </p:spPr>
+        <p:style>
+          <a:lnRef idx="2">
+            <a:schemeClr val="accent1">
+              <a:shade val="50000"/>
+            </a:schemeClr>
+          </a:lnRef>
+          <a:fillRef idx="1">
+            <a:schemeClr val="accent1"/>
+          </a:fillRef>
+          <a:effectRef idx="0">
+            <a:schemeClr val="accent1"/>
+          </a:effectRef>
+          <a:fontRef idx="minor">
+            <a:schemeClr val="lt1"/>
+          </a:fontRef>
+        </p:style>
+        <p:txBody>
+          <a:bodyPr rtlCol="0" anchor="ctr"/>
+          <a:lstStyle/>
+          <a:p>
+            <a:pPr algn="ctr"/>
+            <a:endParaRPr lang="ko-KR" altLang="en-US"/>
+          </a:p>
+        </p:txBody>
+      </p:sp>
+      <p:pic>
+        <p:nvPicPr>
+          <p:cNvPr id="4" name="그림 3">
+            <a:extLst>
+              <a:ext uri="{FF2B5EF4-FFF2-40B4-BE49-F238E27FC236}">
+                <a16:creationId xmlns:a16="http://schemas.microsoft.com/office/drawing/2014/main" id="{565C5BC7-E42E-FF99-B66E-23DA824D6C95}"/>
+              </a:ext>
+            </a:extLst>
+          </p:cNvPr>
+          <p:cNvPicPr>
+            <a:picLocks noChangeAspect="1"/>
+          </p:cNvPicPr>
+          <p:nvPr/>
+        </p:nvPicPr>
+        <p:blipFill rotWithShape="1">
+          <a:blip r:embed="rId4">
+            <a:extLst>
+              <a:ext uri="{28A0092B-C50C-407E-A947-70E740481C1C}">
+                <a14:useLocalDpi xmlns:a14="http://schemas.microsoft.com/office/drawing/2010/main" val="0"/>
+              </a:ext>
+            </a:extLst>
+          </a:blip>
+          <a:srcRect l="7426" t="17866" r="55710" b="35248"/>
+          <a:stretch/>
+        </p:blipFill>
+        <p:spPr>
+          <a:xfrm>
+            <a:off x="2285076" y="2577737"/>
+            <a:ext cx="1303279" cy="1154082"/>
+          </a:xfrm>
+          <a:prstGeom prst="rect">
+            <a:avLst/>
+          </a:prstGeom>
+        </p:spPr>
+      </p:pic>
+      <p:pic>
+        <p:nvPicPr>
+          <p:cNvPr id="8" name="그림 7" descr="텍스트, 폰트, 로고, 등록 상표이(가) 표시된 사진&#10;&#10;자동 생성된 설명">
+            <a:extLst>
+              <a:ext uri="{FF2B5EF4-FFF2-40B4-BE49-F238E27FC236}">
+                <a16:creationId xmlns:a16="http://schemas.microsoft.com/office/drawing/2014/main" id="{70CAE1EF-C7E0-250F-A60B-CEBE7D7C9D56}"/>
+              </a:ext>
+            </a:extLst>
+          </p:cNvPr>
+          <p:cNvPicPr>
+            <a:picLocks noChangeAspect="1"/>
+          </p:cNvPicPr>
+          <p:nvPr/>
+        </p:nvPicPr>
+        <p:blipFill>
+          <a:blip r:embed="rId5" cstate="print">
+            <a:extLst>
+              <a:ext uri="{28A0092B-C50C-407E-A947-70E740481C1C}">
+                <a14:useLocalDpi xmlns:a14="http://schemas.microsoft.com/office/drawing/2010/main" val="0"/>
+              </a:ext>
+            </a:extLst>
+          </a:blip>
+          <a:stretch>
+            <a:fillRect/>
+          </a:stretch>
+        </p:blipFill>
+        <p:spPr>
+          <a:xfrm>
+            <a:off x="1566460" y="386614"/>
+            <a:ext cx="779576" cy="1089996"/>
+          </a:xfrm>
+          <a:prstGeom prst="rect">
+            <a:avLst/>
+          </a:prstGeom>
+        </p:spPr>
+      </p:pic>
+      <p:pic>
+        <p:nvPicPr>
+          <p:cNvPr id="9" name="그림 8" descr="텍스트, 새, 로고, 엠블럼이(가) 표시된 사진&#10;&#10;자동 생성된 설명">
+            <a:extLst>
+              <a:ext uri="{FF2B5EF4-FFF2-40B4-BE49-F238E27FC236}">
+                <a16:creationId xmlns:a16="http://schemas.microsoft.com/office/drawing/2014/main" id="{73085A3B-71F5-397E-5F59-B89E7CBC2E28}"/>
+              </a:ext>
+            </a:extLst>
+          </p:cNvPr>
+          <p:cNvPicPr>
+            <a:picLocks noChangeAspect="1"/>
+          </p:cNvPicPr>
+          <p:nvPr/>
+        </p:nvPicPr>
+        <p:blipFill>
+          <a:blip r:embed="rId6" cstate="print">
+            <a:extLst>
+              <a:ext uri="{28A0092B-C50C-407E-A947-70E740481C1C}">
+                <a14:useLocalDpi xmlns:a14="http://schemas.microsoft.com/office/drawing/2010/main" val="0"/>
+              </a:ext>
+            </a:extLst>
+          </a:blip>
+          <a:stretch>
+            <a:fillRect/>
+          </a:stretch>
+        </p:blipFill>
+        <p:spPr>
+          <a:xfrm>
+            <a:off x="527955" y="325475"/>
+            <a:ext cx="779576" cy="1089996"/>
+          </a:xfrm>
+          <a:prstGeom prst="rect">
+            <a:avLst/>
+          </a:prstGeom>
+        </p:spPr>
+      </p:pic>
+      <p:pic>
+        <p:nvPicPr>
+          <p:cNvPr id="10" name="그림 9" descr="텍스트, 포스터, 만화 영화, 선전이(가) 표시된 사진&#10;&#10;자동 생성된 설명">
+            <a:extLst>
+              <a:ext uri="{FF2B5EF4-FFF2-40B4-BE49-F238E27FC236}">
+                <a16:creationId xmlns:a16="http://schemas.microsoft.com/office/drawing/2014/main" id="{B31B4397-2A3B-2423-5EED-6F31EA385403}"/>
+              </a:ext>
+            </a:extLst>
+          </p:cNvPr>
+          <p:cNvPicPr>
+            <a:picLocks noChangeAspect="1"/>
+          </p:cNvPicPr>
+          <p:nvPr/>
+        </p:nvPicPr>
+        <p:blipFill>
+          <a:blip r:embed="rId7" cstate="print">
+            <a:extLst>
+              <a:ext uri="{28A0092B-C50C-407E-A947-70E740481C1C}">
+                <a14:useLocalDpi xmlns:a14="http://schemas.microsoft.com/office/drawing/2010/main" val="0"/>
+              </a:ext>
+            </a:extLst>
+          </a:blip>
+          <a:stretch>
+            <a:fillRect/>
+          </a:stretch>
+        </p:blipFill>
+        <p:spPr>
+          <a:xfrm>
+            <a:off x="4529825" y="5815582"/>
+            <a:ext cx="743714" cy="1042418"/>
+          </a:xfrm>
+          <a:prstGeom prst="rect">
+            <a:avLst/>
+          </a:prstGeom>
+        </p:spPr>
+      </p:pic>
+    </p:spTree>
+    <p:extLst>
+      <p:ext uri="{BB962C8B-B14F-4D97-AF65-F5344CB8AC3E}">
+        <p14:creationId xmlns:p14="http://schemas.microsoft.com/office/powerpoint/2010/main" val="817993640"/>
+      </p:ext>
+    </p:extLst>
+  </p:cSld>
+  <p:clrMapOvr>
+    <a:masterClrMapping/>
+  </p:clrMapOvr>
+</p:sld>
+</file>
+
+<file path=ppt/slides/slide16.xml><?xml version="1.0" encoding="utf-8"?>
+<p:sld xmlns:a="http://schemas.openxmlformats.org/drawingml/2006/main" xmlns:r="http://schemas.openxmlformats.org/officeDocument/2006/relationships" xmlns:p="http://schemas.openxmlformats.org/presentationml/2006/main">
+  <p:cSld>
+    <p:spTree>
+      <p:nvGrpSpPr>
+        <p:cNvPr id="1" name=""/>
+        <p:cNvGrpSpPr/>
+        <p:nvPr/>
+      </p:nvGrpSpPr>
+      <p:grpSpPr>
+        <a:xfrm>
+          <a:off x="0" y="0"/>
+          <a:ext cx="0" cy="0"/>
+          <a:chOff x="0" y="0"/>
+          <a:chExt cx="0" cy="0"/>
+        </a:xfrm>
+      </p:grpSpPr>
+      <p:pic>
+        <p:nvPicPr>
           <p:cNvPr id="8" name="그림 7" descr="상징, 로고, 직사각형, 디자인이(가) 표시된 사진&#10;&#10;자동 생성된 설명">
             <a:extLst>
               <a:ext uri="{FF2B5EF4-FFF2-40B4-BE49-F238E27FC236}">
@@ -4573,7 +5648,7 @@
 </p:sld>
 </file>
 
-<file path=ppt/slides/slide16.xml><?xml version="1.0" encoding="utf-8"?>
+<file path=ppt/slides/slide17.xml><?xml version="1.0" encoding="utf-8"?>
 <p:sld xmlns:a="http://schemas.openxmlformats.org/drawingml/2006/main" xmlns:r="http://schemas.openxmlformats.org/officeDocument/2006/relationships" xmlns:p="http://schemas.openxmlformats.org/presentationml/2006/main">
   <p:cSld>
     <p:spTree>
@@ -4899,7 +5974,7 @@
 </p:sld>
 </file>
 
-<file path=ppt/slides/slide17.xml><?xml version="1.0" encoding="utf-8"?>
+<file path=ppt/slides/slide18.xml><?xml version="1.0" encoding="utf-8"?>
 <p:sld xmlns:a="http://schemas.openxmlformats.org/drawingml/2006/main" xmlns:r="http://schemas.openxmlformats.org/officeDocument/2006/relationships" xmlns:p="http://schemas.openxmlformats.org/presentationml/2006/main">
   <p:cSld>
     <p:spTree>
@@ -5225,181 +6300,6 @@
 </p:sld>
 </file>
 
-<file path=ppt/slides/slide18.xml><?xml version="1.0" encoding="utf-8"?>
-<p:sld xmlns:a="http://schemas.openxmlformats.org/drawingml/2006/main" xmlns:r="http://schemas.openxmlformats.org/officeDocument/2006/relationships" xmlns:p="http://schemas.openxmlformats.org/presentationml/2006/main">
-  <p:cSld>
-    <p:spTree>
-      <p:nvGrpSpPr>
-        <p:cNvPr id="1" name=""/>
-        <p:cNvGrpSpPr/>
-        <p:nvPr/>
-      </p:nvGrpSpPr>
-      <p:grpSpPr>
-        <a:xfrm>
-          <a:off x="0" y="0"/>
-          <a:ext cx="0" cy="0"/>
-          <a:chOff x="0" y="0"/>
-          <a:chExt cx="0" cy="0"/>
-        </a:xfrm>
-      </p:grpSpPr>
-      <p:pic>
-        <p:nvPicPr>
-          <p:cNvPr id="8" name="그림 7" descr="텍스트, 폰트, 로고, 등록 상표이(가) 표시된 사진&#10;&#10;자동 생성된 설명">
-            <a:extLst>
-              <a:ext uri="{FF2B5EF4-FFF2-40B4-BE49-F238E27FC236}">
-                <a16:creationId xmlns:a16="http://schemas.microsoft.com/office/drawing/2014/main" id="{70CAE1EF-C7E0-250F-A60B-CEBE7D7C9D56}"/>
-              </a:ext>
-            </a:extLst>
-          </p:cNvPr>
-          <p:cNvPicPr>
-            <a:picLocks noChangeAspect="1"/>
-          </p:cNvPicPr>
-          <p:nvPr/>
-        </p:nvPicPr>
-        <p:blipFill>
-          <a:blip r:embed="rId2" cstate="print">
-            <a:extLst>
-              <a:ext uri="{28A0092B-C50C-407E-A947-70E740481C1C}">
-                <a14:useLocalDpi xmlns:a14="http://schemas.microsoft.com/office/drawing/2010/main" val="0"/>
-              </a:ext>
-            </a:extLst>
-          </a:blip>
-          <a:stretch>
-            <a:fillRect/>
-          </a:stretch>
-        </p:blipFill>
-        <p:spPr>
-          <a:xfrm>
-            <a:off x="1566460" y="386614"/>
-            <a:ext cx="779576" cy="1089996"/>
-          </a:xfrm>
-          <a:prstGeom prst="rect">
-            <a:avLst/>
-          </a:prstGeom>
-        </p:spPr>
-      </p:pic>
-      <p:pic>
-        <p:nvPicPr>
-          <p:cNvPr id="9" name="그림 8" descr="텍스트, 새, 로고, 엠블럼이(가) 표시된 사진&#10;&#10;자동 생성된 설명">
-            <a:extLst>
-              <a:ext uri="{FF2B5EF4-FFF2-40B4-BE49-F238E27FC236}">
-                <a16:creationId xmlns:a16="http://schemas.microsoft.com/office/drawing/2014/main" id="{73085A3B-71F5-397E-5F59-B89E7CBC2E28}"/>
-              </a:ext>
-            </a:extLst>
-          </p:cNvPr>
-          <p:cNvPicPr>
-            <a:picLocks noChangeAspect="1"/>
-          </p:cNvPicPr>
-          <p:nvPr/>
-        </p:nvPicPr>
-        <p:blipFill>
-          <a:blip r:embed="rId3" cstate="print">
-            <a:extLst>
-              <a:ext uri="{28A0092B-C50C-407E-A947-70E740481C1C}">
-                <a14:useLocalDpi xmlns:a14="http://schemas.microsoft.com/office/drawing/2010/main" val="0"/>
-              </a:ext>
-            </a:extLst>
-          </a:blip>
-          <a:stretch>
-            <a:fillRect/>
-          </a:stretch>
-        </p:blipFill>
-        <p:spPr>
-          <a:xfrm>
-            <a:off x="527955" y="325475"/>
-            <a:ext cx="779576" cy="1089996"/>
-          </a:xfrm>
-          <a:prstGeom prst="rect">
-            <a:avLst/>
-          </a:prstGeom>
-        </p:spPr>
-      </p:pic>
-      <p:pic>
-        <p:nvPicPr>
-          <p:cNvPr id="10" name="그림 9" descr="텍스트, 포스터, 만화 영화, 선전이(가) 표시된 사진&#10;&#10;자동 생성된 설명">
-            <a:extLst>
-              <a:ext uri="{FF2B5EF4-FFF2-40B4-BE49-F238E27FC236}">
-                <a16:creationId xmlns:a16="http://schemas.microsoft.com/office/drawing/2014/main" id="{B31B4397-2A3B-2423-5EED-6F31EA385403}"/>
-              </a:ext>
-            </a:extLst>
-          </p:cNvPr>
-          <p:cNvPicPr>
-            <a:picLocks noChangeAspect="1"/>
-          </p:cNvPicPr>
-          <p:nvPr/>
-        </p:nvPicPr>
-        <p:blipFill>
-          <a:blip r:embed="rId4" cstate="print">
-            <a:extLst>
-              <a:ext uri="{28A0092B-C50C-407E-A947-70E740481C1C}">
-                <a14:useLocalDpi xmlns:a14="http://schemas.microsoft.com/office/drawing/2010/main" val="0"/>
-              </a:ext>
-            </a:extLst>
-          </a:blip>
-          <a:stretch>
-            <a:fillRect/>
-          </a:stretch>
-        </p:blipFill>
-        <p:spPr>
-          <a:xfrm>
-            <a:off x="273707" y="2485546"/>
-            <a:ext cx="1126497" cy="1578941"/>
-          </a:xfrm>
-          <a:prstGeom prst="rect">
-            <a:avLst/>
-          </a:prstGeom>
-        </p:spPr>
-      </p:pic>
-      <p:pic>
-        <p:nvPicPr>
-          <p:cNvPr id="4" name="그림 3"/>
-          <p:cNvPicPr>
-            <a:picLocks noChangeAspect="1"/>
-          </p:cNvPicPr>
-          <p:nvPr/>
-        </p:nvPicPr>
-        <p:blipFill>
-          <a:blip r:embed="rId5">
-            <a:duotone>
-              <a:prstClr val="black"/>
-              <a:srgbClr val="D9C3A5">
-                <a:tint val="50000"/>
-                <a:satMod val="180000"/>
-              </a:srgbClr>
-            </a:duotone>
-            <a:extLst>
-              <a:ext uri="{28A0092B-C50C-407E-A947-70E740481C1C}">
-                <a14:useLocalDpi xmlns:a14="http://schemas.microsoft.com/office/drawing/2010/main" val="0"/>
-              </a:ext>
-            </a:extLst>
-          </a:blip>
-          <a:stretch>
-            <a:fillRect/>
-          </a:stretch>
-        </p:blipFill>
-        <p:spPr>
-          <a:xfrm>
-            <a:off x="2736813" y="1978026"/>
-            <a:ext cx="6718374" cy="2901948"/>
-          </a:xfrm>
-          <a:prstGeom prst="rect">
-            <a:avLst/>
-          </a:prstGeom>
-        </p:spPr>
-      </p:pic>
-    </p:spTree>
-    <p:extLst>
-      <p:ext uri="{BB962C8B-B14F-4D97-AF65-F5344CB8AC3E}">
-        <p14:creationId xmlns:p14="http://schemas.microsoft.com/office/powerpoint/2010/main" val="4288088964"/>
-      </p:ext>
-    </p:extLst>
-  </p:cSld>
-  <p:clrMapOvr>
-    <a:masterClrMapping/>
-  </p:clrMapOvr>
-</p:sld>
-</file>
-
 <file path=ppt/slides/slide19.xml><?xml version="1.0" encoding="utf-8"?>
 <p:sld xmlns:a="http://schemas.openxmlformats.org/drawingml/2006/main" xmlns:r="http://schemas.openxmlformats.org/officeDocument/2006/relationships" xmlns:p="http://schemas.openxmlformats.org/presentationml/2006/main">
   <p:cSld>
@@ -5527,7 +6427,7 @@
       </p:pic>
       <p:pic>
         <p:nvPicPr>
-          <p:cNvPr id="2" name="그림 1"/>
+          <p:cNvPr id="4" name="그림 3"/>
           <p:cNvPicPr>
             <a:picLocks noChangeAspect="1"/>
           </p:cNvPicPr>
@@ -5535,7 +6435,13 @@
         </p:nvPicPr>
         <p:blipFill>
           <a:blip r:embed="rId5">
-            <a:grayscl/>
+            <a:duotone>
+              <a:prstClr val="black"/>
+              <a:srgbClr val="D9C3A5">
+                <a:tint val="50000"/>
+                <a:satMod val="180000"/>
+              </a:srgbClr>
+            </a:duotone>
             <a:extLst>
               <a:ext uri="{28A0092B-C50C-407E-A947-70E740481C1C}">
                 <a14:useLocalDpi xmlns:a14="http://schemas.microsoft.com/office/drawing/2010/main" val="0"/>
@@ -5548,8 +6454,8 @@
         </p:blipFill>
         <p:spPr>
           <a:xfrm>
-            <a:off x="2142401" y="1978026"/>
-            <a:ext cx="7907197" cy="2901948"/>
+            <a:off x="2736813" y="1978026"/>
+            <a:ext cx="6718374" cy="2901948"/>
           </a:xfrm>
           <a:prstGeom prst="rect">
             <a:avLst/>
@@ -5559,7 +6465,7 @@
     </p:spTree>
     <p:extLst>
       <p:ext uri="{BB962C8B-B14F-4D97-AF65-F5344CB8AC3E}">
-        <p14:creationId xmlns:p14="http://schemas.microsoft.com/office/powerpoint/2010/main" val="3874195635"/>
+        <p14:creationId xmlns:p14="http://schemas.microsoft.com/office/powerpoint/2010/main" val="4288088964"/>
       </p:ext>
     </p:extLst>
   </p:cSld>
@@ -6064,14 +6970,20 @@
       </p:grpSpPr>
       <p:pic>
         <p:nvPicPr>
-          <p:cNvPr id="2" name="그림 1"/>
+          <p:cNvPr id="8" name="그림 7" descr="텍스트, 폰트, 로고, 등록 상표이(가) 표시된 사진&#10;&#10;자동 생성된 설명">
+            <a:extLst>
+              <a:ext uri="{FF2B5EF4-FFF2-40B4-BE49-F238E27FC236}">
+                <a16:creationId xmlns:a16="http://schemas.microsoft.com/office/drawing/2014/main" id="{70CAE1EF-C7E0-250F-A60B-CEBE7D7C9D56}"/>
+              </a:ext>
+            </a:extLst>
+          </p:cNvPr>
           <p:cNvPicPr>
             <a:picLocks noChangeAspect="1"/>
           </p:cNvPicPr>
           <p:nvPr/>
         </p:nvPicPr>
         <p:blipFill>
-          <a:blip r:embed="rId2">
+          <a:blip r:embed="rId2" cstate="print">
             <a:extLst>
               <a:ext uri="{28A0092B-C50C-407E-A947-70E740481C1C}">
                 <a14:useLocalDpi xmlns:a14="http://schemas.microsoft.com/office/drawing/2010/main" val="0"/>
@@ -6084,66 +6996,121 @@
         </p:blipFill>
         <p:spPr>
           <a:xfrm>
-            <a:off x="0" y="130432"/>
-            <a:ext cx="5885411" cy="2791366"/>
+            <a:off x="1566460" y="386614"/>
+            <a:ext cx="779576" cy="1089996"/>
           </a:xfrm>
           <a:prstGeom prst="rect">
             <a:avLst/>
           </a:prstGeom>
         </p:spPr>
       </p:pic>
-      <p:sp>
-        <p:nvSpPr>
-          <p:cNvPr id="3" name="모서리가 둥근 직사각형 2"/>
-          <p:cNvSpPr/>
-          <p:nvPr/>
-        </p:nvSpPr>
-        <p:spPr>
-          <a:xfrm>
-            <a:off x="-2993967" y="4417445"/>
-            <a:ext cx="14085300" cy="989214"/>
-          </a:xfrm>
-          <a:prstGeom prst="roundRect">
-            <a:avLst/>
-          </a:prstGeom>
-          <a:solidFill>
-            <a:srgbClr val="21AF6F"/>
-          </a:solidFill>
-          <a:ln w="76200">
-            <a:solidFill>
-              <a:srgbClr val="464442"/>
-            </a:solidFill>
-          </a:ln>
-        </p:spPr>
-        <p:style>
-          <a:lnRef idx="2">
-            <a:schemeClr val="accent1">
-              <a:shade val="50000"/>
-            </a:schemeClr>
-          </a:lnRef>
-          <a:fillRef idx="1">
-            <a:schemeClr val="accent1"/>
-          </a:fillRef>
-          <a:effectRef idx="0">
-            <a:schemeClr val="accent1"/>
-          </a:effectRef>
-          <a:fontRef idx="minor">
-            <a:schemeClr val="lt1"/>
-          </a:fontRef>
-        </p:style>
-        <p:txBody>
-          <a:bodyPr rtlCol="0" anchor="ctr"/>
-          <a:lstStyle/>
-          <a:p>
-            <a:pPr algn="ctr"/>
-            <a:endParaRPr lang="ko-KR" altLang="en-US"/>
-          </a:p>
-        </p:txBody>
-      </p:sp>
+      <p:pic>
+        <p:nvPicPr>
+          <p:cNvPr id="9" name="그림 8" descr="텍스트, 새, 로고, 엠블럼이(가) 표시된 사진&#10;&#10;자동 생성된 설명">
+            <a:extLst>
+              <a:ext uri="{FF2B5EF4-FFF2-40B4-BE49-F238E27FC236}">
+                <a16:creationId xmlns:a16="http://schemas.microsoft.com/office/drawing/2014/main" id="{73085A3B-71F5-397E-5F59-B89E7CBC2E28}"/>
+              </a:ext>
+            </a:extLst>
+          </p:cNvPr>
+          <p:cNvPicPr>
+            <a:picLocks noChangeAspect="1"/>
+          </p:cNvPicPr>
+          <p:nvPr/>
+        </p:nvPicPr>
+        <p:blipFill>
+          <a:blip r:embed="rId3" cstate="print">
+            <a:extLst>
+              <a:ext uri="{28A0092B-C50C-407E-A947-70E740481C1C}">
+                <a14:useLocalDpi xmlns:a14="http://schemas.microsoft.com/office/drawing/2010/main" val="0"/>
+              </a:ext>
+            </a:extLst>
+          </a:blip>
+          <a:stretch>
+            <a:fillRect/>
+          </a:stretch>
+        </p:blipFill>
+        <p:spPr>
+          <a:xfrm>
+            <a:off x="527955" y="325475"/>
+            <a:ext cx="779576" cy="1089996"/>
+          </a:xfrm>
+          <a:prstGeom prst="rect">
+            <a:avLst/>
+          </a:prstGeom>
+        </p:spPr>
+      </p:pic>
+      <p:pic>
+        <p:nvPicPr>
+          <p:cNvPr id="10" name="그림 9" descr="텍스트, 포스터, 만화 영화, 선전이(가) 표시된 사진&#10;&#10;자동 생성된 설명">
+            <a:extLst>
+              <a:ext uri="{FF2B5EF4-FFF2-40B4-BE49-F238E27FC236}">
+                <a16:creationId xmlns:a16="http://schemas.microsoft.com/office/drawing/2014/main" id="{B31B4397-2A3B-2423-5EED-6F31EA385403}"/>
+              </a:ext>
+            </a:extLst>
+          </p:cNvPr>
+          <p:cNvPicPr>
+            <a:picLocks noChangeAspect="1"/>
+          </p:cNvPicPr>
+          <p:nvPr/>
+        </p:nvPicPr>
+        <p:blipFill>
+          <a:blip r:embed="rId4" cstate="print">
+            <a:extLst>
+              <a:ext uri="{28A0092B-C50C-407E-A947-70E740481C1C}">
+                <a14:useLocalDpi xmlns:a14="http://schemas.microsoft.com/office/drawing/2010/main" val="0"/>
+              </a:ext>
+            </a:extLst>
+          </a:blip>
+          <a:stretch>
+            <a:fillRect/>
+          </a:stretch>
+        </p:blipFill>
+        <p:spPr>
+          <a:xfrm>
+            <a:off x="273707" y="2485546"/>
+            <a:ext cx="1126497" cy="1578941"/>
+          </a:xfrm>
+          <a:prstGeom prst="rect">
+            <a:avLst/>
+          </a:prstGeom>
+        </p:spPr>
+      </p:pic>
+      <p:pic>
+        <p:nvPicPr>
+          <p:cNvPr id="2" name="그림 1"/>
+          <p:cNvPicPr>
+            <a:picLocks noChangeAspect="1"/>
+          </p:cNvPicPr>
+          <p:nvPr/>
+        </p:nvPicPr>
+        <p:blipFill>
+          <a:blip r:embed="rId5">
+            <a:grayscl/>
+            <a:extLst>
+              <a:ext uri="{28A0092B-C50C-407E-A947-70E740481C1C}">
+                <a14:useLocalDpi xmlns:a14="http://schemas.microsoft.com/office/drawing/2010/main" val="0"/>
+              </a:ext>
+            </a:extLst>
+          </a:blip>
+          <a:stretch>
+            <a:fillRect/>
+          </a:stretch>
+        </p:blipFill>
+        <p:spPr>
+          <a:xfrm>
+            <a:off x="2142401" y="1978026"/>
+            <a:ext cx="7907197" cy="2901948"/>
+          </a:xfrm>
+          <a:prstGeom prst="rect">
+            <a:avLst/>
+          </a:prstGeom>
+        </p:spPr>
+      </p:pic>
     </p:spTree>
     <p:extLst>
       <p:ext uri="{BB962C8B-B14F-4D97-AF65-F5344CB8AC3E}">
-        <p14:creationId xmlns:p14="http://schemas.microsoft.com/office/powerpoint/2010/main" val="1450300912"/>
+        <p14:creationId xmlns:p14="http://schemas.microsoft.com/office/powerpoint/2010/main" val="3874195635"/>
       </p:ext>
     </p:extLst>
   </p:cSld>
@@ -6170,25 +7137,57 @@
           <a:chExt cx="0" cy="0"/>
         </a:xfrm>
       </p:grpSpPr>
-      <p:sp>
-        <p:nvSpPr>
-          <p:cNvPr id="2" name="모서리가 둥근 직사각형 1"/>
+      <p:pic>
+        <p:nvPicPr>
+          <p:cNvPr id="2" name="그림 1"/>
+          <p:cNvPicPr>
+            <a:picLocks noChangeAspect="1"/>
+          </p:cNvPicPr>
+          <p:nvPr/>
+        </p:nvPicPr>
+        <p:blipFill>
+          <a:blip r:embed="rId2">
+            <a:extLst>
+              <a:ext uri="{28A0092B-C50C-407E-A947-70E740481C1C}">
+                <a14:useLocalDpi xmlns:a14="http://schemas.microsoft.com/office/drawing/2010/main" val="0"/>
+              </a:ext>
+            </a:extLst>
+          </a:blip>
+          <a:stretch>
+            <a:fillRect/>
+          </a:stretch>
+        </p:blipFill>
+        <p:spPr>
+          <a:xfrm>
+            <a:off x="0" y="130432"/>
+            <a:ext cx="5885411" cy="2791366"/>
+          </a:xfrm>
+          <a:prstGeom prst="rect">
+            <a:avLst/>
+          </a:prstGeom>
+        </p:spPr>
+      </p:pic>
+      <p:sp>
+        <p:nvSpPr>
+          <p:cNvPr id="3" name="모서리가 둥근 직사각형 2"/>
           <p:cNvSpPr/>
           <p:nvPr/>
         </p:nvSpPr>
         <p:spPr>
           <a:xfrm>
-            <a:off x="133003" y="3341715"/>
-            <a:ext cx="11770823" cy="781397"/>
+            <a:off x="-2993967" y="4417445"/>
+            <a:ext cx="14085300" cy="989214"/>
           </a:xfrm>
           <a:prstGeom prst="roundRect">
             <a:avLst/>
           </a:prstGeom>
           <a:solidFill>
-            <a:srgbClr val="B3A994"/>
+            <a:srgbClr val="21AF6F"/>
           </a:solidFill>
-          <a:ln>
-            <a:noFill/>
+          <a:ln w="76200">
+            <a:solidFill>
+              <a:srgbClr val="464442"/>
+            </a:solidFill>
           </a:ln>
         </p:spPr>
         <p:style>
@@ -6216,92 +7215,10 @@
           </a:p>
         </p:txBody>
       </p:sp>
-      <p:pic>
-        <p:nvPicPr>
-          <p:cNvPr id="3" name="그림 2" descr="텍스트, 포스터, 만화 영화, 선전이(가) 표시된 사진&#10;&#10;자동 생성된 설명">
-            <a:extLst>
-              <a:ext uri="{FF2B5EF4-FFF2-40B4-BE49-F238E27FC236}">
-                <a16:creationId xmlns:a16="http://schemas.microsoft.com/office/drawing/2014/main" id="{B31B4397-2A3B-2423-5EED-6F31EA385403}"/>
-              </a:ext>
-            </a:extLst>
-          </p:cNvPr>
-          <p:cNvPicPr>
-            <a:picLocks noChangeAspect="1"/>
-          </p:cNvPicPr>
-          <p:nvPr/>
-        </p:nvPicPr>
-        <p:blipFill>
-          <a:blip r:embed="rId2" cstate="print">
-            <a:extLst>
-              <a:ext uri="{28A0092B-C50C-407E-A947-70E740481C1C}">
-                <a14:useLocalDpi xmlns:a14="http://schemas.microsoft.com/office/drawing/2010/main" val="0"/>
-              </a:ext>
-            </a:extLst>
-          </a:blip>
-          <a:stretch>
-            <a:fillRect/>
-          </a:stretch>
-        </p:blipFill>
-        <p:spPr>
-          <a:xfrm>
-            <a:off x="323584" y="781437"/>
-            <a:ext cx="1126497" cy="1578941"/>
-          </a:xfrm>
-          <a:prstGeom prst="rect">
-            <a:avLst/>
-          </a:prstGeom>
-        </p:spPr>
-      </p:pic>
-      <p:sp>
-        <p:nvSpPr>
-          <p:cNvPr id="4" name="직사각형 3"/>
-          <p:cNvSpPr/>
-          <p:nvPr/>
-        </p:nvSpPr>
-        <p:spPr>
-          <a:xfrm>
-            <a:off x="124691" y="4572000"/>
-            <a:ext cx="11770822" cy="565265"/>
-          </a:xfrm>
-          <a:prstGeom prst="rect">
-            <a:avLst/>
-          </a:prstGeom>
-          <a:solidFill>
-            <a:srgbClr val="B3A994"/>
-          </a:solidFill>
-          <a:ln>
-            <a:noFill/>
-          </a:ln>
-        </p:spPr>
-        <p:style>
-          <a:lnRef idx="2">
-            <a:schemeClr val="accent1">
-              <a:shade val="50000"/>
-            </a:schemeClr>
-          </a:lnRef>
-          <a:fillRef idx="1">
-            <a:schemeClr val="accent1"/>
-          </a:fillRef>
-          <a:effectRef idx="0">
-            <a:schemeClr val="accent1"/>
-          </a:effectRef>
-          <a:fontRef idx="minor">
-            <a:schemeClr val="lt1"/>
-          </a:fontRef>
-        </p:style>
-        <p:txBody>
-          <a:bodyPr rtlCol="0" anchor="ctr"/>
-          <a:lstStyle/>
-          <a:p>
-            <a:pPr algn="ctr"/>
-            <a:endParaRPr lang="ko-KR" altLang="en-US"/>
-          </a:p>
-        </p:txBody>
-      </p:sp>
     </p:spTree>
     <p:extLst>
       <p:ext uri="{BB962C8B-B14F-4D97-AF65-F5344CB8AC3E}">
-        <p14:creationId xmlns:p14="http://schemas.microsoft.com/office/powerpoint/2010/main" val="1400430956"/>
+        <p14:creationId xmlns:p14="http://schemas.microsoft.com/office/powerpoint/2010/main" val="1450300912"/>
       </p:ext>
     </p:extLst>
   </p:cSld>
@@ -6330,39 +7247,24 @@
       </p:grpSpPr>
       <p:sp>
         <p:nvSpPr>
-          <p:cNvPr id="2" name="모서리가 둥근 직사각형 1">
-            <a:extLst>
-              <a:ext uri="{FF2B5EF4-FFF2-40B4-BE49-F238E27FC236}">
-                <a16:creationId xmlns:a16="http://schemas.microsoft.com/office/drawing/2014/main" id="{0526D144-1574-E1CE-CF66-6671BFD2E078}"/>
-              </a:ext>
-            </a:extLst>
-          </p:cNvPr>
+          <p:cNvPr id="2" name="모서리가 둥근 직사각형 1"/>
           <p:cNvSpPr/>
           <p:nvPr/>
         </p:nvSpPr>
         <p:spPr>
           <a:xfrm>
-            <a:off x="1826028" y="3473797"/>
-            <a:ext cx="7675419" cy="2664691"/>
+            <a:off x="133003" y="3341715"/>
+            <a:ext cx="11770823" cy="781397"/>
           </a:xfrm>
           <a:prstGeom prst="roundRect">
             <a:avLst/>
           </a:prstGeom>
           <a:solidFill>
-            <a:srgbClr val="0C7A9C"/>
+            <a:srgbClr val="B3A994"/>
           </a:solidFill>
-          <a:ln w="127000">
-            <a:solidFill>
-              <a:srgbClr val="464442"/>
-            </a:solidFill>
+          <a:ln>
+            <a:noFill/>
           </a:ln>
-          <a:effectLst>
-            <a:outerShdw blurRad="50800" dist="38100" dir="2700000" algn="tl" rotWithShape="0">
-              <a:prstClr val="black">
-                <a:alpha val="40000"/>
-              </a:prstClr>
-            </a:outerShdw>
-          </a:effectLst>
         </p:spPr>
         <p:style>
           <a:lnRef idx="2">
@@ -6391,14 +7293,20 @@
       </p:sp>
       <p:pic>
         <p:nvPicPr>
-          <p:cNvPr id="3" name="그림 2"/>
+          <p:cNvPr id="3" name="그림 2" descr="텍스트, 포스터, 만화 영화, 선전이(가) 표시된 사진&#10;&#10;자동 생성된 설명">
+            <a:extLst>
+              <a:ext uri="{FF2B5EF4-FFF2-40B4-BE49-F238E27FC236}">
+                <a16:creationId xmlns:a16="http://schemas.microsoft.com/office/drawing/2014/main" id="{B31B4397-2A3B-2423-5EED-6F31EA385403}"/>
+              </a:ext>
+            </a:extLst>
+          </p:cNvPr>
           <p:cNvPicPr>
             <a:picLocks noChangeAspect="1"/>
           </p:cNvPicPr>
           <p:nvPr/>
         </p:nvPicPr>
         <p:blipFill>
-          <a:blip r:embed="rId2">
+          <a:blip r:embed="rId2" cstate="print">
             <a:extLst>
               <a:ext uri="{28A0092B-C50C-407E-A947-70E740481C1C}">
                 <a14:useLocalDpi xmlns:a14="http://schemas.microsoft.com/office/drawing/2010/main" val="0"/>
@@ -6411,18 +7319,64 @@
         </p:blipFill>
         <p:spPr>
           <a:xfrm>
-            <a:off x="0" y="130432"/>
-            <a:ext cx="5885411" cy="2791366"/>
+            <a:off x="323584" y="781437"/>
+            <a:ext cx="1126497" cy="1578941"/>
           </a:xfrm>
           <a:prstGeom prst="rect">
             <a:avLst/>
           </a:prstGeom>
         </p:spPr>
       </p:pic>
+      <p:sp>
+        <p:nvSpPr>
+          <p:cNvPr id="4" name="직사각형 3"/>
+          <p:cNvSpPr/>
+          <p:nvPr/>
+        </p:nvSpPr>
+        <p:spPr>
+          <a:xfrm>
+            <a:off x="124691" y="4572000"/>
+            <a:ext cx="11770822" cy="565265"/>
+          </a:xfrm>
+          <a:prstGeom prst="rect">
+            <a:avLst/>
+          </a:prstGeom>
+          <a:solidFill>
+            <a:srgbClr val="B3A994"/>
+          </a:solidFill>
+          <a:ln>
+            <a:noFill/>
+          </a:ln>
+        </p:spPr>
+        <p:style>
+          <a:lnRef idx="2">
+            <a:schemeClr val="accent1">
+              <a:shade val="50000"/>
+            </a:schemeClr>
+          </a:lnRef>
+          <a:fillRef idx="1">
+            <a:schemeClr val="accent1"/>
+          </a:fillRef>
+          <a:effectRef idx="0">
+            <a:schemeClr val="accent1"/>
+          </a:effectRef>
+          <a:fontRef idx="minor">
+            <a:schemeClr val="lt1"/>
+          </a:fontRef>
+        </p:style>
+        <p:txBody>
+          <a:bodyPr rtlCol="0" anchor="ctr"/>
+          <a:lstStyle/>
+          <a:p>
+            <a:pPr algn="ctr"/>
+            <a:endParaRPr lang="ko-KR" altLang="en-US"/>
+          </a:p>
+        </p:txBody>
+      </p:sp>
     </p:spTree>
     <p:extLst>
       <p:ext uri="{BB962C8B-B14F-4D97-AF65-F5344CB8AC3E}">
-        <p14:creationId xmlns:p14="http://schemas.microsoft.com/office/powerpoint/2010/main" val="3669482234"/>
+        <p14:creationId xmlns:p14="http://schemas.microsoft.com/office/powerpoint/2010/main" val="1400430956"/>
       </p:ext>
     </p:extLst>
   </p:cSld>
@@ -6470,7 +7424,7 @@
             <a:avLst/>
           </a:prstGeom>
           <a:solidFill>
-            <a:srgbClr val="812415"/>
+            <a:srgbClr val="0C7A9C"/>
           </a:solidFill>
           <a:ln w="127000">
             <a:solidFill>
@@ -6543,7 +7497,7 @@
     </p:spTree>
     <p:extLst>
       <p:ext uri="{BB962C8B-B14F-4D97-AF65-F5344CB8AC3E}">
-        <p14:creationId xmlns:p14="http://schemas.microsoft.com/office/powerpoint/2010/main" val="1503770113"/>
+        <p14:creationId xmlns:p14="http://schemas.microsoft.com/office/powerpoint/2010/main" val="3669482234"/>
       </p:ext>
     </p:extLst>
   </p:cSld>
@@ -6591,9 +7545,7 @@
             <a:avLst/>
           </a:prstGeom>
           <a:solidFill>
-            <a:schemeClr val="bg2">
-              <a:lumMod val="50000"/>
-            </a:schemeClr>
+            <a:srgbClr val="812415"/>
           </a:solidFill>
           <a:ln w="127000">
             <a:solidFill>
@@ -6666,7 +7618,7 @@
     </p:spTree>
     <p:extLst>
       <p:ext uri="{BB962C8B-B14F-4D97-AF65-F5344CB8AC3E}">
-        <p14:creationId xmlns:p14="http://schemas.microsoft.com/office/powerpoint/2010/main" val="4074936406"/>
+        <p14:creationId xmlns:p14="http://schemas.microsoft.com/office/powerpoint/2010/main" val="1503770113"/>
       </p:ext>
     </p:extLst>
   </p:cSld>
@@ -6695,26 +7647,41 @@
       </p:grpSpPr>
       <p:sp>
         <p:nvSpPr>
-          <p:cNvPr id="3" name="이등변 삼각형 2"/>
+          <p:cNvPr id="2" name="모서리가 둥근 직사각형 1">
+            <a:extLst>
+              <a:ext uri="{FF2B5EF4-FFF2-40B4-BE49-F238E27FC236}">
+                <a16:creationId xmlns:a16="http://schemas.microsoft.com/office/drawing/2014/main" id="{0526D144-1574-E1CE-CF66-6671BFD2E078}"/>
+              </a:ext>
+            </a:extLst>
+          </p:cNvPr>
           <p:cNvSpPr/>
           <p:nvPr/>
         </p:nvSpPr>
         <p:spPr>
-          <a:xfrm rot="16200000">
-            <a:off x="2829710" y="2066326"/>
-            <a:ext cx="972589" cy="838439"/>
-          </a:xfrm>
-          <a:prstGeom prst="triangle">
+          <a:xfrm>
+            <a:off x="1826028" y="3473797"/>
+            <a:ext cx="7675419" cy="2664691"/>
+          </a:xfrm>
+          <a:prstGeom prst="roundRect">
             <a:avLst/>
           </a:prstGeom>
           <a:solidFill>
-            <a:schemeClr val="bg1"/>
+            <a:schemeClr val="bg2">
+              <a:lumMod val="50000"/>
+            </a:schemeClr>
           </a:solidFill>
-          <a:ln w="76200">
+          <a:ln w="127000">
             <a:solidFill>
-              <a:srgbClr val="443D30"/>
+              <a:srgbClr val="464442"/>
             </a:solidFill>
           </a:ln>
+          <a:effectLst>
+            <a:outerShdw blurRad="50800" dist="38100" dir="2700000" algn="tl" rotWithShape="0">
+              <a:prstClr val="black">
+                <a:alpha val="40000"/>
+              </a:prstClr>
+            </a:outerShdw>
+          </a:effectLst>
         </p:spPr>
         <p:style>
           <a:lnRef idx="2">
@@ -6743,20 +7710,14 @@
       </p:sp>
       <p:pic>
         <p:nvPicPr>
-          <p:cNvPr id="4" name="그림 3" descr="텍스트, 포스터, 만화 영화, 선전이(가) 표시된 사진&#10;&#10;자동 생성된 설명">
-            <a:extLst>
-              <a:ext uri="{FF2B5EF4-FFF2-40B4-BE49-F238E27FC236}">
-                <a16:creationId xmlns:a16="http://schemas.microsoft.com/office/drawing/2014/main" id="{B31B4397-2A3B-2423-5EED-6F31EA385403}"/>
-              </a:ext>
-            </a:extLst>
-          </p:cNvPr>
+          <p:cNvPr id="3" name="그림 2"/>
           <p:cNvPicPr>
             <a:picLocks noChangeAspect="1"/>
           </p:cNvPicPr>
           <p:nvPr/>
         </p:nvPicPr>
         <p:blipFill>
-          <a:blip r:embed="rId2" cstate="print">
+          <a:blip r:embed="rId2">
             <a:extLst>
               <a:ext uri="{28A0092B-C50C-407E-A947-70E740481C1C}">
                 <a14:useLocalDpi xmlns:a14="http://schemas.microsoft.com/office/drawing/2010/main" val="0"/>
@@ -6769,33 +7730,65 @@
         </p:blipFill>
         <p:spPr>
           <a:xfrm>
-            <a:off x="273707" y="2485546"/>
-            <a:ext cx="1126497" cy="1578941"/>
+            <a:off x="0" y="130432"/>
+            <a:ext cx="5885411" cy="2791366"/>
           </a:xfrm>
           <a:prstGeom prst="rect">
             <a:avLst/>
           </a:prstGeom>
         </p:spPr>
       </p:pic>
-      <p:sp>
-        <p:nvSpPr>
-          <p:cNvPr id="7" name="이등변 삼각형 6"/>
+    </p:spTree>
+    <p:extLst>
+      <p:ext uri="{BB962C8B-B14F-4D97-AF65-F5344CB8AC3E}">
+        <p14:creationId xmlns:p14="http://schemas.microsoft.com/office/powerpoint/2010/main" val="4074936406"/>
+      </p:ext>
+    </p:extLst>
+  </p:cSld>
+  <p:clrMapOvr>
+    <a:masterClrMapping/>
+  </p:clrMapOvr>
+</p:sld>
+</file>
+
+<file path=ppt/slides/slide26.xml><?xml version="1.0" encoding="utf-8"?>
+<p:sld xmlns:a="http://schemas.openxmlformats.org/drawingml/2006/main" xmlns:r="http://schemas.openxmlformats.org/officeDocument/2006/relationships" xmlns:p="http://schemas.openxmlformats.org/presentationml/2006/main">
+  <p:cSld>
+    <p:spTree>
+      <p:nvGrpSpPr>
+        <p:cNvPr id="1" name=""/>
+        <p:cNvGrpSpPr/>
+        <p:nvPr/>
+      </p:nvGrpSpPr>
+      <p:grpSpPr>
+        <a:xfrm>
+          <a:off x="0" y="0"/>
+          <a:ext cx="0" cy="0"/>
+          <a:chOff x="0" y="0"/>
+          <a:chExt cx="0" cy="0"/>
+        </a:xfrm>
+      </p:grpSpPr>
+      <p:sp>
+        <p:nvSpPr>
+          <p:cNvPr id="3" name="이등변 삼각형 2"/>
           <p:cNvSpPr/>
           <p:nvPr/>
         </p:nvSpPr>
         <p:spPr>
           <a:xfrm rot="16200000">
-            <a:off x="3003147" y="4989566"/>
-            <a:ext cx="1551709" cy="791444"/>
+            <a:off x="2829710" y="2066326"/>
+            <a:ext cx="972589" cy="838439"/>
           </a:xfrm>
           <a:prstGeom prst="triangle">
             <a:avLst/>
           </a:prstGeom>
           <a:solidFill>
-            <a:srgbClr val="DDB14F"/>
+            <a:schemeClr val="bg1"/>
           </a:solidFill>
-          <a:ln w="38100">
-            <a:noFill/>
+          <a:ln w="76200">
+            <a:solidFill>
+              <a:srgbClr val="443D30"/>
+            </a:solidFill>
           </a:ln>
         </p:spPr>
         <p:style>
@@ -6823,35 +7816,62 @@
           </a:p>
         </p:txBody>
       </p:sp>
-      <p:sp>
-        <p:nvSpPr>
-          <p:cNvPr id="8" name="모서리가 둥근 직사각형 7"/>
+      <p:pic>
+        <p:nvPicPr>
+          <p:cNvPr id="4" name="그림 3" descr="텍스트, 포스터, 만화 영화, 선전이(가) 표시된 사진&#10;&#10;자동 생성된 설명">
+            <a:extLst>
+              <a:ext uri="{FF2B5EF4-FFF2-40B4-BE49-F238E27FC236}">
+                <a16:creationId xmlns:a16="http://schemas.microsoft.com/office/drawing/2014/main" id="{B31B4397-2A3B-2423-5EED-6F31EA385403}"/>
+              </a:ext>
+            </a:extLst>
+          </p:cNvPr>
+          <p:cNvPicPr>
+            <a:picLocks noChangeAspect="1"/>
+          </p:cNvPicPr>
+          <p:nvPr/>
+        </p:nvPicPr>
+        <p:blipFill>
+          <a:blip r:embed="rId2" cstate="print">
+            <a:extLst>
+              <a:ext uri="{28A0092B-C50C-407E-A947-70E740481C1C}">
+                <a14:useLocalDpi xmlns:a14="http://schemas.microsoft.com/office/drawing/2010/main" val="0"/>
+              </a:ext>
+            </a:extLst>
+          </a:blip>
+          <a:stretch>
+            <a:fillRect/>
+          </a:stretch>
+        </p:blipFill>
+        <p:spPr>
+          <a:xfrm>
+            <a:off x="273707" y="2485546"/>
+            <a:ext cx="1126497" cy="1578941"/>
+          </a:xfrm>
+          <a:prstGeom prst="rect">
+            <a:avLst/>
+          </a:prstGeom>
+        </p:spPr>
+      </p:pic>
+      <p:sp>
+        <p:nvSpPr>
+          <p:cNvPr id="7" name="이등변 삼각형 6"/>
           <p:cNvSpPr/>
           <p:nvPr/>
         </p:nvSpPr>
         <p:spPr>
-          <a:xfrm>
-            <a:off x="3383280" y="1342546"/>
-            <a:ext cx="5802284" cy="2286000"/>
-          </a:xfrm>
-          <a:prstGeom prst="roundRect">
+          <a:xfrm rot="16200000">
+            <a:off x="3003147" y="4989566"/>
+            <a:ext cx="1551709" cy="791444"/>
+          </a:xfrm>
+          <a:prstGeom prst="triangle">
             <a:avLst/>
           </a:prstGeom>
           <a:solidFill>
-            <a:schemeClr val="bg1"/>
+            <a:srgbClr val="DDB14F"/>
           </a:solidFill>
-          <a:ln w="76200">
-            <a:solidFill>
-              <a:srgbClr val="443D30"/>
-            </a:solidFill>
+          <a:ln w="38100">
+            <a:noFill/>
           </a:ln>
-          <a:effectLst>
-            <a:outerShdw blurRad="50800" dist="38100" dir="2700000" algn="tl" rotWithShape="0">
-              <a:prstClr val="black">
-                <a:alpha val="40000"/>
-              </a:prstClr>
-            </a:outerShdw>
-          </a:effectLst>
         </p:spPr>
         <p:style>
           <a:lnRef idx="2">
@@ -6880,24 +7900,33 @@
       </p:sp>
       <p:sp>
         <p:nvSpPr>
-          <p:cNvPr id="6" name="이등변 삼각형 5"/>
+          <p:cNvPr id="8" name="모서리가 둥근 직사각형 7"/>
           <p:cNvSpPr/>
           <p:nvPr/>
         </p:nvSpPr>
         <p:spPr>
-          <a:xfrm rot="16200000">
-            <a:off x="2868793" y="2074525"/>
-            <a:ext cx="1028972" cy="822039"/>
-          </a:xfrm>
-          <a:prstGeom prst="triangle">
+          <a:xfrm>
+            <a:off x="3383280" y="1342546"/>
+            <a:ext cx="5802284" cy="2286000"/>
+          </a:xfrm>
+          <a:prstGeom prst="roundRect">
             <a:avLst/>
           </a:prstGeom>
           <a:solidFill>
             <a:schemeClr val="bg1"/>
           </a:solidFill>
-          <a:ln w="38100">
-            <a:noFill/>
+          <a:ln w="76200">
+            <a:solidFill>
+              <a:srgbClr val="443D30"/>
+            </a:solidFill>
           </a:ln>
+          <a:effectLst>
+            <a:outerShdw blurRad="50800" dist="38100" dir="2700000" algn="tl" rotWithShape="0">
+              <a:prstClr val="black">
+                <a:alpha val="40000"/>
+              </a:prstClr>
+            </a:outerShdw>
+          </a:effectLst>
         </p:spPr>
         <p:style>
           <a:lnRef idx="2">
@@ -6924,6 +7953,52 @@
           </a:p>
         </p:txBody>
       </p:sp>
+      <p:sp>
+        <p:nvSpPr>
+          <p:cNvPr id="6" name="이등변 삼각형 5"/>
+          <p:cNvSpPr/>
+          <p:nvPr/>
+        </p:nvSpPr>
+        <p:spPr>
+          <a:xfrm rot="16200000">
+            <a:off x="2868793" y="2074525"/>
+            <a:ext cx="1028972" cy="822039"/>
+          </a:xfrm>
+          <a:prstGeom prst="triangle">
+            <a:avLst/>
+          </a:prstGeom>
+          <a:solidFill>
+            <a:schemeClr val="bg1"/>
+          </a:solidFill>
+          <a:ln w="38100">
+            <a:noFill/>
+          </a:ln>
+        </p:spPr>
+        <p:style>
+          <a:lnRef idx="2">
+            <a:schemeClr val="accent1">
+              <a:shade val="50000"/>
+            </a:schemeClr>
+          </a:lnRef>
+          <a:fillRef idx="1">
+            <a:schemeClr val="accent1"/>
+          </a:fillRef>
+          <a:effectRef idx="0">
+            <a:schemeClr val="accent1"/>
+          </a:effectRef>
+          <a:fontRef idx="minor">
+            <a:schemeClr val="lt1"/>
+          </a:fontRef>
+        </p:style>
+        <p:txBody>
+          <a:bodyPr rtlCol="0" anchor="ctr"/>
+          <a:lstStyle/>
+          <a:p>
+            <a:pPr algn="ctr"/>
+            <a:endParaRPr lang="ko-KR" altLang="en-US"/>
+          </a:p>
+        </p:txBody>
+      </p:sp>
     </p:spTree>
     <p:extLst>
       <p:ext uri="{BB962C8B-B14F-4D97-AF65-F5344CB8AC3E}">
@@ -6937,7 +8012,7 @@
 </p:sld>
 </file>
 
-<file path=ppt/slides/slide26.xml><?xml version="1.0" encoding="utf-8"?>
+<file path=ppt/slides/slide27.xml><?xml version="1.0" encoding="utf-8"?>
 <p:sld xmlns:a="http://schemas.openxmlformats.org/drawingml/2006/main" xmlns:r="http://schemas.openxmlformats.org/officeDocument/2006/relationships" xmlns:p="http://schemas.openxmlformats.org/presentationml/2006/main">
   <p:cSld>
     <p:spTree>
@@ -7534,56 +8609,61 @@
           <a:chExt cx="0" cy="0"/>
         </a:xfrm>
       </p:grpSpPr>
-      <p:sp>
-        <p:nvSpPr>
-          <p:cNvPr id="3" name="직사각형 2"/>
-          <p:cNvSpPr/>
-          <p:nvPr/>
-        </p:nvSpPr>
-        <p:spPr>
-          <a:xfrm>
-            <a:off x="0" y="0"/>
-            <a:ext cx="12192000" cy="6858000"/>
-          </a:xfrm>
-          <a:prstGeom prst="rect">
-            <a:avLst/>
-          </a:prstGeom>
-          <a:solidFill>
-            <a:schemeClr val="tx1"/>
-          </a:solidFill>
-          <a:ln>
-            <a:noFill/>
-          </a:ln>
-        </p:spPr>
-        <p:style>
-          <a:lnRef idx="2">
-            <a:schemeClr val="accent1">
-              <a:shade val="50000"/>
-            </a:schemeClr>
-          </a:lnRef>
-          <a:fillRef idx="1">
-            <a:schemeClr val="accent1"/>
-          </a:fillRef>
-          <a:effectRef idx="0">
-            <a:schemeClr val="accent1"/>
-          </a:effectRef>
-          <a:fontRef idx="minor">
-            <a:schemeClr val="lt1"/>
-          </a:fontRef>
-        </p:style>
-        <p:txBody>
-          <a:bodyPr rtlCol="0" anchor="ctr"/>
-          <a:lstStyle/>
-          <a:p>
-            <a:pPr algn="ctr"/>
-            <a:endParaRPr lang="ko-KR" altLang="en-US"/>
-          </a:p>
-        </p:txBody>
-      </p:sp>
+      <p:pic>
+        <p:nvPicPr>
+          <p:cNvPr id="7" name="그림 6"/>
+          <p:cNvPicPr>
+            <a:picLocks noChangeAspect="1"/>
+          </p:cNvPicPr>
+          <p:nvPr/>
+        </p:nvPicPr>
+        <p:blipFill rotWithShape="1">
+          <a:blip r:embed="rId2">
+            <a:extLst>
+              <a:ext uri="{BEBA8EAE-BF5A-486C-A8C5-ECC9F3942E4B}">
+                <a14:imgProps xmlns:a14="http://schemas.microsoft.com/office/drawing/2010/main">
+                  <a14:imgLayer r:embed="rId3">
+                    <a14:imgEffect>
+                      <a14:backgroundRemoval t="25758" b="81405" l="7819" r="46911">
+                        <a14:foregroundMark x1="21332" y1="34573" x2="21332" y2="34573"/>
+                        <a14:foregroundMark x1="31467" y1="54545" x2="31467" y2="54545"/>
+                        <a14:foregroundMark x1="27510" y1="63223" x2="27510" y2="63223"/>
+                        <a14:foregroundMark x1="20753" y1="61983" x2="20753" y2="61983"/>
+                        <a14:foregroundMark x1="33205" y1="61983" x2="33205" y2="61983"/>
+                        <a14:foregroundMark x1="26834" y1="68044" x2="26834" y2="68044"/>
+                        <a14:foregroundMark x1="27220" y1="71625" x2="27220" y2="71625"/>
+                        <a14:foregroundMark x1="27413" y1="77961" x2="27413" y2="77961"/>
+                        <a14:foregroundMark x1="28089" y1="74656" x2="28089" y2="74656"/>
+                        <a14:foregroundMark x1="22780" y1="35537" x2="22780" y2="35537"/>
+                        <a14:foregroundMark x1="22587" y1="48209" x2="22587" y2="48209"/>
+                        <a14:foregroundMark x1="25579" y1="49311" x2="31081" y2="50000"/>
+                      </a14:backgroundRemoval>
+                    </a14:imgEffect>
+                  </a14:imgLayer>
+                </a14:imgProps>
+              </a:ext>
+              <a:ext uri="{28A0092B-C50C-407E-A947-70E740481C1C}">
+                <a14:useLocalDpi xmlns:a14="http://schemas.microsoft.com/office/drawing/2010/main" val="0"/>
+              </a:ext>
+            </a:extLst>
+          </a:blip>
+          <a:srcRect l="7576" t="26337" r="53718" b="20001"/>
+          <a:stretch/>
+        </p:blipFill>
+        <p:spPr>
+          <a:xfrm>
+            <a:off x="3745776" y="1833801"/>
+            <a:ext cx="1810574" cy="1758950"/>
+          </a:xfrm>
+          <a:prstGeom prst="rect">
+            <a:avLst/>
+          </a:prstGeom>
+        </p:spPr>
+      </p:pic>
     </p:spTree>
     <p:extLst>
       <p:ext uri="{BB962C8B-B14F-4D97-AF65-F5344CB8AC3E}">
-        <p14:creationId xmlns:p14="http://schemas.microsoft.com/office/powerpoint/2010/main" val="1603005903"/>
+        <p14:creationId xmlns:p14="http://schemas.microsoft.com/office/powerpoint/2010/main" val="56867827"/>
       </p:ext>
     </p:extLst>
   </p:cSld>
@@ -7612,23 +8692,23 @@
       </p:grpSpPr>
       <p:sp>
         <p:nvSpPr>
-          <p:cNvPr id="4" name="타원 3"/>
+          <p:cNvPr id="3" name="직사각형 2"/>
           <p:cNvSpPr/>
           <p:nvPr/>
         </p:nvSpPr>
         <p:spPr>
           <a:xfrm>
-            <a:off x="1487978" y="423949"/>
-            <a:ext cx="5793971" cy="5793971"/>
-          </a:xfrm>
-          <a:prstGeom prst="ellipse">
-            <a:avLst/>
-          </a:prstGeom>
-          <a:noFill/>
-          <a:ln w="38100">
-            <a:solidFill>
-              <a:srgbClr val="4B43E9"/>
-            </a:solidFill>
+            <a:off x="0" y="0"/>
+            <a:ext cx="12192000" cy="6858000"/>
+          </a:xfrm>
+          <a:prstGeom prst="rect">
+            <a:avLst/>
+          </a:prstGeom>
+          <a:solidFill>
+            <a:schemeClr val="tx1"/>
+          </a:solidFill>
+          <a:ln>
+            <a:noFill/>
           </a:ln>
         </p:spPr>
         <p:style>
@@ -7656,39 +8736,10 @@
           </a:p>
         </p:txBody>
       </p:sp>
-      <p:pic>
-        <p:nvPicPr>
-          <p:cNvPr id="7" name="그림 6"/>
-          <p:cNvPicPr>
-            <a:picLocks noChangeAspect="1"/>
-          </p:cNvPicPr>
-          <p:nvPr/>
-        </p:nvPicPr>
-        <p:blipFill rotWithShape="1">
-          <a:blip r:embed="rId2">
-            <a:extLst>
-              <a:ext uri="{28A0092B-C50C-407E-A947-70E740481C1C}">
-                <a14:useLocalDpi xmlns:a14="http://schemas.microsoft.com/office/drawing/2010/main" val="0"/>
-              </a:ext>
-            </a:extLst>
-          </a:blip>
-          <a:srcRect l="63688" t="23963" r="20272" b="15864"/>
-          <a:stretch/>
-        </p:blipFill>
-        <p:spPr>
-          <a:xfrm>
-            <a:off x="7805651" y="1171360"/>
-            <a:ext cx="1039092" cy="1106327"/>
-          </a:xfrm>
-          <a:prstGeom prst="rect">
-            <a:avLst/>
-          </a:prstGeom>
-        </p:spPr>
-      </p:pic>
     </p:spTree>
     <p:extLst>
       <p:ext uri="{BB962C8B-B14F-4D97-AF65-F5344CB8AC3E}">
-        <p14:creationId xmlns:p14="http://schemas.microsoft.com/office/powerpoint/2010/main" val="1970293384"/>
+        <p14:creationId xmlns:p14="http://schemas.microsoft.com/office/powerpoint/2010/main" val="1603005903"/>
       </p:ext>
     </p:extLst>
   </p:cSld>
@@ -7717,131 +8768,83 @@
       </p:grpSpPr>
       <p:sp>
         <p:nvSpPr>
-          <p:cNvPr id="5" name="TextBox 4">
-            <a:extLst>
-              <a:ext uri="{FF2B5EF4-FFF2-40B4-BE49-F238E27FC236}">
-                <a16:creationId xmlns:a16="http://schemas.microsoft.com/office/drawing/2014/main" id="{EFDD0D8B-C1B5-288D-BF0F-372D0A3E9D47}"/>
-              </a:ext>
-            </a:extLst>
-          </p:cNvPr>
-          <p:cNvSpPr txBox="1"/>
-          <p:nvPr/>
-        </p:nvSpPr>
-        <p:spPr>
-          <a:xfrm rot="20717099">
-            <a:off x="2717076" y="4839600"/>
-            <a:ext cx="5738949" cy="1107996"/>
-          </a:xfrm>
-          <a:prstGeom prst="rect">
+          <p:cNvPr id="4" name="타원 3"/>
+          <p:cNvSpPr/>
+          <p:nvPr/>
+        </p:nvSpPr>
+        <p:spPr>
+          <a:xfrm>
+            <a:off x="1487978" y="423949"/>
+            <a:ext cx="5793971" cy="5793971"/>
+          </a:xfrm>
+          <a:prstGeom prst="ellipse">
             <a:avLst/>
           </a:prstGeom>
           <a:noFill/>
-        </p:spPr>
-        <p:txBody>
-          <a:bodyPr wrap="square" rtlCol="0">
-            <a:spAutoFit/>
-          </a:bodyPr>
+          <a:ln w="38100">
+            <a:solidFill>
+              <a:srgbClr val="4B43E9"/>
+            </a:solidFill>
+          </a:ln>
+        </p:spPr>
+        <p:style>
+          <a:lnRef idx="2">
+            <a:schemeClr val="accent1">
+              <a:shade val="50000"/>
+            </a:schemeClr>
+          </a:lnRef>
+          <a:fillRef idx="1">
+            <a:schemeClr val="accent1"/>
+          </a:fillRef>
+          <a:effectRef idx="0">
+            <a:schemeClr val="accent1"/>
+          </a:effectRef>
+          <a:fontRef idx="minor">
+            <a:schemeClr val="lt1"/>
+          </a:fontRef>
+        </p:style>
+        <p:txBody>
+          <a:bodyPr rtlCol="0" anchor="ctr"/>
           <a:lstStyle/>
           <a:p>
-            <a:r>
-              <a:rPr lang="ko-KR" altLang="en-US" sz="6600" dirty="0">
-                <a:solidFill>
-                  <a:srgbClr val="454442"/>
-                </a:solidFill>
-                <a:latin typeface="태나다체 " panose="02000000000000000000" pitchFamily="2" charset="-127"/>
-                <a:ea typeface="태나다체 " panose="02000000000000000000" pitchFamily="2" charset="-127"/>
-              </a:rPr>
-              <a:t>시크릿 히틀러</a:t>
-            </a:r>
-          </a:p>
-        </p:txBody>
-      </p:sp>
-      <p:sp>
-        <p:nvSpPr>
-          <p:cNvPr id="6" name="TextBox 5">
-            <a:extLst>
-              <a:ext uri="{FF2B5EF4-FFF2-40B4-BE49-F238E27FC236}">
-                <a16:creationId xmlns:a16="http://schemas.microsoft.com/office/drawing/2014/main" id="{EF2E4246-3D6D-B181-B571-B501554A15C4}"/>
-              </a:ext>
-            </a:extLst>
-          </p:cNvPr>
-          <p:cNvSpPr txBox="1"/>
-          <p:nvPr/>
-        </p:nvSpPr>
-        <p:spPr>
-          <a:xfrm rot="20717099">
-            <a:off x="5354907" y="1408209"/>
-            <a:ext cx="5738949" cy="1107996"/>
-          </a:xfrm>
-          <a:prstGeom prst="rect">
-            <a:avLst/>
-          </a:prstGeom>
-          <a:noFill/>
-        </p:spPr>
-        <p:txBody>
-          <a:bodyPr wrap="square" rtlCol="0">
-            <a:spAutoFit/>
-          </a:bodyPr>
-          <a:lstStyle/>
-          <a:p>
-            <a:r>
-              <a:rPr lang="ko-KR" altLang="en-US" sz="6600" dirty="0">
-                <a:solidFill>
-                  <a:srgbClr val="454442"/>
-                </a:solidFill>
-                <a:latin typeface="태나다체 " panose="02000000000000000000" pitchFamily="2" charset="-127"/>
-                <a:ea typeface="태나다체 " panose="02000000000000000000" pitchFamily="2" charset="-127"/>
-              </a:rPr>
-              <a:t>시크릿 히틀러</a:t>
-            </a:r>
-          </a:p>
-        </p:txBody>
-      </p:sp>
-      <p:sp>
-        <p:nvSpPr>
-          <p:cNvPr id="4" name="TextBox 3">
-            <a:extLst>
-              <a:ext uri="{FF2B5EF4-FFF2-40B4-BE49-F238E27FC236}">
-                <a16:creationId xmlns:a16="http://schemas.microsoft.com/office/drawing/2014/main" id="{752BBBB7-FE93-AD92-92B7-7E137D7100E6}"/>
-              </a:ext>
-            </a:extLst>
-          </p:cNvPr>
-          <p:cNvSpPr txBox="1"/>
-          <p:nvPr/>
-        </p:nvSpPr>
-        <p:spPr>
-          <a:xfrm rot="20717099">
-            <a:off x="2630838" y="4785171"/>
-            <a:ext cx="5738949" cy="1107996"/>
-          </a:xfrm>
-          <a:prstGeom prst="rect">
-            <a:avLst/>
-          </a:prstGeom>
-          <a:noFill/>
-        </p:spPr>
-        <p:txBody>
-          <a:bodyPr wrap="square" rtlCol="0">
-            <a:spAutoFit/>
-          </a:bodyPr>
-          <a:lstStyle/>
-          <a:p>
-            <a:r>
-              <a:rPr lang="ko-KR" altLang="en-US" sz="6600" dirty="0">
-                <a:solidFill>
-                  <a:srgbClr val="FFFFFF"/>
-                </a:solidFill>
-                <a:latin typeface="태나다체 " panose="02000000000000000000" pitchFamily="2" charset="-127"/>
-                <a:ea typeface="태나다체 " panose="02000000000000000000" pitchFamily="2" charset="-127"/>
-              </a:rPr>
-              <a:t>시크릿 히틀러</a:t>
-            </a:r>
-          </a:p>
-        </p:txBody>
-      </p:sp>
+            <a:pPr algn="ctr"/>
+            <a:endParaRPr lang="ko-KR" altLang="en-US"/>
+          </a:p>
+        </p:txBody>
+      </p:sp>
+      <p:pic>
+        <p:nvPicPr>
+          <p:cNvPr id="7" name="그림 6"/>
+          <p:cNvPicPr>
+            <a:picLocks noChangeAspect="1"/>
+          </p:cNvPicPr>
+          <p:nvPr/>
+        </p:nvPicPr>
+        <p:blipFill rotWithShape="1">
+          <a:blip r:embed="rId2">
+            <a:extLst>
+              <a:ext uri="{28A0092B-C50C-407E-A947-70E740481C1C}">
+                <a14:useLocalDpi xmlns:a14="http://schemas.microsoft.com/office/drawing/2010/main" val="0"/>
+              </a:ext>
+            </a:extLst>
+          </a:blip>
+          <a:srcRect l="63688" t="23963" r="20272" b="15864"/>
+          <a:stretch/>
+        </p:blipFill>
+        <p:spPr>
+          <a:xfrm>
+            <a:off x="7805651" y="1171360"/>
+            <a:ext cx="1039092" cy="1106327"/>
+          </a:xfrm>
+          <a:prstGeom prst="rect">
+            <a:avLst/>
+          </a:prstGeom>
+        </p:spPr>
+      </p:pic>
     </p:spTree>
     <p:extLst>
       <p:ext uri="{BB962C8B-B14F-4D97-AF65-F5344CB8AC3E}">
-        <p14:creationId xmlns:p14="http://schemas.microsoft.com/office/powerpoint/2010/main" val="3736449100"/>
+        <p14:creationId xmlns:p14="http://schemas.microsoft.com/office/powerpoint/2010/main" val="1970293384"/>
       </p:ext>
     </p:extLst>
   </p:cSld>
@@ -7868,1054 +8871,133 @@
           <a:chExt cx="0" cy="0"/>
         </a:xfrm>
       </p:grpSpPr>
-      <p:pic>
-        <p:nvPicPr>
-          <p:cNvPr id="7" name="그림 6" descr="텍스트, 포스터, 만화 영화, 디자인이(가) 표시된 사진&#10;&#10;자동 생성된 설명">
+      <p:sp>
+        <p:nvSpPr>
+          <p:cNvPr id="5" name="TextBox 4">
             <a:extLst>
               <a:ext uri="{FF2B5EF4-FFF2-40B4-BE49-F238E27FC236}">
-                <a16:creationId xmlns:a16="http://schemas.microsoft.com/office/drawing/2014/main" id="{2FAB0734-7502-F6E1-E461-459CBBD9E92D}"/>
+                <a16:creationId xmlns:a16="http://schemas.microsoft.com/office/drawing/2014/main" id="{EFDD0D8B-C1B5-288D-BF0F-372D0A3E9D47}"/>
               </a:ext>
             </a:extLst>
           </p:cNvPr>
-          <p:cNvPicPr>
-            <a:picLocks noChangeAspect="1"/>
-          </p:cNvPicPr>
-          <p:nvPr/>
-        </p:nvPicPr>
-        <p:blipFill>
-          <a:blip r:embed="rId2" cstate="print">
-            <a:extLst>
-              <a:ext uri="{28A0092B-C50C-407E-A947-70E740481C1C}">
-                <a14:useLocalDpi xmlns:a14="http://schemas.microsoft.com/office/drawing/2010/main" val="0"/>
-              </a:ext>
-            </a:extLst>
-          </a:blip>
-          <a:stretch>
-            <a:fillRect/>
-          </a:stretch>
-        </p:blipFill>
-        <p:spPr>
-          <a:xfrm>
-            <a:off x="6729009" y="5815582"/>
-            <a:ext cx="743714" cy="1042418"/>
-          </a:xfrm>
-          <a:prstGeom prst="rect">
-            <a:avLst/>
-          </a:prstGeom>
-        </p:spPr>
-      </p:pic>
-      <p:pic>
-        <p:nvPicPr>
-          <p:cNvPr id="9" name="그림 8" descr="텍스트, 포스터, 만화 영화, 선전이(가) 표시된 사진&#10;&#10;자동 생성된 설명">
+          <p:cNvSpPr txBox="1"/>
+          <p:nvPr/>
+        </p:nvSpPr>
+        <p:spPr>
+          <a:xfrm rot="20717099">
+            <a:off x="2717076" y="4839600"/>
+            <a:ext cx="5738949" cy="1107996"/>
+          </a:xfrm>
+          <a:prstGeom prst="rect">
+            <a:avLst/>
+          </a:prstGeom>
+          <a:noFill/>
+        </p:spPr>
+        <p:txBody>
+          <a:bodyPr wrap="square" rtlCol="0">
+            <a:spAutoFit/>
+          </a:bodyPr>
+          <a:lstStyle/>
+          <a:p>
+            <a:r>
+              <a:rPr lang="ko-KR" altLang="en-US" sz="6600" dirty="0">
+                <a:solidFill>
+                  <a:srgbClr val="454442"/>
+                </a:solidFill>
+                <a:latin typeface="태나다체 " panose="02000000000000000000" pitchFamily="2" charset="-127"/>
+                <a:ea typeface="태나다체 " panose="02000000000000000000" pitchFamily="2" charset="-127"/>
+              </a:rPr>
+              <a:t>시크릿 히틀러</a:t>
+            </a:r>
+          </a:p>
+        </p:txBody>
+      </p:sp>
+      <p:sp>
+        <p:nvSpPr>
+          <p:cNvPr id="6" name="TextBox 5">
             <a:extLst>
               <a:ext uri="{FF2B5EF4-FFF2-40B4-BE49-F238E27FC236}">
-                <a16:creationId xmlns:a16="http://schemas.microsoft.com/office/drawing/2014/main" id="{B474D533-2A0E-825B-8F3D-2ACA9F4DE7C4}"/>
+                <a16:creationId xmlns:a16="http://schemas.microsoft.com/office/drawing/2014/main" id="{EF2E4246-3D6D-B181-B571-B501554A15C4}"/>
               </a:ext>
             </a:extLst>
           </p:cNvPr>
-          <p:cNvPicPr>
-            <a:picLocks noChangeAspect="1"/>
-          </p:cNvPicPr>
-          <p:nvPr/>
-        </p:nvPicPr>
-        <p:blipFill>
-          <a:blip r:embed="rId3" cstate="print">
-            <a:extLst>
-              <a:ext uri="{28A0092B-C50C-407E-A947-70E740481C1C}">
-                <a14:useLocalDpi xmlns:a14="http://schemas.microsoft.com/office/drawing/2010/main" val="0"/>
-              </a:ext>
-            </a:extLst>
-          </a:blip>
-          <a:stretch>
-            <a:fillRect/>
-          </a:stretch>
-        </p:blipFill>
-        <p:spPr>
-          <a:xfrm>
-            <a:off x="4529825" y="5815582"/>
-            <a:ext cx="743714" cy="1042418"/>
-          </a:xfrm>
-          <a:prstGeom prst="rect">
-            <a:avLst/>
-          </a:prstGeom>
-        </p:spPr>
-      </p:pic>
-      <p:pic>
-        <p:nvPicPr>
-          <p:cNvPr id="11" name="그림 10" descr="텍스트, 포스터, 만화 영화, 책이(가) 표시된 사진&#10;&#10;자동 생성된 설명">
+          <p:cNvSpPr txBox="1"/>
+          <p:nvPr/>
+        </p:nvSpPr>
+        <p:spPr>
+          <a:xfrm rot="20717099">
+            <a:off x="5354907" y="1408209"/>
+            <a:ext cx="5738949" cy="1107996"/>
+          </a:xfrm>
+          <a:prstGeom prst="rect">
+            <a:avLst/>
+          </a:prstGeom>
+          <a:noFill/>
+        </p:spPr>
+        <p:txBody>
+          <a:bodyPr wrap="square" rtlCol="0">
+            <a:spAutoFit/>
+          </a:bodyPr>
+          <a:lstStyle/>
+          <a:p>
+            <a:r>
+              <a:rPr lang="ko-KR" altLang="en-US" sz="6600" dirty="0">
+                <a:solidFill>
+                  <a:srgbClr val="454442"/>
+                </a:solidFill>
+                <a:latin typeface="태나다체 " panose="02000000000000000000" pitchFamily="2" charset="-127"/>
+                <a:ea typeface="태나다체 " panose="02000000000000000000" pitchFamily="2" charset="-127"/>
+              </a:rPr>
+              <a:t>시크릿 히틀러</a:t>
+            </a:r>
+          </a:p>
+        </p:txBody>
+      </p:sp>
+      <p:sp>
+        <p:nvSpPr>
+          <p:cNvPr id="4" name="TextBox 3">
             <a:extLst>
               <a:ext uri="{FF2B5EF4-FFF2-40B4-BE49-F238E27FC236}">
-                <a16:creationId xmlns:a16="http://schemas.microsoft.com/office/drawing/2014/main" id="{E44A7E1D-4590-FE6C-54DE-3651E2C512FB}"/>
+                <a16:creationId xmlns:a16="http://schemas.microsoft.com/office/drawing/2014/main" id="{752BBBB7-FE93-AD92-92B7-7E137D7100E6}"/>
               </a:ext>
             </a:extLst>
           </p:cNvPr>
-          <p:cNvPicPr>
-            <a:picLocks noChangeAspect="1"/>
-          </p:cNvPicPr>
-          <p:nvPr/>
-        </p:nvPicPr>
-        <p:blipFill>
-          <a:blip r:embed="rId4" cstate="print">
-            <a:extLst>
-              <a:ext uri="{28A0092B-C50C-407E-A947-70E740481C1C}">
-                <a14:useLocalDpi xmlns:a14="http://schemas.microsoft.com/office/drawing/2010/main" val="0"/>
-              </a:ext>
-            </a:extLst>
-          </a:blip>
-          <a:stretch>
-            <a:fillRect/>
-          </a:stretch>
-        </p:blipFill>
-        <p:spPr>
-          <a:xfrm>
-            <a:off x="2330641" y="5847644"/>
-            <a:ext cx="743714" cy="1042418"/>
-          </a:xfrm>
-          <a:prstGeom prst="rect">
-            <a:avLst/>
-          </a:prstGeom>
-        </p:spPr>
-      </p:pic>
-      <p:pic>
-        <p:nvPicPr>
-          <p:cNvPr id="13" name="그림 12" descr="텍스트, 만화 영화이(가) 표시된 사진&#10;&#10;자동 생성된 설명">
-            <a:extLst>
-              <a:ext uri="{FF2B5EF4-FFF2-40B4-BE49-F238E27FC236}">
-                <a16:creationId xmlns:a16="http://schemas.microsoft.com/office/drawing/2014/main" id="{21841E63-62B0-1877-5AF9-F8D4D5A6FC8C}"/>
-              </a:ext>
-            </a:extLst>
-          </p:cNvPr>
-          <p:cNvPicPr>
-            <a:picLocks noChangeAspect="1"/>
-          </p:cNvPicPr>
-          <p:nvPr/>
-        </p:nvPicPr>
-        <p:blipFill>
-          <a:blip r:embed="rId5" cstate="print">
-            <a:extLst>
-              <a:ext uri="{28A0092B-C50C-407E-A947-70E740481C1C}">
-                <a14:useLocalDpi xmlns:a14="http://schemas.microsoft.com/office/drawing/2010/main" val="0"/>
-              </a:ext>
-            </a:extLst>
-          </a:blip>
-          <a:stretch>
-            <a:fillRect/>
-          </a:stretch>
-        </p:blipFill>
-        <p:spPr>
-          <a:xfrm>
-            <a:off x="8923058" y="5815582"/>
-            <a:ext cx="743714" cy="1042418"/>
-          </a:xfrm>
-          <a:prstGeom prst="rect">
-            <a:avLst/>
-          </a:prstGeom>
-        </p:spPr>
-      </p:pic>
-      <p:pic>
-        <p:nvPicPr>
-          <p:cNvPr id="15" name="그림 14" descr="텍스트, 포스터, 만화 영화, 디자인이(가) 표시된 사진&#10;&#10;자동 생성된 설명">
-            <a:extLst>
-              <a:ext uri="{FF2B5EF4-FFF2-40B4-BE49-F238E27FC236}">
-                <a16:creationId xmlns:a16="http://schemas.microsoft.com/office/drawing/2014/main" id="{970DA616-823A-D753-2966-B73BCD95EAE2}"/>
-              </a:ext>
-            </a:extLst>
-          </p:cNvPr>
-          <p:cNvPicPr>
-            <a:picLocks noChangeAspect="1"/>
-          </p:cNvPicPr>
-          <p:nvPr/>
-        </p:nvPicPr>
-        <p:blipFill>
-          <a:blip r:embed="rId6" cstate="print">
-            <a:extLst>
-              <a:ext uri="{28A0092B-C50C-407E-A947-70E740481C1C}">
-                <a14:useLocalDpi xmlns:a14="http://schemas.microsoft.com/office/drawing/2010/main" val="0"/>
-              </a:ext>
-            </a:extLst>
-          </a:blip>
-          <a:stretch>
-            <a:fillRect/>
-          </a:stretch>
-        </p:blipFill>
-        <p:spPr>
-          <a:xfrm>
-            <a:off x="5629417" y="5847644"/>
-            <a:ext cx="743714" cy="1042418"/>
-          </a:xfrm>
-          <a:prstGeom prst="rect">
-            <a:avLst/>
-          </a:prstGeom>
-        </p:spPr>
-      </p:pic>
-      <p:pic>
-        <p:nvPicPr>
-          <p:cNvPr id="17" name="그림 16" descr="만화 영화, 모자, 인간의 얼굴, 포스터이(가) 표시된 사진&#10;&#10;자동 생성된 설명">
-            <a:extLst>
-              <a:ext uri="{FF2B5EF4-FFF2-40B4-BE49-F238E27FC236}">
-                <a16:creationId xmlns:a16="http://schemas.microsoft.com/office/drawing/2014/main" id="{C5EF76EF-721B-9F17-ADC4-211E695E1A3B}"/>
-              </a:ext>
-            </a:extLst>
-          </p:cNvPr>
-          <p:cNvPicPr>
-            <a:picLocks noChangeAspect="1"/>
-          </p:cNvPicPr>
-          <p:nvPr/>
-        </p:nvPicPr>
-        <p:blipFill>
-          <a:blip r:embed="rId7" cstate="print">
-            <a:extLst>
-              <a:ext uri="{28A0092B-C50C-407E-A947-70E740481C1C}">
-                <a14:useLocalDpi xmlns:a14="http://schemas.microsoft.com/office/drawing/2010/main" val="0"/>
-              </a:ext>
-            </a:extLst>
-          </a:blip>
-          <a:stretch>
-            <a:fillRect/>
-          </a:stretch>
-        </p:blipFill>
-        <p:spPr>
-          <a:xfrm>
-            <a:off x="3430233" y="5815582"/>
-            <a:ext cx="743714" cy="1042418"/>
-          </a:xfrm>
-          <a:prstGeom prst="rect">
-            <a:avLst/>
-          </a:prstGeom>
-        </p:spPr>
-      </p:pic>
-      <p:pic>
-        <p:nvPicPr>
-          <p:cNvPr id="19" name="그림 18" descr="텍스트, 만화 영화, 포스터, 클립아트이(가) 표시된 사진&#10;&#10;자동 생성된 설명">
-            <a:extLst>
-              <a:ext uri="{FF2B5EF4-FFF2-40B4-BE49-F238E27FC236}">
-                <a16:creationId xmlns:a16="http://schemas.microsoft.com/office/drawing/2014/main" id="{75A121D5-4A6E-7A5C-F27B-1EDAECBDCF4C}"/>
-              </a:ext>
-            </a:extLst>
-          </p:cNvPr>
-          <p:cNvPicPr>
-            <a:picLocks noChangeAspect="1"/>
-          </p:cNvPicPr>
-          <p:nvPr/>
-        </p:nvPicPr>
-        <p:blipFill>
-          <a:blip r:embed="rId8" cstate="print">
-            <a:extLst>
-              <a:ext uri="{28A0092B-C50C-407E-A947-70E740481C1C}">
-                <a14:useLocalDpi xmlns:a14="http://schemas.microsoft.com/office/drawing/2010/main" val="0"/>
-              </a:ext>
-            </a:extLst>
-          </a:blip>
-          <a:stretch>
-            <a:fillRect/>
-          </a:stretch>
-        </p:blipFill>
-        <p:spPr>
-          <a:xfrm>
-            <a:off x="1231049" y="5847644"/>
-            <a:ext cx="743714" cy="1042418"/>
-          </a:xfrm>
-          <a:prstGeom prst="rect">
-            <a:avLst/>
-          </a:prstGeom>
-        </p:spPr>
-      </p:pic>
-      <p:pic>
-        <p:nvPicPr>
-          <p:cNvPr id="21" name="그림 20" descr="텍스트, 포스터, 인간의 얼굴, 만화 영화이(가) 표시된 사진&#10;&#10;자동 생성된 설명">
-            <a:extLst>
-              <a:ext uri="{FF2B5EF4-FFF2-40B4-BE49-F238E27FC236}">
-                <a16:creationId xmlns:a16="http://schemas.microsoft.com/office/drawing/2014/main" id="{8B449626-D9AC-D758-4608-965606E32BD2}"/>
-              </a:ext>
-            </a:extLst>
-          </p:cNvPr>
-          <p:cNvPicPr>
-            <a:picLocks noChangeAspect="1"/>
-          </p:cNvPicPr>
-          <p:nvPr/>
-        </p:nvPicPr>
-        <p:blipFill>
-          <a:blip r:embed="rId9" cstate="print">
-            <a:extLst>
-              <a:ext uri="{28A0092B-C50C-407E-A947-70E740481C1C}">
-                <a14:useLocalDpi xmlns:a14="http://schemas.microsoft.com/office/drawing/2010/main" val="0"/>
-              </a:ext>
-            </a:extLst>
-          </a:blip>
-          <a:stretch>
-            <a:fillRect/>
-          </a:stretch>
-        </p:blipFill>
-        <p:spPr>
-          <a:xfrm>
-            <a:off x="7828601" y="5815582"/>
-            <a:ext cx="743714" cy="1042418"/>
-          </a:xfrm>
-          <a:prstGeom prst="rect">
-            <a:avLst/>
-          </a:prstGeom>
-        </p:spPr>
-      </p:pic>
-      <p:pic>
-        <p:nvPicPr>
-          <p:cNvPr id="23" name="그림 22" descr="텍스트, 포스터, 만화 영화, 책이(가) 표시된 사진&#10;&#10;자동 생성된 설명">
-            <a:extLst>
-              <a:ext uri="{FF2B5EF4-FFF2-40B4-BE49-F238E27FC236}">
-                <a16:creationId xmlns:a16="http://schemas.microsoft.com/office/drawing/2014/main" id="{228A5ED4-7957-EE55-5833-865BD217C543}"/>
-              </a:ext>
-            </a:extLst>
-          </p:cNvPr>
-          <p:cNvPicPr>
-            <a:picLocks noChangeAspect="1"/>
-          </p:cNvPicPr>
-          <p:nvPr/>
-        </p:nvPicPr>
-        <p:blipFill>
-          <a:blip r:embed="rId10" cstate="print">
-            <a:extLst>
-              <a:ext uri="{28A0092B-C50C-407E-A947-70E740481C1C}">
-                <a14:useLocalDpi xmlns:a14="http://schemas.microsoft.com/office/drawing/2010/main" val="0"/>
-              </a:ext>
-            </a:extLst>
-          </a:blip>
-          <a:stretch>
-            <a:fillRect/>
-          </a:stretch>
-        </p:blipFill>
-        <p:spPr>
-          <a:xfrm>
-            <a:off x="131457" y="5815582"/>
-            <a:ext cx="743714" cy="1042418"/>
-          </a:xfrm>
-          <a:prstGeom prst="rect">
-            <a:avLst/>
-          </a:prstGeom>
-        </p:spPr>
-      </p:pic>
-      <p:pic>
-        <p:nvPicPr>
-          <p:cNvPr id="24" name="그림 23" descr="텍스트, 포스터, 만화 영화, 책이(가) 표시된 사진&#10;&#10;자동 생성된 설명">
-            <a:extLst>
-              <a:ext uri="{FF2B5EF4-FFF2-40B4-BE49-F238E27FC236}">
-                <a16:creationId xmlns:a16="http://schemas.microsoft.com/office/drawing/2014/main" id="{2B600586-208D-EF93-3133-CAF963BFFCE5}"/>
-              </a:ext>
-            </a:extLst>
-          </p:cNvPr>
-          <p:cNvPicPr>
-            <a:picLocks noChangeAspect="1"/>
-          </p:cNvPicPr>
-          <p:nvPr/>
-        </p:nvPicPr>
-        <p:blipFill>
-          <a:blip r:embed="rId10" cstate="print">
-            <a:extLst>
-              <a:ext uri="{28A0092B-C50C-407E-A947-70E740481C1C}">
-                <a14:useLocalDpi xmlns:a14="http://schemas.microsoft.com/office/drawing/2010/main" val="0"/>
-              </a:ext>
-            </a:extLst>
-          </a:blip>
-          <a:stretch>
-            <a:fillRect/>
-          </a:stretch>
-        </p:blipFill>
-        <p:spPr>
-          <a:xfrm>
-            <a:off x="10017515" y="5847644"/>
-            <a:ext cx="743714" cy="1042418"/>
-          </a:xfrm>
-          <a:prstGeom prst="rect">
-            <a:avLst/>
-          </a:prstGeom>
-        </p:spPr>
-      </p:pic>
-      <p:pic>
-        <p:nvPicPr>
-          <p:cNvPr id="25" name="그림 24" descr="텍스트, 만화 영화, 포스터, 클립아트이(가) 표시된 사진&#10;&#10;자동 생성된 설명">
-            <a:extLst>
-              <a:ext uri="{FF2B5EF4-FFF2-40B4-BE49-F238E27FC236}">
-                <a16:creationId xmlns:a16="http://schemas.microsoft.com/office/drawing/2014/main" id="{19F15D8E-A28B-E2B8-6F6D-511AAFB7E523}"/>
-              </a:ext>
-            </a:extLst>
-          </p:cNvPr>
-          <p:cNvPicPr>
-            <a:picLocks noChangeAspect="1"/>
-          </p:cNvPicPr>
-          <p:nvPr/>
-        </p:nvPicPr>
-        <p:blipFill>
-          <a:blip r:embed="rId8" cstate="print">
-            <a:extLst>
-              <a:ext uri="{28A0092B-C50C-407E-A947-70E740481C1C}">
-                <a14:useLocalDpi xmlns:a14="http://schemas.microsoft.com/office/drawing/2010/main" val="0"/>
-              </a:ext>
-            </a:extLst>
-          </a:blip>
-          <a:stretch>
-            <a:fillRect/>
-          </a:stretch>
-        </p:blipFill>
-        <p:spPr>
-          <a:xfrm>
-            <a:off x="11111972" y="5847644"/>
-            <a:ext cx="743714" cy="1042418"/>
-          </a:xfrm>
-          <a:prstGeom prst="rect">
-            <a:avLst/>
-          </a:prstGeom>
-        </p:spPr>
-      </p:pic>
-      <p:pic>
-        <p:nvPicPr>
-          <p:cNvPr id="26" name="그림 25" descr="텍스트, 포스터, 만화 영화, 책이(가) 표시된 사진&#10;&#10;자동 생성된 설명">
-            <a:extLst>
-              <a:ext uri="{FF2B5EF4-FFF2-40B4-BE49-F238E27FC236}">
-                <a16:creationId xmlns:a16="http://schemas.microsoft.com/office/drawing/2014/main" id="{6724CCA1-EC6E-CCCA-01F9-208DF083479D}"/>
-              </a:ext>
-            </a:extLst>
-          </p:cNvPr>
-          <p:cNvPicPr>
-            <a:picLocks noChangeAspect="1"/>
-          </p:cNvPicPr>
-          <p:nvPr/>
-        </p:nvPicPr>
-        <p:blipFill>
-          <a:blip r:embed="rId4" cstate="print">
-            <a:extLst>
-              <a:ext uri="{28A0092B-C50C-407E-A947-70E740481C1C}">
-                <a14:useLocalDpi xmlns:a14="http://schemas.microsoft.com/office/drawing/2010/main" val="0"/>
-              </a:ext>
-            </a:extLst>
-          </a:blip>
-          <a:stretch>
-            <a:fillRect/>
-          </a:stretch>
-        </p:blipFill>
-        <p:spPr>
-          <a:xfrm>
-            <a:off x="12206429" y="5847644"/>
-            <a:ext cx="743714" cy="1042418"/>
-          </a:xfrm>
-          <a:prstGeom prst="rect">
-            <a:avLst/>
-          </a:prstGeom>
-        </p:spPr>
-      </p:pic>
-      <p:pic>
-        <p:nvPicPr>
-          <p:cNvPr id="27" name="그림 26" descr="만화 영화, 모자, 인간의 얼굴, 포스터이(가) 표시된 사진&#10;&#10;자동 생성된 설명">
-            <a:extLst>
-              <a:ext uri="{FF2B5EF4-FFF2-40B4-BE49-F238E27FC236}">
-                <a16:creationId xmlns:a16="http://schemas.microsoft.com/office/drawing/2014/main" id="{8A861E8C-C73E-9648-7B8B-08660A7D1E7A}"/>
-              </a:ext>
-            </a:extLst>
-          </p:cNvPr>
-          <p:cNvPicPr>
-            <a:picLocks noChangeAspect="1"/>
-          </p:cNvPicPr>
-          <p:nvPr/>
-        </p:nvPicPr>
-        <p:blipFill>
-          <a:blip r:embed="rId7" cstate="print">
-            <a:extLst>
-              <a:ext uri="{28A0092B-C50C-407E-A947-70E740481C1C}">
-                <a14:useLocalDpi xmlns:a14="http://schemas.microsoft.com/office/drawing/2010/main" val="0"/>
-              </a:ext>
-            </a:extLst>
-          </a:blip>
-          <a:stretch>
-            <a:fillRect/>
-          </a:stretch>
-        </p:blipFill>
-        <p:spPr>
-          <a:xfrm>
-            <a:off x="13300886" y="5847644"/>
-            <a:ext cx="743714" cy="1042418"/>
-          </a:xfrm>
-          <a:prstGeom prst="rect">
-            <a:avLst/>
-          </a:prstGeom>
-        </p:spPr>
-      </p:pic>
-      <p:pic>
-        <p:nvPicPr>
-          <p:cNvPr id="28" name="그림 27" descr="텍스트, 포스터, 만화 영화, 디자인이(가) 표시된 사진&#10;&#10;자동 생성된 설명">
-            <a:extLst>
-              <a:ext uri="{FF2B5EF4-FFF2-40B4-BE49-F238E27FC236}">
-                <a16:creationId xmlns:a16="http://schemas.microsoft.com/office/drawing/2014/main" id="{E8101ACA-27F9-04E6-B6F7-897AF1A1FBFA}"/>
-              </a:ext>
-            </a:extLst>
-          </p:cNvPr>
-          <p:cNvPicPr>
-            <a:picLocks noChangeAspect="1"/>
-          </p:cNvPicPr>
-          <p:nvPr/>
-        </p:nvPicPr>
-        <p:blipFill>
-          <a:blip r:embed="rId6" cstate="print">
-            <a:extLst>
-              <a:ext uri="{28A0092B-C50C-407E-A947-70E740481C1C}">
-                <a14:useLocalDpi xmlns:a14="http://schemas.microsoft.com/office/drawing/2010/main" val="0"/>
-              </a:ext>
-            </a:extLst>
-          </a:blip>
-          <a:stretch>
-            <a:fillRect/>
-          </a:stretch>
-        </p:blipFill>
-        <p:spPr>
-          <a:xfrm>
-            <a:off x="-957865" y="5815582"/>
-            <a:ext cx="743714" cy="1042418"/>
-          </a:xfrm>
-          <a:prstGeom prst="rect">
-            <a:avLst/>
-          </a:prstGeom>
-        </p:spPr>
-      </p:pic>
-      <p:pic>
-        <p:nvPicPr>
-          <p:cNvPr id="29" name="그림 28" descr="텍스트, 포스터, 만화 영화, 선전이(가) 표시된 사진&#10;&#10;자동 생성된 설명">
-            <a:extLst>
-              <a:ext uri="{FF2B5EF4-FFF2-40B4-BE49-F238E27FC236}">
-                <a16:creationId xmlns:a16="http://schemas.microsoft.com/office/drawing/2014/main" id="{B9CF0A8C-9D8B-4819-27AB-5ADB7ECF17E0}"/>
-              </a:ext>
-            </a:extLst>
-          </p:cNvPr>
-          <p:cNvPicPr>
-            <a:picLocks noChangeAspect="1"/>
-          </p:cNvPicPr>
-          <p:nvPr/>
-        </p:nvPicPr>
-        <p:blipFill>
-          <a:blip r:embed="rId3" cstate="print">
-            <a:extLst>
-              <a:ext uri="{28A0092B-C50C-407E-A947-70E740481C1C}">
-                <a14:useLocalDpi xmlns:a14="http://schemas.microsoft.com/office/drawing/2010/main" val="0"/>
-              </a:ext>
-            </a:extLst>
-          </a:blip>
-          <a:stretch>
-            <a:fillRect/>
-          </a:stretch>
-        </p:blipFill>
-        <p:spPr>
-          <a:xfrm>
-            <a:off x="-2047187" y="5815582"/>
-            <a:ext cx="743714" cy="1042418"/>
-          </a:xfrm>
-          <a:prstGeom prst="rect">
-            <a:avLst/>
-          </a:prstGeom>
-        </p:spPr>
-      </p:pic>
-      <p:pic>
-        <p:nvPicPr>
-          <p:cNvPr id="30" name="그림 29" descr="텍스트, 만화 영화이(가) 표시된 사진&#10;&#10;자동 생성된 설명">
-            <a:extLst>
-              <a:ext uri="{FF2B5EF4-FFF2-40B4-BE49-F238E27FC236}">
-                <a16:creationId xmlns:a16="http://schemas.microsoft.com/office/drawing/2014/main" id="{88159084-33BF-65DC-18D2-E9111BCEFB36}"/>
-              </a:ext>
-            </a:extLst>
-          </p:cNvPr>
-          <p:cNvPicPr>
-            <a:picLocks noChangeAspect="1"/>
-          </p:cNvPicPr>
-          <p:nvPr/>
-        </p:nvPicPr>
-        <p:blipFill>
-          <a:blip r:embed="rId5" cstate="print">
-            <a:extLst>
-              <a:ext uri="{28A0092B-C50C-407E-A947-70E740481C1C}">
-                <a14:useLocalDpi xmlns:a14="http://schemas.microsoft.com/office/drawing/2010/main" val="0"/>
-              </a:ext>
-            </a:extLst>
-          </a:blip>
-          <a:stretch>
-            <a:fillRect/>
-          </a:stretch>
-        </p:blipFill>
-        <p:spPr>
-          <a:xfrm>
-            <a:off x="-3136509" y="5847644"/>
-            <a:ext cx="743714" cy="1042418"/>
-          </a:xfrm>
-          <a:prstGeom prst="rect">
-            <a:avLst/>
-          </a:prstGeom>
-        </p:spPr>
-      </p:pic>
-      <p:pic>
-        <p:nvPicPr>
-          <p:cNvPr id="31" name="그림 30" descr="텍스트, 포스터, 인간의 얼굴, 만화 영화이(가) 표시된 사진&#10;&#10;자동 생성된 설명">
-            <a:extLst>
-              <a:ext uri="{FF2B5EF4-FFF2-40B4-BE49-F238E27FC236}">
-                <a16:creationId xmlns:a16="http://schemas.microsoft.com/office/drawing/2014/main" id="{B559585C-CB63-FE50-D5FD-5C5D8EE37FA6}"/>
-              </a:ext>
-            </a:extLst>
-          </p:cNvPr>
-          <p:cNvPicPr>
-            <a:picLocks noChangeAspect="1"/>
-          </p:cNvPicPr>
-          <p:nvPr/>
-        </p:nvPicPr>
-        <p:blipFill>
-          <a:blip r:embed="rId9" cstate="print">
-            <a:extLst>
-              <a:ext uri="{28A0092B-C50C-407E-A947-70E740481C1C}">
-                <a14:useLocalDpi xmlns:a14="http://schemas.microsoft.com/office/drawing/2010/main" val="0"/>
-              </a:ext>
-            </a:extLst>
-          </a:blip>
-          <a:stretch>
-            <a:fillRect/>
-          </a:stretch>
-        </p:blipFill>
-        <p:spPr>
-          <a:xfrm>
-            <a:off x="-4236101" y="5847644"/>
-            <a:ext cx="743714" cy="1042418"/>
-          </a:xfrm>
-          <a:prstGeom prst="rect">
-            <a:avLst/>
-          </a:prstGeom>
-        </p:spPr>
-      </p:pic>
-      <p:pic>
-        <p:nvPicPr>
-          <p:cNvPr id="32" name="그림 31" descr="텍스트, 포스터, 만화 영화, 디자인이(가) 표시된 사진&#10;&#10;자동 생성된 설명">
-            <a:extLst>
-              <a:ext uri="{FF2B5EF4-FFF2-40B4-BE49-F238E27FC236}">
-                <a16:creationId xmlns:a16="http://schemas.microsoft.com/office/drawing/2014/main" id="{FC6F69A0-1EE6-579A-D870-C7E220005258}"/>
-              </a:ext>
-            </a:extLst>
-          </p:cNvPr>
-          <p:cNvPicPr>
-            <a:picLocks noChangeAspect="1"/>
-          </p:cNvPicPr>
-          <p:nvPr/>
-        </p:nvPicPr>
-        <p:blipFill>
-          <a:blip r:embed="rId2" cstate="print">
-            <a:extLst>
-              <a:ext uri="{28A0092B-C50C-407E-A947-70E740481C1C}">
-                <a14:useLocalDpi xmlns:a14="http://schemas.microsoft.com/office/drawing/2010/main" val="0"/>
-              </a:ext>
-            </a:extLst>
-          </a:blip>
-          <a:stretch>
-            <a:fillRect/>
-          </a:stretch>
-        </p:blipFill>
-        <p:spPr>
-          <a:xfrm>
-            <a:off x="-5325423" y="5847644"/>
-            <a:ext cx="743714" cy="1042418"/>
-          </a:xfrm>
-          <a:prstGeom prst="rect">
-            <a:avLst/>
-          </a:prstGeom>
-        </p:spPr>
-      </p:pic>
-      <p:pic>
-        <p:nvPicPr>
-          <p:cNvPr id="33" name="그림 32" descr="만화 영화, 모자, 인간의 얼굴, 포스터이(가) 표시된 사진&#10;&#10;자동 생성된 설명">
-            <a:extLst>
-              <a:ext uri="{FF2B5EF4-FFF2-40B4-BE49-F238E27FC236}">
-                <a16:creationId xmlns:a16="http://schemas.microsoft.com/office/drawing/2014/main" id="{814FEED1-0F28-C31A-EA46-4E4F74E86BF9}"/>
-              </a:ext>
-            </a:extLst>
-          </p:cNvPr>
-          <p:cNvPicPr>
-            <a:picLocks noChangeAspect="1"/>
-          </p:cNvPicPr>
-          <p:nvPr/>
-        </p:nvPicPr>
-        <p:blipFill>
-          <a:blip r:embed="rId7" cstate="print">
-            <a:extLst>
-              <a:ext uri="{28A0092B-C50C-407E-A947-70E740481C1C}">
-                <a14:useLocalDpi xmlns:a14="http://schemas.microsoft.com/office/drawing/2010/main" val="0"/>
-              </a:ext>
-            </a:extLst>
-          </a:blip>
-          <a:stretch>
-            <a:fillRect/>
-          </a:stretch>
-        </p:blipFill>
-        <p:spPr>
-          <a:xfrm>
-            <a:off x="-6419880" y="5847644"/>
-            <a:ext cx="743714" cy="1042418"/>
-          </a:xfrm>
-          <a:prstGeom prst="rect">
-            <a:avLst/>
-          </a:prstGeom>
-        </p:spPr>
-      </p:pic>
-      <p:pic>
-        <p:nvPicPr>
-          <p:cNvPr id="34" name="그림 33" descr="텍스트, 포스터, 만화 영화, 책이(가) 표시된 사진&#10;&#10;자동 생성된 설명">
-            <a:extLst>
-              <a:ext uri="{FF2B5EF4-FFF2-40B4-BE49-F238E27FC236}">
-                <a16:creationId xmlns:a16="http://schemas.microsoft.com/office/drawing/2014/main" id="{D8C16545-AB70-5617-6F4E-C1B943AAF818}"/>
-              </a:ext>
-            </a:extLst>
-          </p:cNvPr>
-          <p:cNvPicPr>
-            <a:picLocks noChangeAspect="1"/>
-          </p:cNvPicPr>
-          <p:nvPr/>
-        </p:nvPicPr>
-        <p:blipFill>
-          <a:blip r:embed="rId4" cstate="print">
-            <a:extLst>
-              <a:ext uri="{28A0092B-C50C-407E-A947-70E740481C1C}">
-                <a14:useLocalDpi xmlns:a14="http://schemas.microsoft.com/office/drawing/2010/main" val="0"/>
-              </a:ext>
-            </a:extLst>
-          </a:blip>
-          <a:stretch>
-            <a:fillRect/>
-          </a:stretch>
-        </p:blipFill>
-        <p:spPr>
-          <a:xfrm>
-            <a:off x="-8603659" y="5847644"/>
-            <a:ext cx="743714" cy="1042418"/>
-          </a:xfrm>
-          <a:prstGeom prst="rect">
-            <a:avLst/>
-          </a:prstGeom>
-        </p:spPr>
-      </p:pic>
-      <p:pic>
-        <p:nvPicPr>
-          <p:cNvPr id="35" name="그림 34" descr="만화 영화, 모자, 인간의 얼굴, 포스터이(가) 표시된 사진&#10;&#10;자동 생성된 설명">
-            <a:extLst>
-              <a:ext uri="{FF2B5EF4-FFF2-40B4-BE49-F238E27FC236}">
-                <a16:creationId xmlns:a16="http://schemas.microsoft.com/office/drawing/2014/main" id="{2425423D-A23E-9B44-DD64-66504B310445}"/>
-              </a:ext>
-            </a:extLst>
-          </p:cNvPr>
-          <p:cNvPicPr>
-            <a:picLocks noChangeAspect="1"/>
-          </p:cNvPicPr>
-          <p:nvPr/>
-        </p:nvPicPr>
-        <p:blipFill>
-          <a:blip r:embed="rId7" cstate="print">
-            <a:extLst>
-              <a:ext uri="{28A0092B-C50C-407E-A947-70E740481C1C}">
-                <a14:useLocalDpi xmlns:a14="http://schemas.microsoft.com/office/drawing/2010/main" val="0"/>
-              </a:ext>
-            </a:extLst>
-          </a:blip>
-          <a:stretch>
-            <a:fillRect/>
-          </a:stretch>
-        </p:blipFill>
-        <p:spPr>
-          <a:xfrm>
-            <a:off x="-7504067" y="5815582"/>
-            <a:ext cx="743714" cy="1042418"/>
-          </a:xfrm>
-          <a:prstGeom prst="rect">
-            <a:avLst/>
-          </a:prstGeom>
-        </p:spPr>
-      </p:pic>
-      <p:pic>
-        <p:nvPicPr>
-          <p:cNvPr id="36" name="그림 35" descr="텍스트, 만화 영화, 포스터, 클립아트이(가) 표시된 사진&#10;&#10;자동 생성된 설명">
-            <a:extLst>
-              <a:ext uri="{FF2B5EF4-FFF2-40B4-BE49-F238E27FC236}">
-                <a16:creationId xmlns:a16="http://schemas.microsoft.com/office/drawing/2014/main" id="{248EFE92-DD3C-421D-9A29-C6DDB15C2007}"/>
-              </a:ext>
-            </a:extLst>
-          </p:cNvPr>
-          <p:cNvPicPr>
-            <a:picLocks noChangeAspect="1"/>
-          </p:cNvPicPr>
-          <p:nvPr/>
-        </p:nvPicPr>
-        <p:blipFill>
-          <a:blip r:embed="rId8" cstate="print">
-            <a:extLst>
-              <a:ext uri="{28A0092B-C50C-407E-A947-70E740481C1C}">
-                <a14:useLocalDpi xmlns:a14="http://schemas.microsoft.com/office/drawing/2010/main" val="0"/>
-              </a:ext>
-            </a:extLst>
-          </a:blip>
-          <a:stretch>
-            <a:fillRect/>
-          </a:stretch>
-        </p:blipFill>
-        <p:spPr>
-          <a:xfrm>
-            <a:off x="-9703251" y="5847644"/>
-            <a:ext cx="743714" cy="1042418"/>
-          </a:xfrm>
-          <a:prstGeom prst="rect">
-            <a:avLst/>
-          </a:prstGeom>
-        </p:spPr>
-      </p:pic>
-      <p:pic>
-        <p:nvPicPr>
-          <p:cNvPr id="37" name="그림 36" descr="텍스트, 포스터, 만화 영화, 책이(가) 표시된 사진&#10;&#10;자동 생성된 설명">
-            <a:extLst>
-              <a:ext uri="{FF2B5EF4-FFF2-40B4-BE49-F238E27FC236}">
-                <a16:creationId xmlns:a16="http://schemas.microsoft.com/office/drawing/2014/main" id="{C6969029-98E6-096D-706E-22D2FAB25B2C}"/>
-              </a:ext>
-            </a:extLst>
-          </p:cNvPr>
-          <p:cNvPicPr>
-            <a:picLocks noChangeAspect="1"/>
-          </p:cNvPicPr>
-          <p:nvPr/>
-        </p:nvPicPr>
-        <p:blipFill>
-          <a:blip r:embed="rId10" cstate="print">
-            <a:extLst>
-              <a:ext uri="{28A0092B-C50C-407E-A947-70E740481C1C}">
-                <a14:useLocalDpi xmlns:a14="http://schemas.microsoft.com/office/drawing/2010/main" val="0"/>
-              </a:ext>
-            </a:extLst>
-          </a:blip>
-          <a:stretch>
-            <a:fillRect/>
-          </a:stretch>
-        </p:blipFill>
-        <p:spPr>
-          <a:xfrm>
-            <a:off x="-10802843" y="5815582"/>
-            <a:ext cx="743714" cy="1042418"/>
-          </a:xfrm>
-          <a:prstGeom prst="rect">
-            <a:avLst/>
-          </a:prstGeom>
-        </p:spPr>
-      </p:pic>
-      <p:pic>
-        <p:nvPicPr>
-          <p:cNvPr id="38" name="그림 37" descr="텍스트, 포스터, 만화 영화, 디자인이(가) 표시된 사진&#10;&#10;자동 생성된 설명">
-            <a:extLst>
-              <a:ext uri="{FF2B5EF4-FFF2-40B4-BE49-F238E27FC236}">
-                <a16:creationId xmlns:a16="http://schemas.microsoft.com/office/drawing/2014/main" id="{26955A08-B628-6519-525F-D97A521143EF}"/>
-              </a:ext>
-            </a:extLst>
-          </p:cNvPr>
-          <p:cNvPicPr>
-            <a:picLocks noChangeAspect="1"/>
-          </p:cNvPicPr>
-          <p:nvPr/>
-        </p:nvPicPr>
-        <p:blipFill>
-          <a:blip r:embed="rId6" cstate="print">
-            <a:extLst>
-              <a:ext uri="{28A0092B-C50C-407E-A947-70E740481C1C}">
-                <a14:useLocalDpi xmlns:a14="http://schemas.microsoft.com/office/drawing/2010/main" val="0"/>
-              </a:ext>
-            </a:extLst>
-          </a:blip>
-          <a:stretch>
-            <a:fillRect/>
-          </a:stretch>
-        </p:blipFill>
-        <p:spPr>
-          <a:xfrm>
-            <a:off x="-11892165" y="5815582"/>
-            <a:ext cx="743714" cy="1042418"/>
-          </a:xfrm>
-          <a:prstGeom prst="rect">
-            <a:avLst/>
-          </a:prstGeom>
-        </p:spPr>
-      </p:pic>
-      <p:pic>
-        <p:nvPicPr>
-          <p:cNvPr id="39" name="그림 38" descr="텍스트, 포스터, 만화 영화, 선전이(가) 표시된 사진&#10;&#10;자동 생성된 설명">
-            <a:extLst>
-              <a:ext uri="{FF2B5EF4-FFF2-40B4-BE49-F238E27FC236}">
-                <a16:creationId xmlns:a16="http://schemas.microsoft.com/office/drawing/2014/main" id="{6DC62575-AF8F-C756-932E-D8816AA827FB}"/>
-              </a:ext>
-            </a:extLst>
-          </p:cNvPr>
-          <p:cNvPicPr>
-            <a:picLocks noChangeAspect="1"/>
-          </p:cNvPicPr>
-          <p:nvPr/>
-        </p:nvPicPr>
-        <p:blipFill>
-          <a:blip r:embed="rId3" cstate="print">
-            <a:extLst>
-              <a:ext uri="{28A0092B-C50C-407E-A947-70E740481C1C}">
-                <a14:useLocalDpi xmlns:a14="http://schemas.microsoft.com/office/drawing/2010/main" val="0"/>
-              </a:ext>
-            </a:extLst>
-          </a:blip>
-          <a:stretch>
-            <a:fillRect/>
-          </a:stretch>
-        </p:blipFill>
-        <p:spPr>
-          <a:xfrm>
-            <a:off x="-12981487" y="5815582"/>
-            <a:ext cx="743714" cy="1042418"/>
-          </a:xfrm>
-          <a:prstGeom prst="rect">
-            <a:avLst/>
-          </a:prstGeom>
-        </p:spPr>
-      </p:pic>
-      <p:pic>
-        <p:nvPicPr>
-          <p:cNvPr id="40" name="그림 39" descr="텍스트, 만화 영화이(가) 표시된 사진&#10;&#10;자동 생성된 설명">
-            <a:extLst>
-              <a:ext uri="{FF2B5EF4-FFF2-40B4-BE49-F238E27FC236}">
-                <a16:creationId xmlns:a16="http://schemas.microsoft.com/office/drawing/2014/main" id="{482B72E4-150A-5FC3-D1D2-613701460D2C}"/>
-              </a:ext>
-            </a:extLst>
-          </p:cNvPr>
-          <p:cNvPicPr>
-            <a:picLocks noChangeAspect="1"/>
-          </p:cNvPicPr>
-          <p:nvPr/>
-        </p:nvPicPr>
-        <p:blipFill>
-          <a:blip r:embed="rId5" cstate="print">
-            <a:extLst>
-              <a:ext uri="{28A0092B-C50C-407E-A947-70E740481C1C}">
-                <a14:useLocalDpi xmlns:a14="http://schemas.microsoft.com/office/drawing/2010/main" val="0"/>
-              </a:ext>
-            </a:extLst>
-          </a:blip>
-          <a:stretch>
-            <a:fillRect/>
-          </a:stretch>
-        </p:blipFill>
-        <p:spPr>
-          <a:xfrm>
-            <a:off x="-14070809" y="5847644"/>
-            <a:ext cx="743714" cy="1042418"/>
-          </a:xfrm>
-          <a:prstGeom prst="rect">
-            <a:avLst/>
-          </a:prstGeom>
-        </p:spPr>
-      </p:pic>
-      <p:pic>
-        <p:nvPicPr>
-          <p:cNvPr id="41" name="그림 40" descr="텍스트, 포스터, 인간의 얼굴, 만화 영화이(가) 표시된 사진&#10;&#10;자동 생성된 설명">
-            <a:extLst>
-              <a:ext uri="{FF2B5EF4-FFF2-40B4-BE49-F238E27FC236}">
-                <a16:creationId xmlns:a16="http://schemas.microsoft.com/office/drawing/2014/main" id="{B43BBD55-8057-7DF7-8B12-BB861D7262F4}"/>
-              </a:ext>
-            </a:extLst>
-          </p:cNvPr>
-          <p:cNvPicPr>
-            <a:picLocks noChangeAspect="1"/>
-          </p:cNvPicPr>
-          <p:nvPr/>
-        </p:nvPicPr>
-        <p:blipFill>
-          <a:blip r:embed="rId9" cstate="print">
-            <a:extLst>
-              <a:ext uri="{28A0092B-C50C-407E-A947-70E740481C1C}">
-                <a14:useLocalDpi xmlns:a14="http://schemas.microsoft.com/office/drawing/2010/main" val="0"/>
-              </a:ext>
-            </a:extLst>
-          </a:blip>
-          <a:stretch>
-            <a:fillRect/>
-          </a:stretch>
-        </p:blipFill>
-        <p:spPr>
-          <a:xfrm>
-            <a:off x="-15170401" y="5847644"/>
-            <a:ext cx="743714" cy="1042418"/>
-          </a:xfrm>
-          <a:prstGeom prst="rect">
-            <a:avLst/>
-          </a:prstGeom>
-        </p:spPr>
-      </p:pic>
-      <p:pic>
-        <p:nvPicPr>
-          <p:cNvPr id="42" name="그림 41" descr="텍스트, 포스터, 만화 영화, 디자인이(가) 표시된 사진&#10;&#10;자동 생성된 설명">
-            <a:extLst>
-              <a:ext uri="{FF2B5EF4-FFF2-40B4-BE49-F238E27FC236}">
-                <a16:creationId xmlns:a16="http://schemas.microsoft.com/office/drawing/2014/main" id="{D3A9E51C-4981-BA2A-A319-F875E2398152}"/>
-              </a:ext>
-            </a:extLst>
-          </p:cNvPr>
-          <p:cNvPicPr>
-            <a:picLocks noChangeAspect="1"/>
-          </p:cNvPicPr>
-          <p:nvPr/>
-        </p:nvPicPr>
-        <p:blipFill>
-          <a:blip r:embed="rId2" cstate="print">
-            <a:extLst>
-              <a:ext uri="{28A0092B-C50C-407E-A947-70E740481C1C}">
-                <a14:useLocalDpi xmlns:a14="http://schemas.microsoft.com/office/drawing/2010/main" val="0"/>
-              </a:ext>
-            </a:extLst>
-          </a:blip>
-          <a:stretch>
-            <a:fillRect/>
-          </a:stretch>
-        </p:blipFill>
-        <p:spPr>
-          <a:xfrm>
-            <a:off x="-16259723" y="5847644"/>
-            <a:ext cx="743714" cy="1042418"/>
-          </a:xfrm>
-          <a:prstGeom prst="rect">
-            <a:avLst/>
-          </a:prstGeom>
-        </p:spPr>
-      </p:pic>
-      <p:pic>
-        <p:nvPicPr>
-          <p:cNvPr id="43" name="그림 42" descr="만화 영화, 모자, 인간의 얼굴, 포스터이(가) 표시된 사진&#10;&#10;자동 생성된 설명">
-            <a:extLst>
-              <a:ext uri="{FF2B5EF4-FFF2-40B4-BE49-F238E27FC236}">
-                <a16:creationId xmlns:a16="http://schemas.microsoft.com/office/drawing/2014/main" id="{824957DF-73DF-BF97-F436-B7142394AA8A}"/>
-              </a:ext>
-            </a:extLst>
-          </p:cNvPr>
-          <p:cNvPicPr>
-            <a:picLocks noChangeAspect="1"/>
-          </p:cNvPicPr>
-          <p:nvPr/>
-        </p:nvPicPr>
-        <p:blipFill>
-          <a:blip r:embed="rId7" cstate="print">
-            <a:extLst>
-              <a:ext uri="{28A0092B-C50C-407E-A947-70E740481C1C}">
-                <a14:useLocalDpi xmlns:a14="http://schemas.microsoft.com/office/drawing/2010/main" val="0"/>
-              </a:ext>
-            </a:extLst>
-          </a:blip>
-          <a:stretch>
-            <a:fillRect/>
-          </a:stretch>
-        </p:blipFill>
-        <p:spPr>
-          <a:xfrm>
-            <a:off x="-17354180" y="5847644"/>
-            <a:ext cx="743714" cy="1042418"/>
-          </a:xfrm>
-          <a:prstGeom prst="rect">
-            <a:avLst/>
-          </a:prstGeom>
-        </p:spPr>
-      </p:pic>
+          <p:cNvSpPr txBox="1"/>
+          <p:nvPr/>
+        </p:nvSpPr>
+        <p:spPr>
+          <a:xfrm rot="20717099">
+            <a:off x="2630838" y="4785171"/>
+            <a:ext cx="5738949" cy="1107996"/>
+          </a:xfrm>
+          <a:prstGeom prst="rect">
+            <a:avLst/>
+          </a:prstGeom>
+          <a:noFill/>
+        </p:spPr>
+        <p:txBody>
+          <a:bodyPr wrap="square" rtlCol="0">
+            <a:spAutoFit/>
+          </a:bodyPr>
+          <a:lstStyle/>
+          <a:p>
+            <a:r>
+              <a:rPr lang="ko-KR" altLang="en-US" sz="6600" dirty="0">
+                <a:solidFill>
+                  <a:srgbClr val="FFFFFF"/>
+                </a:solidFill>
+                <a:latin typeface="태나다체 " panose="02000000000000000000" pitchFamily="2" charset="-127"/>
+                <a:ea typeface="태나다체 " panose="02000000000000000000" pitchFamily="2" charset="-127"/>
+              </a:rPr>
+              <a:t>시크릿 히틀러</a:t>
+            </a:r>
+          </a:p>
+        </p:txBody>
+      </p:sp>
     </p:spTree>
     <p:extLst>
       <p:ext uri="{BB962C8B-B14F-4D97-AF65-F5344CB8AC3E}">
-        <p14:creationId xmlns:p14="http://schemas.microsoft.com/office/powerpoint/2010/main" val="1913896176"/>
+        <p14:creationId xmlns:p14="http://schemas.microsoft.com/office/powerpoint/2010/main" val="3736449100"/>
       </p:ext>
     </p:extLst>
   </p:cSld>

--- a/내포토샵.pptx
+++ b/내포토샵.pptx
@@ -32,6 +32,9 @@
     <p:sldId id="278" r:id="rId26"/>
     <p:sldId id="280" r:id="rId27"/>
     <p:sldId id="281" r:id="rId28"/>
+    <p:sldId id="283" r:id="rId29"/>
+    <p:sldId id="284" r:id="rId30"/>
+    <p:sldId id="285" r:id="rId31"/>
   </p:sldIdLst>
   <p:sldSz cx="12192000" cy="6858000"/>
   <p:notesSz cx="6858000" cy="9144000"/>
@@ -267,7 +270,7 @@
           <a:p>
             <a:fld id="{F3DDBCC6-60C3-4D9F-A9F6-95468722F7A3}" type="datetimeFigureOut">
               <a:rPr lang="ko-KR" altLang="en-US" smtClean="0"/>
-              <a:t>2024-09-05</a:t>
+              <a:t>2024-09-06</a:t>
             </a:fld>
             <a:endParaRPr lang="ko-KR" altLang="en-US"/>
           </a:p>
@@ -435,7 +438,7 @@
           <a:p>
             <a:fld id="{F3DDBCC6-60C3-4D9F-A9F6-95468722F7A3}" type="datetimeFigureOut">
               <a:rPr lang="ko-KR" altLang="en-US" smtClean="0"/>
-              <a:t>2024-09-05</a:t>
+              <a:t>2024-09-06</a:t>
             </a:fld>
             <a:endParaRPr lang="ko-KR" altLang="en-US"/>
           </a:p>
@@ -613,7 +616,7 @@
           <a:p>
             <a:fld id="{F3DDBCC6-60C3-4D9F-A9F6-95468722F7A3}" type="datetimeFigureOut">
               <a:rPr lang="ko-KR" altLang="en-US" smtClean="0"/>
-              <a:t>2024-09-05</a:t>
+              <a:t>2024-09-06</a:t>
             </a:fld>
             <a:endParaRPr lang="ko-KR" altLang="en-US"/>
           </a:p>
@@ -781,7 +784,7 @@
           <a:p>
             <a:fld id="{F3DDBCC6-60C3-4D9F-A9F6-95468722F7A3}" type="datetimeFigureOut">
               <a:rPr lang="ko-KR" altLang="en-US" smtClean="0"/>
-              <a:t>2024-09-05</a:t>
+              <a:t>2024-09-06</a:t>
             </a:fld>
             <a:endParaRPr lang="ko-KR" altLang="en-US"/>
           </a:p>
@@ -1026,7 +1029,7 @@
           <a:p>
             <a:fld id="{F3DDBCC6-60C3-4D9F-A9F6-95468722F7A3}" type="datetimeFigureOut">
               <a:rPr lang="ko-KR" altLang="en-US" smtClean="0"/>
-              <a:t>2024-09-05</a:t>
+              <a:t>2024-09-06</a:t>
             </a:fld>
             <a:endParaRPr lang="ko-KR" altLang="en-US"/>
           </a:p>
@@ -1255,7 +1258,7 @@
           <a:p>
             <a:fld id="{F3DDBCC6-60C3-4D9F-A9F6-95468722F7A3}" type="datetimeFigureOut">
               <a:rPr lang="ko-KR" altLang="en-US" smtClean="0"/>
-              <a:t>2024-09-05</a:t>
+              <a:t>2024-09-06</a:t>
             </a:fld>
             <a:endParaRPr lang="ko-KR" altLang="en-US"/>
           </a:p>
@@ -1619,7 +1622,7 @@
           <a:p>
             <a:fld id="{F3DDBCC6-60C3-4D9F-A9F6-95468722F7A3}" type="datetimeFigureOut">
               <a:rPr lang="ko-KR" altLang="en-US" smtClean="0"/>
-              <a:t>2024-09-05</a:t>
+              <a:t>2024-09-06</a:t>
             </a:fld>
             <a:endParaRPr lang="ko-KR" altLang="en-US"/>
           </a:p>
@@ -1736,7 +1739,7 @@
           <a:p>
             <a:fld id="{F3DDBCC6-60C3-4D9F-A9F6-95468722F7A3}" type="datetimeFigureOut">
               <a:rPr lang="ko-KR" altLang="en-US" smtClean="0"/>
-              <a:t>2024-09-05</a:t>
+              <a:t>2024-09-06</a:t>
             </a:fld>
             <a:endParaRPr lang="ko-KR" altLang="en-US"/>
           </a:p>
@@ -1831,7 +1834,7 @@
           <a:p>
             <a:fld id="{F3DDBCC6-60C3-4D9F-A9F6-95468722F7A3}" type="datetimeFigureOut">
               <a:rPr lang="ko-KR" altLang="en-US" smtClean="0"/>
-              <a:t>2024-09-05</a:t>
+              <a:t>2024-09-06</a:t>
             </a:fld>
             <a:endParaRPr lang="ko-KR" altLang="en-US"/>
           </a:p>
@@ -2106,7 +2109,7 @@
           <a:p>
             <a:fld id="{F3DDBCC6-60C3-4D9F-A9F6-95468722F7A3}" type="datetimeFigureOut">
               <a:rPr lang="ko-KR" altLang="en-US" smtClean="0"/>
-              <a:t>2024-09-05</a:t>
+              <a:t>2024-09-06</a:t>
             </a:fld>
             <a:endParaRPr lang="ko-KR" altLang="en-US"/>
           </a:p>
@@ -2358,7 +2361,7 @@
           <a:p>
             <a:fld id="{F3DDBCC6-60C3-4D9F-A9F6-95468722F7A3}" type="datetimeFigureOut">
               <a:rPr lang="ko-KR" altLang="en-US" smtClean="0"/>
-              <a:t>2024-09-05</a:t>
+              <a:t>2024-09-06</a:t>
             </a:fld>
             <a:endParaRPr lang="ko-KR" altLang="en-US"/>
           </a:p>
@@ -2569,7 +2572,7 @@
           <a:p>
             <a:fld id="{F3DDBCC6-60C3-4D9F-A9F6-95468722F7A3}" type="datetimeFigureOut">
               <a:rPr lang="ko-KR" altLang="en-US" smtClean="0"/>
-              <a:t>2024-09-05</a:t>
+              <a:t>2024-09-06</a:t>
             </a:fld>
             <a:endParaRPr lang="ko-KR" altLang="en-US"/>
           </a:p>
@@ -8072,6 +8075,338 @@
 </p:sld>
 </file>
 
+<file path=ppt/slides/slide28.xml><?xml version="1.0" encoding="utf-8"?>
+<p:sld xmlns:a="http://schemas.openxmlformats.org/drawingml/2006/main" xmlns:r="http://schemas.openxmlformats.org/officeDocument/2006/relationships" xmlns:p="http://schemas.openxmlformats.org/presentationml/2006/main">
+  <p:cSld>
+    <p:spTree>
+      <p:nvGrpSpPr>
+        <p:cNvPr id="1" name=""/>
+        <p:cNvGrpSpPr/>
+        <p:nvPr/>
+      </p:nvGrpSpPr>
+      <p:grpSpPr>
+        <a:xfrm>
+          <a:off x="0" y="0"/>
+          <a:ext cx="0" cy="0"/>
+          <a:chOff x="0" y="0"/>
+          <a:chExt cx="0" cy="0"/>
+        </a:xfrm>
+      </p:grpSpPr>
+      <p:pic>
+        <p:nvPicPr>
+          <p:cNvPr id="2" name="그림 1"/>
+          <p:cNvPicPr>
+            <a:picLocks noChangeAspect="1"/>
+          </p:cNvPicPr>
+          <p:nvPr/>
+        </p:nvPicPr>
+        <p:blipFill>
+          <a:blip r:embed="rId2">
+            <a:extLst>
+              <a:ext uri="{28A0092B-C50C-407E-A947-70E740481C1C}">
+                <a14:useLocalDpi xmlns:a14="http://schemas.microsoft.com/office/drawing/2010/main" val="0"/>
+              </a:ext>
+            </a:extLst>
+          </a:blip>
+          <a:stretch>
+            <a:fillRect/>
+          </a:stretch>
+        </p:blipFill>
+        <p:spPr>
+          <a:xfrm rot="5400000">
+            <a:off x="4070627" y="943340"/>
+            <a:ext cx="2035064" cy="6858000"/>
+          </a:xfrm>
+          <a:prstGeom prst="rect">
+            <a:avLst/>
+          </a:prstGeom>
+          <a:ln w="38100">
+            <a:solidFill>
+              <a:srgbClr val="B3A994"/>
+            </a:solidFill>
+          </a:ln>
+        </p:spPr>
+      </p:pic>
+      <p:pic>
+        <p:nvPicPr>
+          <p:cNvPr id="3" name="그림 2"/>
+          <p:cNvPicPr>
+            <a:picLocks noChangeAspect="1"/>
+          </p:cNvPicPr>
+          <p:nvPr/>
+        </p:nvPicPr>
+        <p:blipFill>
+          <a:blip r:embed="rId3">
+            <a:extLst>
+              <a:ext uri="{28A0092B-C50C-407E-A947-70E740481C1C}">
+                <a14:useLocalDpi xmlns:a14="http://schemas.microsoft.com/office/drawing/2010/main" val="0"/>
+              </a:ext>
+            </a:extLst>
+          </a:blip>
+          <a:stretch>
+            <a:fillRect/>
+          </a:stretch>
+        </p:blipFill>
+        <p:spPr>
+          <a:xfrm rot="5400000">
+            <a:off x="3948785" y="-1529171"/>
+            <a:ext cx="2067363" cy="6858000"/>
+          </a:xfrm>
+          <a:prstGeom prst="rect">
+            <a:avLst/>
+          </a:prstGeom>
+          <a:ln w="38100">
+            <a:solidFill>
+              <a:srgbClr val="B3A994"/>
+            </a:solidFill>
+          </a:ln>
+        </p:spPr>
+      </p:pic>
+      <p:pic>
+        <p:nvPicPr>
+          <p:cNvPr id="4" name="그림 3" descr="텍스트, 포스터, 만화 영화, 선전이(가) 표시된 사진&#10;&#10;자동 생성된 설명">
+            <a:extLst>
+              <a:ext uri="{FF2B5EF4-FFF2-40B4-BE49-F238E27FC236}">
+                <a16:creationId xmlns:a16="http://schemas.microsoft.com/office/drawing/2014/main" id="{B31B4397-2A3B-2423-5EED-6F31EA385403}"/>
+              </a:ext>
+            </a:extLst>
+          </p:cNvPr>
+          <p:cNvPicPr>
+            <a:picLocks noChangeAspect="1"/>
+          </p:cNvPicPr>
+          <p:nvPr/>
+        </p:nvPicPr>
+        <p:blipFill>
+          <a:blip r:embed="rId4" cstate="print">
+            <a:extLst>
+              <a:ext uri="{28A0092B-C50C-407E-A947-70E740481C1C}">
+                <a14:useLocalDpi xmlns:a14="http://schemas.microsoft.com/office/drawing/2010/main" val="0"/>
+              </a:ext>
+            </a:extLst>
+          </a:blip>
+          <a:stretch>
+            <a:fillRect/>
+          </a:stretch>
+        </p:blipFill>
+        <p:spPr>
+          <a:xfrm>
+            <a:off x="165642" y="0"/>
+            <a:ext cx="1126497" cy="1578941"/>
+          </a:xfrm>
+          <a:prstGeom prst="rect">
+            <a:avLst/>
+          </a:prstGeom>
+        </p:spPr>
+      </p:pic>
+    </p:spTree>
+    <p:extLst>
+      <p:ext uri="{BB962C8B-B14F-4D97-AF65-F5344CB8AC3E}">
+        <p14:creationId xmlns:p14="http://schemas.microsoft.com/office/powerpoint/2010/main" val="2718157699"/>
+      </p:ext>
+    </p:extLst>
+  </p:cSld>
+  <p:clrMapOvr>
+    <a:masterClrMapping/>
+  </p:clrMapOvr>
+</p:sld>
+</file>
+
+<file path=ppt/slides/slide29.xml><?xml version="1.0" encoding="utf-8"?>
+<p:sld xmlns:a="http://schemas.openxmlformats.org/drawingml/2006/main" xmlns:r="http://schemas.openxmlformats.org/officeDocument/2006/relationships" xmlns:p="http://schemas.openxmlformats.org/presentationml/2006/main">
+  <p:cSld>
+    <p:spTree>
+      <p:nvGrpSpPr>
+        <p:cNvPr id="1" name=""/>
+        <p:cNvGrpSpPr/>
+        <p:nvPr/>
+      </p:nvGrpSpPr>
+      <p:grpSpPr>
+        <a:xfrm>
+          <a:off x="0" y="0"/>
+          <a:ext cx="0" cy="0"/>
+          <a:chOff x="0" y="0"/>
+          <a:chExt cx="0" cy="0"/>
+        </a:xfrm>
+      </p:grpSpPr>
+      <p:sp>
+        <p:nvSpPr>
+          <p:cNvPr id="3" name="모서리가 둥근 직사각형 2"/>
+          <p:cNvSpPr/>
+          <p:nvPr/>
+        </p:nvSpPr>
+        <p:spPr>
+          <a:xfrm>
+            <a:off x="745373" y="-75739"/>
+            <a:ext cx="7897091" cy="2664691"/>
+          </a:xfrm>
+          <a:prstGeom prst="roundRect">
+            <a:avLst/>
+          </a:prstGeom>
+          <a:solidFill>
+            <a:srgbClr val="455C60"/>
+          </a:solidFill>
+          <a:ln w="127000">
+            <a:solidFill>
+              <a:srgbClr val="F3C951"/>
+            </a:solidFill>
+          </a:ln>
+          <a:effectLst>
+            <a:outerShdw blurRad="50800" dist="38100" dir="2700000" algn="tl" rotWithShape="0">
+              <a:prstClr val="black">
+                <a:alpha val="40000"/>
+              </a:prstClr>
+            </a:outerShdw>
+          </a:effectLst>
+        </p:spPr>
+        <p:style>
+          <a:lnRef idx="2">
+            <a:schemeClr val="accent1">
+              <a:shade val="50000"/>
+            </a:schemeClr>
+          </a:lnRef>
+          <a:fillRef idx="1">
+            <a:schemeClr val="accent1"/>
+          </a:fillRef>
+          <a:effectRef idx="0">
+            <a:schemeClr val="accent1"/>
+          </a:effectRef>
+          <a:fontRef idx="minor">
+            <a:schemeClr val="lt1"/>
+          </a:fontRef>
+        </p:style>
+        <p:txBody>
+          <a:bodyPr rtlCol="0" anchor="ctr"/>
+          <a:lstStyle/>
+          <a:p>
+            <a:pPr algn="ctr"/>
+            <a:endParaRPr lang="ko-KR" altLang="en-US"/>
+          </a:p>
+        </p:txBody>
+      </p:sp>
+      <p:sp>
+        <p:nvSpPr>
+          <p:cNvPr id="2" name="직사각형 1"/>
+          <p:cNvSpPr/>
+          <p:nvPr/>
+        </p:nvSpPr>
+        <p:spPr>
+          <a:xfrm>
+            <a:off x="814648" y="3699163"/>
+            <a:ext cx="6325985" cy="1421477"/>
+          </a:xfrm>
+          <a:prstGeom prst="rect">
+            <a:avLst/>
+          </a:prstGeom>
+          <a:solidFill>
+            <a:srgbClr val="5E84D8"/>
+          </a:solidFill>
+          <a:ln w="57150">
+            <a:solidFill>
+              <a:srgbClr val="F3C951"/>
+            </a:solidFill>
+          </a:ln>
+          <a:effectLst>
+            <a:outerShdw blurRad="50800" dist="38100" dir="2700000" algn="tl" rotWithShape="0">
+              <a:prstClr val="black">
+                <a:alpha val="40000"/>
+              </a:prstClr>
+            </a:outerShdw>
+          </a:effectLst>
+        </p:spPr>
+        <p:style>
+          <a:lnRef idx="2">
+            <a:schemeClr val="accent1">
+              <a:shade val="50000"/>
+            </a:schemeClr>
+          </a:lnRef>
+          <a:fillRef idx="1">
+            <a:schemeClr val="accent1"/>
+          </a:fillRef>
+          <a:effectRef idx="0">
+            <a:schemeClr val="accent1"/>
+          </a:effectRef>
+          <a:fontRef idx="minor">
+            <a:schemeClr val="lt1"/>
+          </a:fontRef>
+        </p:style>
+        <p:txBody>
+          <a:bodyPr rtlCol="0" anchor="ctr"/>
+          <a:lstStyle/>
+          <a:p>
+            <a:pPr algn="ctr"/>
+            <a:endParaRPr lang="ko-KR" altLang="en-US"/>
+          </a:p>
+        </p:txBody>
+      </p:sp>
+      <p:sp>
+        <p:nvSpPr>
+          <p:cNvPr id="4" name="TextBox 3"/>
+          <p:cNvSpPr txBox="1"/>
+          <p:nvPr/>
+        </p:nvSpPr>
+        <p:spPr>
+          <a:xfrm>
+            <a:off x="997528" y="3758074"/>
+            <a:ext cx="5985164" cy="1446550"/>
+          </a:xfrm>
+          <a:prstGeom prst="rect">
+            <a:avLst/>
+          </a:prstGeom>
+          <a:noFill/>
+        </p:spPr>
+        <p:txBody>
+          <a:bodyPr wrap="square" rtlCol="0">
+            <a:spAutoFit/>
+          </a:bodyPr>
+          <a:lstStyle/>
+          <a:p>
+            <a:r>
+              <a:rPr lang="en-US" altLang="ko-KR" sz="8800" dirty="0" smtClean="0">
+                <a:solidFill>
+                  <a:schemeClr val="bg1"/>
+                </a:solidFill>
+                <a:effectLst>
+                  <a:outerShdw blurRad="38100" dist="38100" dir="2700000" algn="tl">
+                    <a:srgbClr val="000000">
+                      <a:alpha val="43137"/>
+                    </a:srgbClr>
+                  </a:outerShdw>
+                </a:effectLst>
+                <a:latin typeface="자이언츠 Regular" panose="02000500000000000000" pitchFamily="2" charset="-127"/>
+                <a:ea typeface="자이언츠 Regular" panose="02000500000000000000" pitchFamily="2" charset="-127"/>
+              </a:rPr>
+              <a:t>President</a:t>
+            </a:r>
+            <a:endParaRPr lang="ko-KR" altLang="en-US" sz="8800" dirty="0">
+              <a:solidFill>
+                <a:schemeClr val="bg1"/>
+              </a:solidFill>
+              <a:effectLst>
+                <a:outerShdw blurRad="38100" dist="38100" dir="2700000" algn="tl">
+                  <a:srgbClr val="000000">
+                    <a:alpha val="43137"/>
+                  </a:srgbClr>
+                </a:outerShdw>
+              </a:effectLst>
+              <a:latin typeface="자이언츠 Regular" panose="02000500000000000000" pitchFamily="2" charset="-127"/>
+              <a:ea typeface="자이언츠 Regular" panose="02000500000000000000" pitchFamily="2" charset="-127"/>
+            </a:endParaRPr>
+          </a:p>
+        </p:txBody>
+      </p:sp>
+    </p:spTree>
+    <p:extLst>
+      <p:ext uri="{BB962C8B-B14F-4D97-AF65-F5344CB8AC3E}">
+        <p14:creationId xmlns:p14="http://schemas.microsoft.com/office/powerpoint/2010/main" val="1104928477"/>
+      </p:ext>
+    </p:extLst>
+  </p:cSld>
+  <p:clrMapOvr>
+    <a:masterClrMapping/>
+  </p:clrMapOvr>
+</p:sld>
+</file>
+
 <file path=ppt/slides/slide3.xml><?xml version="1.0" encoding="utf-8"?>
 <p:sld xmlns:a="http://schemas.openxmlformats.org/drawingml/2006/main" xmlns:r="http://schemas.openxmlformats.org/officeDocument/2006/relationships" xmlns:p="http://schemas.openxmlformats.org/presentationml/2006/main">
   <p:cSld>
@@ -8171,6 +8506,202 @@
     <p:extLst>
       <p:ext uri="{BB962C8B-B14F-4D97-AF65-F5344CB8AC3E}">
         <p14:creationId xmlns:p14="http://schemas.microsoft.com/office/powerpoint/2010/main" val="1252716076"/>
+      </p:ext>
+    </p:extLst>
+  </p:cSld>
+  <p:clrMapOvr>
+    <a:masterClrMapping/>
+  </p:clrMapOvr>
+</p:sld>
+</file>
+
+<file path=ppt/slides/slide30.xml><?xml version="1.0" encoding="utf-8"?>
+<p:sld xmlns:a="http://schemas.openxmlformats.org/drawingml/2006/main" xmlns:r="http://schemas.openxmlformats.org/officeDocument/2006/relationships" xmlns:p="http://schemas.openxmlformats.org/presentationml/2006/main">
+  <p:cSld>
+    <p:spTree>
+      <p:nvGrpSpPr>
+        <p:cNvPr id="1" name=""/>
+        <p:cNvGrpSpPr/>
+        <p:nvPr/>
+      </p:nvGrpSpPr>
+      <p:grpSpPr>
+        <a:xfrm>
+          <a:off x="0" y="0"/>
+          <a:ext cx="0" cy="0"/>
+          <a:chOff x="0" y="0"/>
+          <a:chExt cx="0" cy="0"/>
+        </a:xfrm>
+      </p:grpSpPr>
+      <p:sp>
+        <p:nvSpPr>
+          <p:cNvPr id="3" name="모서리가 둥근 직사각형 2"/>
+          <p:cNvSpPr/>
+          <p:nvPr/>
+        </p:nvSpPr>
+        <p:spPr>
+          <a:xfrm>
+            <a:off x="745373" y="-75739"/>
+            <a:ext cx="7897091" cy="2664691"/>
+          </a:xfrm>
+          <a:prstGeom prst="roundRect">
+            <a:avLst/>
+          </a:prstGeom>
+          <a:solidFill>
+            <a:srgbClr val="455C60"/>
+          </a:solidFill>
+          <a:ln w="127000">
+            <a:solidFill>
+              <a:srgbClr val="F3C951"/>
+            </a:solidFill>
+          </a:ln>
+          <a:effectLst>
+            <a:outerShdw blurRad="50800" dist="38100" dir="2700000" algn="tl" rotWithShape="0">
+              <a:prstClr val="black">
+                <a:alpha val="40000"/>
+              </a:prstClr>
+            </a:outerShdw>
+          </a:effectLst>
+        </p:spPr>
+        <p:style>
+          <a:lnRef idx="2">
+            <a:schemeClr val="accent1">
+              <a:shade val="50000"/>
+            </a:schemeClr>
+          </a:lnRef>
+          <a:fillRef idx="1">
+            <a:schemeClr val="accent1"/>
+          </a:fillRef>
+          <a:effectRef idx="0">
+            <a:schemeClr val="accent1"/>
+          </a:effectRef>
+          <a:fontRef idx="minor">
+            <a:schemeClr val="lt1"/>
+          </a:fontRef>
+        </p:style>
+        <p:txBody>
+          <a:bodyPr rtlCol="0" anchor="ctr"/>
+          <a:lstStyle/>
+          <a:p>
+            <a:pPr algn="ctr"/>
+            <a:endParaRPr lang="ko-KR" altLang="en-US"/>
+          </a:p>
+        </p:txBody>
+      </p:sp>
+      <p:sp>
+        <p:nvSpPr>
+          <p:cNvPr id="2" name="직사각형 1"/>
+          <p:cNvSpPr/>
+          <p:nvPr/>
+        </p:nvSpPr>
+        <p:spPr>
+          <a:xfrm>
+            <a:off x="814648" y="3699163"/>
+            <a:ext cx="6325985" cy="1421477"/>
+          </a:xfrm>
+          <a:prstGeom prst="rect">
+            <a:avLst/>
+          </a:prstGeom>
+          <a:solidFill>
+            <a:srgbClr val="5E84D8"/>
+          </a:solidFill>
+          <a:ln w="57150">
+            <a:solidFill>
+              <a:srgbClr val="F3C951"/>
+            </a:solidFill>
+          </a:ln>
+          <a:effectLst>
+            <a:outerShdw blurRad="50800" dist="38100" dir="2700000" algn="tl" rotWithShape="0">
+              <a:prstClr val="black">
+                <a:alpha val="40000"/>
+              </a:prstClr>
+            </a:outerShdw>
+          </a:effectLst>
+        </p:spPr>
+        <p:style>
+          <a:lnRef idx="2">
+            <a:schemeClr val="accent1">
+              <a:shade val="50000"/>
+            </a:schemeClr>
+          </a:lnRef>
+          <a:fillRef idx="1">
+            <a:schemeClr val="accent1"/>
+          </a:fillRef>
+          <a:effectRef idx="0">
+            <a:schemeClr val="accent1"/>
+          </a:effectRef>
+          <a:fontRef idx="minor">
+            <a:schemeClr val="lt1"/>
+          </a:fontRef>
+        </p:style>
+        <p:txBody>
+          <a:bodyPr rtlCol="0" anchor="ctr"/>
+          <a:lstStyle/>
+          <a:p>
+            <a:pPr algn="ctr"/>
+            <a:endParaRPr lang="ko-KR" altLang="en-US"/>
+          </a:p>
+        </p:txBody>
+      </p:sp>
+      <p:sp>
+        <p:nvSpPr>
+          <p:cNvPr id="4" name="TextBox 3"/>
+          <p:cNvSpPr txBox="1"/>
+          <p:nvPr/>
+        </p:nvSpPr>
+        <p:spPr>
+          <a:xfrm>
+            <a:off x="997528" y="3758074"/>
+            <a:ext cx="5985164" cy="1446550"/>
+          </a:xfrm>
+          <a:prstGeom prst="rect">
+            <a:avLst/>
+          </a:prstGeom>
+          <a:noFill/>
+        </p:spPr>
+        <p:txBody>
+          <a:bodyPr wrap="square" rtlCol="0">
+            <a:spAutoFit/>
+          </a:bodyPr>
+          <a:lstStyle/>
+          <a:p>
+            <a:r>
+              <a:rPr lang="en-US" altLang="ko-KR" sz="8800" dirty="0" smtClean="0">
+                <a:solidFill>
+                  <a:schemeClr val="bg1"/>
+                </a:solidFill>
+                <a:effectLst>
+                  <a:outerShdw blurRad="38100" dist="38100" dir="2700000" algn="tl">
+                    <a:srgbClr val="000000">
+                      <a:alpha val="43137"/>
+                    </a:srgbClr>
+                  </a:outerShdw>
+                </a:effectLst>
+                <a:latin typeface="자이언츠 Regular" panose="02000500000000000000" pitchFamily="2" charset="-127"/>
+                <a:ea typeface="자이언츠 Regular" panose="02000500000000000000" pitchFamily="2" charset="-127"/>
+              </a:rPr>
+              <a:t>President</a:t>
+            </a:r>
+            <a:endParaRPr lang="ko-KR" altLang="en-US" sz="8800" dirty="0">
+              <a:solidFill>
+                <a:schemeClr val="bg1"/>
+              </a:solidFill>
+              <a:effectLst>
+                <a:outerShdw blurRad="38100" dist="38100" dir="2700000" algn="tl">
+                  <a:srgbClr val="000000">
+                    <a:alpha val="43137"/>
+                  </a:srgbClr>
+                </a:outerShdw>
+              </a:effectLst>
+              <a:latin typeface="자이언츠 Regular" panose="02000500000000000000" pitchFamily="2" charset="-127"/>
+              <a:ea typeface="자이언츠 Regular" panose="02000500000000000000" pitchFamily="2" charset="-127"/>
+            </a:endParaRPr>
+          </a:p>
+        </p:txBody>
+      </p:sp>
+    </p:spTree>
+    <p:extLst>
+      <p:ext uri="{BB962C8B-B14F-4D97-AF65-F5344CB8AC3E}">
+        <p14:creationId xmlns:p14="http://schemas.microsoft.com/office/powerpoint/2010/main" val="817870922"/>
       </p:ext>
     </p:extLst>
   </p:cSld>

--- a/내포토샵.pptx
+++ b/내포토샵.pptx
@@ -35,6 +35,7 @@
     <p:sldId id="283" r:id="rId29"/>
     <p:sldId id="284" r:id="rId30"/>
     <p:sldId id="285" r:id="rId31"/>
+    <p:sldId id="286" r:id="rId32"/>
   </p:sldIdLst>
   <p:sldSz cx="12192000" cy="6858000"/>
   <p:notesSz cx="6858000" cy="9144000"/>
@@ -270,7 +271,7 @@
           <a:p>
             <a:fld id="{F3DDBCC6-60C3-4D9F-A9F6-95468722F7A3}" type="datetimeFigureOut">
               <a:rPr lang="ko-KR" altLang="en-US" smtClean="0"/>
-              <a:t>2024-09-06</a:t>
+              <a:t>2024-09-09</a:t>
             </a:fld>
             <a:endParaRPr lang="ko-KR" altLang="en-US"/>
           </a:p>
@@ -438,7 +439,7 @@
           <a:p>
             <a:fld id="{F3DDBCC6-60C3-4D9F-A9F6-95468722F7A3}" type="datetimeFigureOut">
               <a:rPr lang="ko-KR" altLang="en-US" smtClean="0"/>
-              <a:t>2024-09-06</a:t>
+              <a:t>2024-09-09</a:t>
             </a:fld>
             <a:endParaRPr lang="ko-KR" altLang="en-US"/>
           </a:p>
@@ -616,7 +617,7 @@
           <a:p>
             <a:fld id="{F3DDBCC6-60C3-4D9F-A9F6-95468722F7A3}" type="datetimeFigureOut">
               <a:rPr lang="ko-KR" altLang="en-US" smtClean="0"/>
-              <a:t>2024-09-06</a:t>
+              <a:t>2024-09-09</a:t>
             </a:fld>
             <a:endParaRPr lang="ko-KR" altLang="en-US"/>
           </a:p>
@@ -784,7 +785,7 @@
           <a:p>
             <a:fld id="{F3DDBCC6-60C3-4D9F-A9F6-95468722F7A3}" type="datetimeFigureOut">
               <a:rPr lang="ko-KR" altLang="en-US" smtClean="0"/>
-              <a:t>2024-09-06</a:t>
+              <a:t>2024-09-09</a:t>
             </a:fld>
             <a:endParaRPr lang="ko-KR" altLang="en-US"/>
           </a:p>
@@ -1029,7 +1030,7 @@
           <a:p>
             <a:fld id="{F3DDBCC6-60C3-4D9F-A9F6-95468722F7A3}" type="datetimeFigureOut">
               <a:rPr lang="ko-KR" altLang="en-US" smtClean="0"/>
-              <a:t>2024-09-06</a:t>
+              <a:t>2024-09-09</a:t>
             </a:fld>
             <a:endParaRPr lang="ko-KR" altLang="en-US"/>
           </a:p>
@@ -1258,7 +1259,7 @@
           <a:p>
             <a:fld id="{F3DDBCC6-60C3-4D9F-A9F6-95468722F7A3}" type="datetimeFigureOut">
               <a:rPr lang="ko-KR" altLang="en-US" smtClean="0"/>
-              <a:t>2024-09-06</a:t>
+              <a:t>2024-09-09</a:t>
             </a:fld>
             <a:endParaRPr lang="ko-KR" altLang="en-US"/>
           </a:p>
@@ -1622,7 +1623,7 @@
           <a:p>
             <a:fld id="{F3DDBCC6-60C3-4D9F-A9F6-95468722F7A3}" type="datetimeFigureOut">
               <a:rPr lang="ko-KR" altLang="en-US" smtClean="0"/>
-              <a:t>2024-09-06</a:t>
+              <a:t>2024-09-09</a:t>
             </a:fld>
             <a:endParaRPr lang="ko-KR" altLang="en-US"/>
           </a:p>
@@ -1739,7 +1740,7 @@
           <a:p>
             <a:fld id="{F3DDBCC6-60C3-4D9F-A9F6-95468722F7A3}" type="datetimeFigureOut">
               <a:rPr lang="ko-KR" altLang="en-US" smtClean="0"/>
-              <a:t>2024-09-06</a:t>
+              <a:t>2024-09-09</a:t>
             </a:fld>
             <a:endParaRPr lang="ko-KR" altLang="en-US"/>
           </a:p>
@@ -1834,7 +1835,7 @@
           <a:p>
             <a:fld id="{F3DDBCC6-60C3-4D9F-A9F6-95468722F7A3}" type="datetimeFigureOut">
               <a:rPr lang="ko-KR" altLang="en-US" smtClean="0"/>
-              <a:t>2024-09-06</a:t>
+              <a:t>2024-09-09</a:t>
             </a:fld>
             <a:endParaRPr lang="ko-KR" altLang="en-US"/>
           </a:p>
@@ -2109,7 +2110,7 @@
           <a:p>
             <a:fld id="{F3DDBCC6-60C3-4D9F-A9F6-95468722F7A3}" type="datetimeFigureOut">
               <a:rPr lang="ko-KR" altLang="en-US" smtClean="0"/>
-              <a:t>2024-09-06</a:t>
+              <a:t>2024-09-09</a:t>
             </a:fld>
             <a:endParaRPr lang="ko-KR" altLang="en-US"/>
           </a:p>
@@ -2361,7 +2362,7 @@
           <a:p>
             <a:fld id="{F3DDBCC6-60C3-4D9F-A9F6-95468722F7A3}" type="datetimeFigureOut">
               <a:rPr lang="ko-KR" altLang="en-US" smtClean="0"/>
-              <a:t>2024-09-06</a:t>
+              <a:t>2024-09-09</a:t>
             </a:fld>
             <a:endParaRPr lang="ko-KR" altLang="en-US"/>
           </a:p>
@@ -2572,7 +2573,7 @@
           <a:p>
             <a:fld id="{F3DDBCC6-60C3-4D9F-A9F6-95468722F7A3}" type="datetimeFigureOut">
               <a:rPr lang="ko-KR" altLang="en-US" smtClean="0"/>
-              <a:t>2024-09-06</a:t>
+              <a:t>2024-09-09</a:t>
             </a:fld>
             <a:endParaRPr lang="ko-KR" altLang="en-US"/>
           </a:p>
@@ -8711,6 +8712,96 @@
 </p:sld>
 </file>
 
+<file path=ppt/slides/slide31.xml><?xml version="1.0" encoding="utf-8"?>
+<p:sld xmlns:a="http://schemas.openxmlformats.org/drawingml/2006/main" xmlns:r="http://schemas.openxmlformats.org/officeDocument/2006/relationships" xmlns:p="http://schemas.openxmlformats.org/presentationml/2006/main">
+  <p:cSld>
+    <p:spTree>
+      <p:nvGrpSpPr>
+        <p:cNvPr id="1" name=""/>
+        <p:cNvGrpSpPr/>
+        <p:nvPr/>
+      </p:nvGrpSpPr>
+      <p:grpSpPr>
+        <a:xfrm>
+          <a:off x="0" y="0"/>
+          <a:ext cx="0" cy="0"/>
+          <a:chOff x="0" y="0"/>
+          <a:chExt cx="0" cy="0"/>
+        </a:xfrm>
+      </p:grpSpPr>
+      <p:pic>
+        <p:nvPicPr>
+          <p:cNvPr id="2" name="그림 1"/>
+          <p:cNvPicPr>
+            <a:picLocks noChangeAspect="1"/>
+          </p:cNvPicPr>
+          <p:nvPr/>
+        </p:nvPicPr>
+        <p:blipFill>
+          <a:blip r:embed="rId2">
+            <a:extLst>
+              <a:ext uri="{28A0092B-C50C-407E-A947-70E740481C1C}">
+                <a14:useLocalDpi xmlns:a14="http://schemas.microsoft.com/office/drawing/2010/main" val="0"/>
+              </a:ext>
+            </a:extLst>
+          </a:blip>
+          <a:stretch>
+            <a:fillRect/>
+          </a:stretch>
+        </p:blipFill>
+        <p:spPr>
+          <a:xfrm rot="5400000">
+            <a:off x="6467820" y="1662898"/>
+            <a:ext cx="2514951" cy="3648584"/>
+          </a:xfrm>
+          <a:prstGeom prst="rect">
+            <a:avLst/>
+          </a:prstGeom>
+        </p:spPr>
+      </p:pic>
+      <p:pic>
+        <p:nvPicPr>
+          <p:cNvPr id="3" name="그림 2"/>
+          <p:cNvPicPr>
+            <a:picLocks noChangeAspect="1"/>
+          </p:cNvPicPr>
+          <p:nvPr/>
+        </p:nvPicPr>
+        <p:blipFill>
+          <a:blip r:embed="rId3">
+            <a:extLst>
+              <a:ext uri="{28A0092B-C50C-407E-A947-70E740481C1C}">
+                <a14:useLocalDpi xmlns:a14="http://schemas.microsoft.com/office/drawing/2010/main" val="0"/>
+              </a:ext>
+            </a:extLst>
+          </a:blip>
+          <a:stretch>
+            <a:fillRect/>
+          </a:stretch>
+        </p:blipFill>
+        <p:spPr>
+          <a:xfrm rot="5400000">
+            <a:off x="1952794" y="1539419"/>
+            <a:ext cx="2534004" cy="3629532"/>
+          </a:xfrm>
+          <a:prstGeom prst="rect">
+            <a:avLst/>
+          </a:prstGeom>
+        </p:spPr>
+      </p:pic>
+    </p:spTree>
+    <p:extLst>
+      <p:ext uri="{BB962C8B-B14F-4D97-AF65-F5344CB8AC3E}">
+        <p14:creationId xmlns:p14="http://schemas.microsoft.com/office/powerpoint/2010/main" val="1834996472"/>
+      </p:ext>
+    </p:extLst>
+  </p:cSld>
+  <p:clrMapOvr>
+    <a:masterClrMapping/>
+  </p:clrMapOvr>
+</p:sld>
+</file>
+
 <file path=ppt/slides/slide4.xml><?xml version="1.0" encoding="utf-8"?>
 <p:sld xmlns:a="http://schemas.openxmlformats.org/drawingml/2006/main" xmlns:r="http://schemas.openxmlformats.org/officeDocument/2006/relationships" xmlns:p="http://schemas.openxmlformats.org/presentationml/2006/main">
   <p:cSld>

--- a/내포토샵.pptx
+++ b/내포토샵.pptx
@@ -36,6 +36,7 @@
     <p:sldId id="284" r:id="rId30"/>
     <p:sldId id="285" r:id="rId31"/>
     <p:sldId id="286" r:id="rId32"/>
+    <p:sldId id="287" r:id="rId33"/>
   </p:sldIdLst>
   <p:sldSz cx="12192000" cy="6858000"/>
   <p:notesSz cx="6858000" cy="9144000"/>
@@ -271,7 +272,7 @@
           <a:p>
             <a:fld id="{F3DDBCC6-60C3-4D9F-A9F6-95468722F7A3}" type="datetimeFigureOut">
               <a:rPr lang="ko-KR" altLang="en-US" smtClean="0"/>
-              <a:t>2024-09-09</a:t>
+              <a:t>2024-09-11</a:t>
             </a:fld>
             <a:endParaRPr lang="ko-KR" altLang="en-US"/>
           </a:p>
@@ -439,7 +440,7 @@
           <a:p>
             <a:fld id="{F3DDBCC6-60C3-4D9F-A9F6-95468722F7A3}" type="datetimeFigureOut">
               <a:rPr lang="ko-KR" altLang="en-US" smtClean="0"/>
-              <a:t>2024-09-09</a:t>
+              <a:t>2024-09-11</a:t>
             </a:fld>
             <a:endParaRPr lang="ko-KR" altLang="en-US"/>
           </a:p>
@@ -617,7 +618,7 @@
           <a:p>
             <a:fld id="{F3DDBCC6-60C3-4D9F-A9F6-95468722F7A3}" type="datetimeFigureOut">
               <a:rPr lang="ko-KR" altLang="en-US" smtClean="0"/>
-              <a:t>2024-09-09</a:t>
+              <a:t>2024-09-11</a:t>
             </a:fld>
             <a:endParaRPr lang="ko-KR" altLang="en-US"/>
           </a:p>
@@ -785,7 +786,7 @@
           <a:p>
             <a:fld id="{F3DDBCC6-60C3-4D9F-A9F6-95468722F7A3}" type="datetimeFigureOut">
               <a:rPr lang="ko-KR" altLang="en-US" smtClean="0"/>
-              <a:t>2024-09-09</a:t>
+              <a:t>2024-09-11</a:t>
             </a:fld>
             <a:endParaRPr lang="ko-KR" altLang="en-US"/>
           </a:p>
@@ -1030,7 +1031,7 @@
           <a:p>
             <a:fld id="{F3DDBCC6-60C3-4D9F-A9F6-95468722F7A3}" type="datetimeFigureOut">
               <a:rPr lang="ko-KR" altLang="en-US" smtClean="0"/>
-              <a:t>2024-09-09</a:t>
+              <a:t>2024-09-11</a:t>
             </a:fld>
             <a:endParaRPr lang="ko-KR" altLang="en-US"/>
           </a:p>
@@ -1259,7 +1260,7 @@
           <a:p>
             <a:fld id="{F3DDBCC6-60C3-4D9F-A9F6-95468722F7A3}" type="datetimeFigureOut">
               <a:rPr lang="ko-KR" altLang="en-US" smtClean="0"/>
-              <a:t>2024-09-09</a:t>
+              <a:t>2024-09-11</a:t>
             </a:fld>
             <a:endParaRPr lang="ko-KR" altLang="en-US"/>
           </a:p>
@@ -1623,7 +1624,7 @@
           <a:p>
             <a:fld id="{F3DDBCC6-60C3-4D9F-A9F6-95468722F7A3}" type="datetimeFigureOut">
               <a:rPr lang="ko-KR" altLang="en-US" smtClean="0"/>
-              <a:t>2024-09-09</a:t>
+              <a:t>2024-09-11</a:t>
             </a:fld>
             <a:endParaRPr lang="ko-KR" altLang="en-US"/>
           </a:p>
@@ -1740,7 +1741,7 @@
           <a:p>
             <a:fld id="{F3DDBCC6-60C3-4D9F-A9F6-95468722F7A3}" type="datetimeFigureOut">
               <a:rPr lang="ko-KR" altLang="en-US" smtClean="0"/>
-              <a:t>2024-09-09</a:t>
+              <a:t>2024-09-11</a:t>
             </a:fld>
             <a:endParaRPr lang="ko-KR" altLang="en-US"/>
           </a:p>
@@ -1835,7 +1836,7 @@
           <a:p>
             <a:fld id="{F3DDBCC6-60C3-4D9F-A9F6-95468722F7A3}" type="datetimeFigureOut">
               <a:rPr lang="ko-KR" altLang="en-US" smtClean="0"/>
-              <a:t>2024-09-09</a:t>
+              <a:t>2024-09-11</a:t>
             </a:fld>
             <a:endParaRPr lang="ko-KR" altLang="en-US"/>
           </a:p>
@@ -2110,7 +2111,7 @@
           <a:p>
             <a:fld id="{F3DDBCC6-60C3-4D9F-A9F6-95468722F7A3}" type="datetimeFigureOut">
               <a:rPr lang="ko-KR" altLang="en-US" smtClean="0"/>
-              <a:t>2024-09-09</a:t>
+              <a:t>2024-09-11</a:t>
             </a:fld>
             <a:endParaRPr lang="ko-KR" altLang="en-US"/>
           </a:p>
@@ -2362,7 +2363,7 @@
           <a:p>
             <a:fld id="{F3DDBCC6-60C3-4D9F-A9F6-95468722F7A3}" type="datetimeFigureOut">
               <a:rPr lang="ko-KR" altLang="en-US" smtClean="0"/>
-              <a:t>2024-09-09</a:t>
+              <a:t>2024-09-11</a:t>
             </a:fld>
             <a:endParaRPr lang="ko-KR" altLang="en-US"/>
           </a:p>
@@ -2573,7 +2574,7 @@
           <a:p>
             <a:fld id="{F3DDBCC6-60C3-4D9F-A9F6-95468722F7A3}" type="datetimeFigureOut">
               <a:rPr lang="ko-KR" altLang="en-US" smtClean="0"/>
-              <a:t>2024-09-09</a:t>
+              <a:t>2024-09-11</a:t>
             </a:fld>
             <a:endParaRPr lang="ko-KR" altLang="en-US"/>
           </a:p>
@@ -8802,6 +8803,128 @@
 </p:sld>
 </file>
 
+<file path=ppt/slides/slide32.xml><?xml version="1.0" encoding="utf-8"?>
+<p:sld xmlns:a="http://schemas.openxmlformats.org/drawingml/2006/main" xmlns:r="http://schemas.openxmlformats.org/officeDocument/2006/relationships" xmlns:p="http://schemas.openxmlformats.org/presentationml/2006/main">
+  <p:cSld>
+    <p:spTree>
+      <p:nvGrpSpPr>
+        <p:cNvPr id="1" name=""/>
+        <p:cNvGrpSpPr/>
+        <p:nvPr/>
+      </p:nvGrpSpPr>
+      <p:grpSpPr>
+        <a:xfrm>
+          <a:off x="0" y="0"/>
+          <a:ext cx="0" cy="0"/>
+          <a:chOff x="0" y="0"/>
+          <a:chExt cx="0" cy="0"/>
+        </a:xfrm>
+      </p:grpSpPr>
+      <p:sp>
+        <p:nvSpPr>
+          <p:cNvPr id="2" name="타원 1"/>
+          <p:cNvSpPr/>
+          <p:nvPr/>
+        </p:nvSpPr>
+        <p:spPr>
+          <a:xfrm>
+            <a:off x="3192088" y="1961804"/>
+            <a:ext cx="2693324" cy="2693324"/>
+          </a:xfrm>
+          <a:prstGeom prst="ellipse">
+            <a:avLst/>
+          </a:prstGeom>
+          <a:solidFill>
+            <a:srgbClr val="B3A994"/>
+          </a:solidFill>
+          <a:ln w="508000">
+            <a:solidFill>
+              <a:srgbClr val="F3E4C1"/>
+            </a:solidFill>
+          </a:ln>
+        </p:spPr>
+        <p:style>
+          <a:lnRef idx="2">
+            <a:schemeClr val="accent1">
+              <a:shade val="50000"/>
+            </a:schemeClr>
+          </a:lnRef>
+          <a:fillRef idx="1">
+            <a:schemeClr val="accent1"/>
+          </a:fillRef>
+          <a:effectRef idx="0">
+            <a:schemeClr val="accent1"/>
+          </a:effectRef>
+          <a:fontRef idx="minor">
+            <a:schemeClr val="lt1"/>
+          </a:fontRef>
+        </p:style>
+        <p:txBody>
+          <a:bodyPr rtlCol="0" anchor="ctr"/>
+          <a:lstStyle/>
+          <a:p>
+            <a:pPr algn="ctr"/>
+            <a:endParaRPr lang="ko-KR" altLang="en-US">
+              <a:effectLst>
+                <a:outerShdw blurRad="38100" dist="38100" dir="2700000" algn="tl">
+                  <a:srgbClr val="000000">
+                    <a:alpha val="43137"/>
+                  </a:srgbClr>
+                </a:outerShdw>
+              </a:effectLst>
+            </a:endParaRPr>
+          </a:p>
+        </p:txBody>
+      </p:sp>
+      <p:pic>
+        <p:nvPicPr>
+          <p:cNvPr id="3" name="그림 2" descr="텍스트, 포스터, 만화 영화, 선전이(가) 표시된 사진&#10;&#10;자동 생성된 설명">
+            <a:extLst>
+              <a:ext uri="{FF2B5EF4-FFF2-40B4-BE49-F238E27FC236}">
+                <a16:creationId xmlns:a16="http://schemas.microsoft.com/office/drawing/2014/main" id="{B31B4397-2A3B-2423-5EED-6F31EA385403}"/>
+              </a:ext>
+            </a:extLst>
+          </p:cNvPr>
+          <p:cNvPicPr>
+            <a:picLocks noChangeAspect="1"/>
+          </p:cNvPicPr>
+          <p:nvPr/>
+        </p:nvPicPr>
+        <p:blipFill>
+          <a:blip r:embed="rId2" cstate="print">
+            <a:extLst>
+              <a:ext uri="{28A0092B-C50C-407E-A947-70E740481C1C}">
+                <a14:useLocalDpi xmlns:a14="http://schemas.microsoft.com/office/drawing/2010/main" val="0"/>
+              </a:ext>
+            </a:extLst>
+          </a:blip>
+          <a:stretch>
+            <a:fillRect/>
+          </a:stretch>
+        </p:blipFill>
+        <p:spPr>
+          <a:xfrm>
+            <a:off x="581278" y="1246950"/>
+            <a:ext cx="1126497" cy="1578941"/>
+          </a:xfrm>
+          <a:prstGeom prst="rect">
+            <a:avLst/>
+          </a:prstGeom>
+        </p:spPr>
+      </p:pic>
+    </p:spTree>
+    <p:extLst>
+      <p:ext uri="{BB962C8B-B14F-4D97-AF65-F5344CB8AC3E}">
+        <p14:creationId xmlns:p14="http://schemas.microsoft.com/office/powerpoint/2010/main" val="3926445207"/>
+      </p:ext>
+    </p:extLst>
+  </p:cSld>
+  <p:clrMapOvr>
+    <a:masterClrMapping/>
+  </p:clrMapOvr>
+</p:sld>
+</file>
+
 <file path=ppt/slides/slide4.xml><?xml version="1.0" encoding="utf-8"?>
 <p:sld xmlns:a="http://schemas.openxmlformats.org/drawingml/2006/main" xmlns:r="http://schemas.openxmlformats.org/officeDocument/2006/relationships" xmlns:p="http://schemas.openxmlformats.org/presentationml/2006/main">
   <p:cSld>
